--- a/slides/block11.pptx
+++ b/slides/block11.pptx
@@ -519,7 +519,7 @@
           <a:p>
             <a:r>
               <a:rPr lang="en-US" dirty="0"/>
-              <a:t>https://</a:t>
+              <a:t>Excellent source: https://</a:t>
             </a:r>
             <a:r>
               <a:rPr lang="en-US" dirty="0" err="1"/>
@@ -8465,13 +8465,8 @@
           <a:p>
             <a:r>
               <a:rPr lang="en-KW" dirty="0"/>
-              <a:t>If a hidden unit is taking inputs from N units in the previous layer, each multiplied by a randomly initialized weight, the summation will have variance N! </a:t>
-            </a:r>
-            <a:r>
-              <a:rPr lang="en-KW"/>
-              <a:t>=&gt; Blowing up forward pass</a:t>
-            </a:r>
-            <a:endParaRPr lang="en-KW" dirty="0"/>
+              <a:t>If a hidden unit is taking inputs from N units in the previous layer, each multiplied by a randomly initialized weight, the summation will have variance N! =&gt; Blowing up forward pass</a:t>
+            </a:r>
           </a:p>
           <a:p>
             <a:r>

--- a/slides/block11.pptx
+++ b/slides/block11.pptx
@@ -15,7 +15,7 @@
     <p:sldId id="295" r:id="rId6"/>
     <p:sldId id="296" r:id="rId7"/>
     <p:sldId id="298" r:id="rId8"/>
-    <p:sldId id="299" r:id="rId9"/>
+    <p:sldId id="300" r:id="rId9"/>
     <p:sldId id="291" r:id="rId10"/>
   </p:sldIdLst>
   <p:sldSz cx="12192000" cy="6858000"/>
@@ -205,7 +205,7 @@
           <a:p>
             <a:fld id="{3F5DAF9C-BFBB-7344-81B1-BA27AD60250B}" type="datetimeFigureOut">
               <a:rPr lang="en-KW" smtClean="0"/>
-              <a:t>15/10/2025</a:t>
+              <a:t>21/10/2025</a:t>
             </a:fld>
             <a:endParaRPr lang="en-KW"/>
           </a:p>
@@ -573,6 +573,153 @@
 </p:notes>
 </file>
 
+<file path=ppt/notesSlides/notesSlide2.xml><?xml version="1.0" encoding="utf-8"?>
+<p:notes xmlns:a="http://schemas.openxmlformats.org/drawingml/2006/main" xmlns:r="http://schemas.openxmlformats.org/officeDocument/2006/relationships" xmlns:p="http://schemas.openxmlformats.org/presentationml/2006/main">
+  <p:cSld>
+    <p:spTree>
+      <p:nvGrpSpPr>
+        <p:cNvPr id="1" name=""/>
+        <p:cNvGrpSpPr/>
+        <p:nvPr/>
+      </p:nvGrpSpPr>
+      <p:grpSpPr>
+        <a:xfrm>
+          <a:off x="0" y="0"/>
+          <a:ext cx="0" cy="0"/>
+          <a:chOff x="0" y="0"/>
+          <a:chExt cx="0" cy="0"/>
+        </a:xfrm>
+      </p:grpSpPr>
+      <p:sp>
+        <p:nvSpPr>
+          <p:cNvPr id="2" name="Slide Image Placeholder 1"/>
+          <p:cNvSpPr>
+            <a:spLocks noGrp="1" noRot="1" noChangeAspect="1"/>
+          </p:cNvSpPr>
+          <p:nvPr>
+            <p:ph type="sldImg"/>
+          </p:nvPr>
+        </p:nvSpPr>
+        <p:spPr/>
+      </p:sp>
+      <p:sp>
+        <p:nvSpPr>
+          <p:cNvPr id="3" name="Notes Placeholder 2"/>
+          <p:cNvSpPr>
+            <a:spLocks noGrp="1"/>
+          </p:cNvSpPr>
+          <p:nvPr>
+            <p:ph type="body" idx="1"/>
+          </p:nvPr>
+        </p:nvSpPr>
+        <p:spPr/>
+        <p:txBody>
+          <a:bodyPr/>
+          <a:lstStyle/>
+          <a:p>
+            <a:pPr marL="0" marR="0" lvl="0" indent="0" algn="l" defTabSz="914400" rtl="0" eaLnBrk="1" fontAlgn="auto" latinLnBrk="0" hangingPunct="1">
+              <a:lnSpc>
+                <a:spcPct val="100000"/>
+              </a:lnSpc>
+              <a:spcBef>
+                <a:spcPts val="0"/>
+              </a:spcBef>
+              <a:spcAft>
+                <a:spcPts val="0"/>
+              </a:spcAft>
+              <a:buClrTx/>
+              <a:buSzTx/>
+              <a:buFontTx/>
+              <a:buNone/>
+              <a:tabLst/>
+              <a:defRPr/>
+            </a:pPr>
+            <a:r>
+              <a:rPr lang="en-KW" dirty="0"/>
+              <a:t>Backprop: </a:t>
+            </a:r>
+            <a:r>
+              <a:rPr lang="en-US" dirty="0"/>
+              <a:t>Excellent source: https://</a:t>
+            </a:r>
+            <a:r>
+              <a:rPr lang="en-US" dirty="0" err="1"/>
+              <a:t>visionbook.mit.edu</a:t>
+            </a:r>
+            <a:r>
+              <a:rPr lang="en-US" dirty="0"/>
+              <a:t>/</a:t>
+            </a:r>
+            <a:r>
+              <a:rPr lang="en-US" dirty="0" err="1"/>
+              <a:t>backpropagation.html</a:t>
+            </a:r>
+            <a:endParaRPr lang="en-KW"/>
+          </a:p>
+          <a:p>
+            <a:endParaRPr lang="en-KW"/>
+          </a:p>
+          <a:p>
+            <a:r>
+              <a:rPr lang="en-KW" dirty="0"/>
+              <a:t>Extended expalanation: </a:t>
+            </a:r>
+            <a:r>
+              <a:rPr lang="en-US" dirty="0"/>
+              <a:t>https://</a:t>
+            </a:r>
+            <a:r>
+              <a:rPr lang="en-US" dirty="0" err="1"/>
+              <a:t>www.deeplearning.ai</a:t>
+            </a:r>
+            <a:r>
+              <a:rPr lang="en-US" dirty="0"/>
+              <a:t>/ai-notes/initialization/</a:t>
+            </a:r>
+            <a:r>
+              <a:rPr lang="en-US" dirty="0" err="1"/>
+              <a:t>index.html</a:t>
+            </a:r>
+            <a:endParaRPr lang="en-KW" dirty="0"/>
+          </a:p>
+        </p:txBody>
+      </p:sp>
+      <p:sp>
+        <p:nvSpPr>
+          <p:cNvPr id="4" name="Slide Number Placeholder 3"/>
+          <p:cNvSpPr>
+            <a:spLocks noGrp="1"/>
+          </p:cNvSpPr>
+          <p:nvPr>
+            <p:ph type="sldNum" sz="quarter" idx="5"/>
+          </p:nvPr>
+        </p:nvSpPr>
+        <p:spPr/>
+        <p:txBody>
+          <a:bodyPr/>
+          <a:lstStyle/>
+          <a:p>
+            <a:fld id="{949CAF34-6B4C-E54E-8A71-2DCA512F23AC}" type="slidenum">
+              <a:rPr lang="en-KW" smtClean="0"/>
+              <a:t>8</a:t>
+            </a:fld>
+            <a:endParaRPr lang="en-KW"/>
+          </a:p>
+        </p:txBody>
+      </p:sp>
+    </p:spTree>
+    <p:extLst>
+      <p:ext uri="{BB962C8B-B14F-4D97-AF65-F5344CB8AC3E}">
+        <p14:creationId xmlns:p14="http://schemas.microsoft.com/office/powerpoint/2010/main" val="3277257463"/>
+      </p:ext>
+    </p:extLst>
+  </p:cSld>
+  <p:clrMapOvr>
+    <a:masterClrMapping/>
+  </p:clrMapOvr>
+</p:notes>
+</file>
+
 <file path=ppt/slideLayouts/slideLayout1.xml><?xml version="1.0" encoding="utf-8"?>
 <p:sldLayout xmlns:a="http://schemas.openxmlformats.org/drawingml/2006/main" xmlns:r="http://schemas.openxmlformats.org/officeDocument/2006/relationships" xmlns:p="http://schemas.openxmlformats.org/presentationml/2006/main" type="title" preserve="1">
   <p:cSld name="Title Slide">
@@ -722,7 +869,7 @@
           <a:p>
             <a:fld id="{AB78BAB4-45D1-EE48-BF00-BF3F291908FD}" type="datetimeFigureOut">
               <a:rPr lang="en-KW" smtClean="0"/>
-              <a:t>15/10/2025</a:t>
+              <a:t>21/10/2025</a:t>
             </a:fld>
             <a:endParaRPr lang="en-KW"/>
           </a:p>
@@ -922,7 +1069,7 @@
           <a:p>
             <a:fld id="{AB78BAB4-45D1-EE48-BF00-BF3F291908FD}" type="datetimeFigureOut">
               <a:rPr lang="en-KW" smtClean="0"/>
-              <a:t>15/10/2025</a:t>
+              <a:t>21/10/2025</a:t>
             </a:fld>
             <a:endParaRPr lang="en-KW"/>
           </a:p>
@@ -1132,7 +1279,7 @@
           <a:p>
             <a:fld id="{AB78BAB4-45D1-EE48-BF00-BF3F291908FD}" type="datetimeFigureOut">
               <a:rPr lang="en-KW" smtClean="0"/>
-              <a:t>15/10/2025</a:t>
+              <a:t>21/10/2025</a:t>
             </a:fld>
             <a:endParaRPr lang="en-KW"/>
           </a:p>
@@ -1355,7 +1502,7 @@
           <a:p>
             <a:fld id="{AB78BAB4-45D1-EE48-BF00-BF3F291908FD}" type="datetimeFigureOut">
               <a:rPr lang="en-KW" smtClean="0"/>
-              <a:t>15/10/2025</a:t>
+              <a:t>21/10/2025</a:t>
             </a:fld>
             <a:endParaRPr lang="en-KW"/>
           </a:p>
@@ -1631,7 +1778,7 @@
           <a:p>
             <a:fld id="{AB78BAB4-45D1-EE48-BF00-BF3F291908FD}" type="datetimeFigureOut">
               <a:rPr lang="en-KW" smtClean="0"/>
-              <a:t>15/10/2025</a:t>
+              <a:t>21/10/2025</a:t>
             </a:fld>
             <a:endParaRPr lang="en-KW"/>
           </a:p>
@@ -1943,7 +2090,7 @@
           <a:p>
             <a:fld id="{AB78BAB4-45D1-EE48-BF00-BF3F291908FD}" type="datetimeFigureOut">
               <a:rPr lang="en-KW" smtClean="0"/>
-              <a:t>15/10/2025</a:t>
+              <a:t>21/10/2025</a:t>
             </a:fld>
             <a:endParaRPr lang="en-KW"/>
           </a:p>
@@ -2374,7 +2521,7 @@
           <a:p>
             <a:fld id="{AB78BAB4-45D1-EE48-BF00-BF3F291908FD}" type="datetimeFigureOut">
               <a:rPr lang="en-KW" smtClean="0"/>
-              <a:t>15/10/2025</a:t>
+              <a:t>21/10/2025</a:t>
             </a:fld>
             <a:endParaRPr lang="en-KW"/>
           </a:p>
@@ -2516,7 +2663,7 @@
           <a:p>
             <a:fld id="{AB78BAB4-45D1-EE48-BF00-BF3F291908FD}" type="datetimeFigureOut">
               <a:rPr lang="en-KW" smtClean="0"/>
-              <a:t>15/10/2025</a:t>
+              <a:t>21/10/2025</a:t>
             </a:fld>
             <a:endParaRPr lang="en-KW"/>
           </a:p>
@@ -2629,7 +2776,7 @@
           <a:p>
             <a:fld id="{AB78BAB4-45D1-EE48-BF00-BF3F291908FD}" type="datetimeFigureOut">
               <a:rPr lang="en-KW" smtClean="0"/>
-              <a:t>15/10/2025</a:t>
+              <a:t>21/10/2025</a:t>
             </a:fld>
             <a:endParaRPr lang="en-KW"/>
           </a:p>
@@ -2942,7 +3089,7 @@
           <a:p>
             <a:fld id="{AB78BAB4-45D1-EE48-BF00-BF3F291908FD}" type="datetimeFigureOut">
               <a:rPr lang="en-KW" smtClean="0"/>
-              <a:t>15/10/2025</a:t>
+              <a:t>21/10/2025</a:t>
             </a:fld>
             <a:endParaRPr lang="en-KW"/>
           </a:p>
@@ -3231,7 +3378,7 @@
           <a:p>
             <a:fld id="{AB78BAB4-45D1-EE48-BF00-BF3F291908FD}" type="datetimeFigureOut">
               <a:rPr lang="en-KW" smtClean="0"/>
-              <a:t>15/10/2025</a:t>
+              <a:t>21/10/2025</a:t>
             </a:fld>
             <a:endParaRPr lang="en-KW"/>
           </a:p>
@@ -3474,7 +3621,7 @@
           <a:p>
             <a:fld id="{AB78BAB4-45D1-EE48-BF00-BF3F291908FD}" type="datetimeFigureOut">
               <a:rPr lang="en-KW" smtClean="0"/>
-              <a:t>15/10/2025</a:t>
+              <a:t>21/10/2025</a:t>
             </a:fld>
             <a:endParaRPr lang="en-KW"/>
           </a:p>
@@ -4231,47 +4378,366 @@
           <a:p>
             <a:r>
               <a:rPr lang="en-KW" dirty="0"/>
-              <a:t>Solution: Introduce Non-Linearities</a:t>
-            </a:r>
-          </a:p>
-        </p:txBody>
-      </p:sp>
-      <p:sp>
-        <p:nvSpPr>
-          <p:cNvPr id="3" name="Content Placeholder 2">
-            <a:extLst>
-              <a:ext uri="{FF2B5EF4-FFF2-40B4-BE49-F238E27FC236}">
-                <a16:creationId xmlns:a16="http://schemas.microsoft.com/office/drawing/2014/main" id="{BB6D1E63-58F5-3038-6C56-83AF9637BABF}"/>
-              </a:ext>
-            </a:extLst>
-          </p:cNvPr>
-          <p:cNvSpPr>
-            <a:spLocks noGrp="1"/>
-          </p:cNvSpPr>
-          <p:nvPr>
-            <p:ph idx="1"/>
-          </p:nvPr>
-        </p:nvSpPr>
-        <p:spPr>
-          <a:xfrm>
-            <a:off x="838200" y="5574958"/>
-            <a:ext cx="10515600" cy="602004"/>
-          </a:xfrm>
-        </p:spPr>
-        <p:txBody>
-          <a:bodyPr/>
-          <a:lstStyle/>
-          <a:p>
-            <a:pPr marL="0" indent="0" algn="ctr">
-              <a:buNone/>
-            </a:pPr>
-            <a:r>
-              <a:rPr lang="en-KW" dirty="0"/>
-              <a:t>This is our current logistic regression setup</a:t>
-            </a:r>
-          </a:p>
-        </p:txBody>
-      </p:sp>
+              <a:t>Logistic Regression Diagram</a:t>
+            </a:r>
+          </a:p>
+        </p:txBody>
+      </p:sp>
+      <mc:AlternateContent xmlns:mc="http://schemas.openxmlformats.org/markup-compatibility/2006">
+        <mc:Choice xmlns:a14="http://schemas.microsoft.com/office/drawing/2010/main" Requires="a14">
+          <p:sp>
+            <p:nvSpPr>
+              <p:cNvPr id="3" name="Content Placeholder 2">
+                <a:extLst>
+                  <a:ext uri="{FF2B5EF4-FFF2-40B4-BE49-F238E27FC236}">
+                    <a16:creationId xmlns:a16="http://schemas.microsoft.com/office/drawing/2014/main" id="{BB6D1E63-58F5-3038-6C56-83AF9637BABF}"/>
+                  </a:ext>
+                </a:extLst>
+              </p:cNvPr>
+              <p:cNvSpPr>
+                <a:spLocks noGrp="1"/>
+              </p:cNvSpPr>
+              <p:nvPr>
+                <p:ph idx="1"/>
+              </p:nvPr>
+            </p:nvSpPr>
+            <p:spPr>
+              <a:xfrm>
+                <a:off x="838200" y="4774866"/>
+                <a:ext cx="10515600" cy="1402096"/>
+              </a:xfrm>
+            </p:spPr>
+            <p:txBody>
+              <a:bodyPr/>
+              <a:lstStyle/>
+              <a:p>
+                <a:pPr marL="0" indent="0" algn="ctr">
+                  <a:buNone/>
+                </a:pPr>
+                <a:r>
+                  <a:rPr lang="en-KW" dirty="0">
+                    <a:solidFill>
+                      <a:srgbClr val="7030A0"/>
+                    </a:solidFill>
+                  </a:rPr>
+                  <a:t>P(Blue Point) = </a:t>
+                </a:r>
+                <a14:m>
+                  <m:oMath xmlns:m="http://schemas.openxmlformats.org/officeDocument/2006/math">
+                    <m:f>
+                      <m:fPr>
+                        <m:ctrlPr>
+                          <a:rPr lang="en-KW" b="0" i="1" smtClean="0">
+                            <a:solidFill>
+                              <a:srgbClr val="7030A0"/>
+                            </a:solidFill>
+                            <a:latin typeface="Cambria Math" panose="02040503050406030204" pitchFamily="18" charset="0"/>
+                          </a:rPr>
+                        </m:ctrlPr>
+                      </m:fPr>
+                      <m:num>
+                        <m:r>
+                          <a:rPr lang="en-US" b="0" i="1" smtClean="0">
+                            <a:solidFill>
+                              <a:srgbClr val="7030A0"/>
+                            </a:solidFill>
+                            <a:latin typeface="Cambria Math" panose="02040503050406030204" pitchFamily="18" charset="0"/>
+                          </a:rPr>
+                          <m:t>1</m:t>
+                        </m:r>
+                      </m:num>
+                      <m:den>
+                        <m:r>
+                          <a:rPr lang="en-US" b="0" i="1" smtClean="0">
+                            <a:solidFill>
+                              <a:srgbClr val="7030A0"/>
+                            </a:solidFill>
+                            <a:latin typeface="Cambria Math" panose="02040503050406030204" pitchFamily="18" charset="0"/>
+                          </a:rPr>
+                          <m:t>1+</m:t>
+                        </m:r>
+                        <m:r>
+                          <a:rPr lang="en-US" b="0" i="1" smtClean="0">
+                            <a:solidFill>
+                              <a:srgbClr val="7030A0"/>
+                            </a:solidFill>
+                            <a:latin typeface="Cambria Math" panose="02040503050406030204" pitchFamily="18" charset="0"/>
+                          </a:rPr>
+                          <m:t>𝑒𝑥𝑝</m:t>
+                        </m:r>
+                        <m:d>
+                          <m:dPr>
+                            <m:ctrlPr>
+                              <a:rPr lang="en-US" b="0" i="1" smtClean="0">
+                                <a:solidFill>
+                                  <a:srgbClr val="7030A0"/>
+                                </a:solidFill>
+                                <a:latin typeface="Cambria Math" panose="02040503050406030204" pitchFamily="18" charset="0"/>
+                              </a:rPr>
+                            </m:ctrlPr>
+                          </m:dPr>
+                          <m:e>
+                            <m:r>
+                              <a:rPr lang="en-US" b="0" i="1" smtClean="0">
+                                <a:solidFill>
+                                  <a:srgbClr val="7030A0"/>
+                                </a:solidFill>
+                                <a:latin typeface="Cambria Math" panose="02040503050406030204" pitchFamily="18" charset="0"/>
+                              </a:rPr>
+                              <m:t>−(</m:t>
+                            </m:r>
+                            <m:sSub>
+                              <m:sSubPr>
+                                <m:ctrlPr>
+                                  <a:rPr lang="en-US" b="0" i="1" smtClean="0">
+                                    <a:solidFill>
+                                      <a:srgbClr val="7030A0"/>
+                                    </a:solidFill>
+                                    <a:latin typeface="Cambria Math" panose="02040503050406030204" pitchFamily="18" charset="0"/>
+                                  </a:rPr>
+                                </m:ctrlPr>
+                              </m:sSubPr>
+                              <m:e>
+                                <m:r>
+                                  <a:rPr lang="en-US" b="0" i="1" smtClean="0">
+                                    <a:solidFill>
+                                      <a:srgbClr val="7030A0"/>
+                                    </a:solidFill>
+                                    <a:latin typeface="Cambria Math" panose="02040503050406030204" pitchFamily="18" charset="0"/>
+                                  </a:rPr>
+                                  <m:t>𝛽</m:t>
+                                </m:r>
+                              </m:e>
+                              <m:sub>
+                                <m:r>
+                                  <a:rPr lang="en-US" b="0" i="1" smtClean="0">
+                                    <a:solidFill>
+                                      <a:srgbClr val="7030A0"/>
+                                    </a:solidFill>
+                                    <a:latin typeface="Cambria Math" panose="02040503050406030204" pitchFamily="18" charset="0"/>
+                                  </a:rPr>
+                                  <m:t>0</m:t>
+                                </m:r>
+                              </m:sub>
+                            </m:sSub>
+                            <m:r>
+                              <a:rPr lang="en-US" b="0" i="1" smtClean="0">
+                                <a:solidFill>
+                                  <a:srgbClr val="7030A0"/>
+                                </a:solidFill>
+                                <a:latin typeface="Cambria Math" panose="02040503050406030204" pitchFamily="18" charset="0"/>
+                              </a:rPr>
+                              <m:t>+</m:t>
+                            </m:r>
+                            <m:sSub>
+                              <m:sSubPr>
+                                <m:ctrlPr>
+                                  <a:rPr lang="en-US" b="0" i="1" smtClean="0">
+                                    <a:solidFill>
+                                      <a:srgbClr val="7030A0"/>
+                                    </a:solidFill>
+                                    <a:latin typeface="Cambria Math" panose="02040503050406030204" pitchFamily="18" charset="0"/>
+                                  </a:rPr>
+                                </m:ctrlPr>
+                              </m:sSubPr>
+                              <m:e>
+                                <m:r>
+                                  <a:rPr lang="en-US" b="0" i="1" smtClean="0">
+                                    <a:solidFill>
+                                      <a:srgbClr val="7030A0"/>
+                                    </a:solidFill>
+                                    <a:latin typeface="Cambria Math" panose="02040503050406030204" pitchFamily="18" charset="0"/>
+                                  </a:rPr>
+                                  <m:t>𝛽</m:t>
+                                </m:r>
+                              </m:e>
+                              <m:sub>
+                                <m:r>
+                                  <a:rPr lang="en-US" b="0" i="1" smtClean="0">
+                                    <a:solidFill>
+                                      <a:srgbClr val="7030A0"/>
+                                    </a:solidFill>
+                                    <a:latin typeface="Cambria Math" panose="02040503050406030204" pitchFamily="18" charset="0"/>
+                                  </a:rPr>
+                                  <m:t>1</m:t>
+                                </m:r>
+                              </m:sub>
+                            </m:sSub>
+                            <m:sSub>
+                              <m:sSubPr>
+                                <m:ctrlPr>
+                                  <a:rPr lang="en-US" b="0" i="1" smtClean="0">
+                                    <a:solidFill>
+                                      <a:srgbClr val="7030A0"/>
+                                    </a:solidFill>
+                                    <a:latin typeface="Cambria Math" panose="02040503050406030204" pitchFamily="18" charset="0"/>
+                                  </a:rPr>
+                                </m:ctrlPr>
+                              </m:sSubPr>
+                              <m:e>
+                                <m:r>
+                                  <a:rPr lang="en-US" b="0" i="1" smtClean="0">
+                                    <a:solidFill>
+                                      <a:srgbClr val="7030A0"/>
+                                    </a:solidFill>
+                                    <a:latin typeface="Cambria Math" panose="02040503050406030204" pitchFamily="18" charset="0"/>
+                                  </a:rPr>
+                                  <m:t>𝑥</m:t>
+                                </m:r>
+                              </m:e>
+                              <m:sub>
+                                <m:r>
+                                  <a:rPr lang="en-US" b="0" i="1" smtClean="0">
+                                    <a:solidFill>
+                                      <a:srgbClr val="7030A0"/>
+                                    </a:solidFill>
+                                    <a:latin typeface="Cambria Math" panose="02040503050406030204" pitchFamily="18" charset="0"/>
+                                  </a:rPr>
+                                  <m:t>1</m:t>
+                                </m:r>
+                              </m:sub>
+                            </m:sSub>
+                            <m:r>
+                              <a:rPr lang="en-US" b="0" i="1" smtClean="0">
+                                <a:solidFill>
+                                  <a:srgbClr val="7030A0"/>
+                                </a:solidFill>
+                                <a:latin typeface="Cambria Math" panose="02040503050406030204" pitchFamily="18" charset="0"/>
+                              </a:rPr>
+                              <m:t>+</m:t>
+                            </m:r>
+                            <m:sSub>
+                              <m:sSubPr>
+                                <m:ctrlPr>
+                                  <a:rPr lang="en-US" b="0" i="1" smtClean="0">
+                                    <a:solidFill>
+                                      <a:srgbClr val="7030A0"/>
+                                    </a:solidFill>
+                                    <a:latin typeface="Cambria Math" panose="02040503050406030204" pitchFamily="18" charset="0"/>
+                                  </a:rPr>
+                                </m:ctrlPr>
+                              </m:sSubPr>
+                              <m:e>
+                                <m:r>
+                                  <a:rPr lang="en-US" b="0" i="1" smtClean="0">
+                                    <a:solidFill>
+                                      <a:srgbClr val="7030A0"/>
+                                    </a:solidFill>
+                                    <a:latin typeface="Cambria Math" panose="02040503050406030204" pitchFamily="18" charset="0"/>
+                                  </a:rPr>
+                                  <m:t>𝛽</m:t>
+                                </m:r>
+                              </m:e>
+                              <m:sub>
+                                <m:r>
+                                  <a:rPr lang="en-US" b="0" i="1" smtClean="0">
+                                    <a:solidFill>
+                                      <a:srgbClr val="7030A0"/>
+                                    </a:solidFill>
+                                    <a:latin typeface="Cambria Math" panose="02040503050406030204" pitchFamily="18" charset="0"/>
+                                  </a:rPr>
+                                  <m:t>2</m:t>
+                                </m:r>
+                              </m:sub>
+                            </m:sSub>
+                            <m:sSub>
+                              <m:sSubPr>
+                                <m:ctrlPr>
+                                  <a:rPr lang="en-US" b="0" i="1" smtClean="0">
+                                    <a:solidFill>
+                                      <a:srgbClr val="7030A0"/>
+                                    </a:solidFill>
+                                    <a:latin typeface="Cambria Math" panose="02040503050406030204" pitchFamily="18" charset="0"/>
+                                  </a:rPr>
+                                </m:ctrlPr>
+                              </m:sSubPr>
+                              <m:e>
+                                <m:r>
+                                  <a:rPr lang="en-US" b="0" i="1" smtClean="0">
+                                    <a:solidFill>
+                                      <a:srgbClr val="7030A0"/>
+                                    </a:solidFill>
+                                    <a:latin typeface="Cambria Math" panose="02040503050406030204" pitchFamily="18" charset="0"/>
+                                  </a:rPr>
+                                  <m:t>𝑥</m:t>
+                                </m:r>
+                              </m:e>
+                              <m:sub>
+                                <m:r>
+                                  <a:rPr lang="en-US" b="0" i="1" smtClean="0">
+                                    <a:solidFill>
+                                      <a:srgbClr val="7030A0"/>
+                                    </a:solidFill>
+                                    <a:latin typeface="Cambria Math" panose="02040503050406030204" pitchFamily="18" charset="0"/>
+                                  </a:rPr>
+                                  <m:t>2</m:t>
+                                </m:r>
+                              </m:sub>
+                            </m:sSub>
+                            <m:r>
+                              <a:rPr lang="en-US" b="0" i="1" smtClean="0">
+                                <a:solidFill>
+                                  <a:srgbClr val="7030A0"/>
+                                </a:solidFill>
+                                <a:latin typeface="Cambria Math" panose="02040503050406030204" pitchFamily="18" charset="0"/>
+                              </a:rPr>
+                              <m:t>)</m:t>
+                            </m:r>
+                          </m:e>
+                        </m:d>
+                      </m:den>
+                    </m:f>
+                  </m:oMath>
+                </a14:m>
+                <a:endParaRPr lang="en-KW" b="0" dirty="0"/>
+              </a:p>
+            </p:txBody>
+          </p:sp>
+        </mc:Choice>
+        <mc:Fallback>
+          <p:sp>
+            <p:nvSpPr>
+              <p:cNvPr id="3" name="Content Placeholder 2">
+                <a:extLst>
+                  <a:ext uri="{FF2B5EF4-FFF2-40B4-BE49-F238E27FC236}">
+                    <a16:creationId xmlns:a16="http://schemas.microsoft.com/office/drawing/2014/main" id="{BB6D1E63-58F5-3038-6C56-83AF9637BABF}"/>
+                  </a:ext>
+                </a:extLst>
+              </p:cNvPr>
+              <p:cNvSpPr>
+                <a:spLocks noGrp="1" noRot="1" noChangeAspect="1" noMove="1" noResize="1" noEditPoints="1" noAdjustHandles="1" noChangeArrowheads="1" noChangeShapeType="1" noTextEdit="1"/>
+              </p:cNvSpPr>
+              <p:nvPr>
+                <p:ph idx="1"/>
+              </p:nvPr>
+            </p:nvSpPr>
+            <p:spPr>
+              <a:xfrm>
+                <a:off x="838200" y="4774866"/>
+                <a:ext cx="10515600" cy="1402096"/>
+              </a:xfrm>
+              <a:blipFill>
+                <a:blip r:embed="rId2"/>
+                <a:stretch>
+                  <a:fillRect t="-1786"/>
+                </a:stretch>
+              </a:blipFill>
+            </p:spPr>
+            <p:txBody>
+              <a:bodyPr/>
+              <a:lstStyle/>
+              <a:p>
+                <a:r>
+                  <a:rPr lang="en-KW">
+                    <a:noFill/>
+                  </a:rPr>
+                  <a:t> </a:t>
+                </a:r>
+              </a:p>
+            </p:txBody>
+          </p:sp>
+        </mc:Fallback>
+      </mc:AlternateContent>
       <p:sp>
         <p:nvSpPr>
           <p:cNvPr id="16" name="Oval 15">
@@ -8406,7 +8872,7 @@
           <p:cNvPr id="2" name="Title 1">
             <a:extLst>
               <a:ext uri="{FF2B5EF4-FFF2-40B4-BE49-F238E27FC236}">
-                <a16:creationId xmlns:a16="http://schemas.microsoft.com/office/drawing/2014/main" id="{0B44D634-E692-466F-90C1-2A954C5D9F31}"/>
+                <a16:creationId xmlns:a16="http://schemas.microsoft.com/office/drawing/2014/main" id="{AA52C5E8-D5E3-1AA7-6B9E-AB606443EDE3}"/>
               </a:ext>
             </a:extLst>
           </p:cNvPr>
@@ -8424,75 +8890,2568 @@
           <a:p>
             <a:r>
               <a:rPr lang="en-KW" dirty="0"/>
-              <a:t>Weight Initialization Matters!</a:t>
-            </a:r>
-          </a:p>
-        </p:txBody>
-      </p:sp>
-      <p:sp>
-        <p:nvSpPr>
-          <p:cNvPr id="3" name="Content Placeholder 2">
-            <a:extLst>
-              <a:ext uri="{FF2B5EF4-FFF2-40B4-BE49-F238E27FC236}">
-                <a16:creationId xmlns:a16="http://schemas.microsoft.com/office/drawing/2014/main" id="{5E356B62-C13C-4B95-100C-30F583015231}"/>
-              </a:ext>
-            </a:extLst>
-          </p:cNvPr>
-          <p:cNvSpPr>
-            <a:spLocks noGrp="1"/>
-          </p:cNvSpPr>
-          <p:nvPr>
-            <p:ph idx="1"/>
-          </p:nvPr>
-        </p:nvSpPr>
-        <p:spPr/>
-        <p:txBody>
-          <a:bodyPr/>
+              <a:t>Weight Initialization Matters</a:t>
+            </a:r>
+          </a:p>
+        </p:txBody>
+      </p:sp>
+      <mc:AlternateContent xmlns:mc="http://schemas.openxmlformats.org/markup-compatibility/2006">
+        <mc:Choice xmlns:a14="http://schemas.microsoft.com/office/drawing/2010/main" Requires="a14">
+          <p:sp>
+            <p:nvSpPr>
+              <p:cNvPr id="3" name="Content Placeholder 2">
+                <a:extLst>
+                  <a:ext uri="{FF2B5EF4-FFF2-40B4-BE49-F238E27FC236}">
+                    <a16:creationId xmlns:a16="http://schemas.microsoft.com/office/drawing/2014/main" id="{B0552353-B1A2-BC9C-C81C-A69B6CDA0673}"/>
+                  </a:ext>
+                </a:extLst>
+              </p:cNvPr>
+              <p:cNvSpPr>
+                <a:spLocks noGrp="1"/>
+              </p:cNvSpPr>
+              <p:nvPr>
+                <p:ph idx="1"/>
+              </p:nvPr>
+            </p:nvSpPr>
+            <p:spPr>
+              <a:xfrm>
+                <a:off x="5208494" y="1825625"/>
+                <a:ext cx="6145305" cy="4351338"/>
+              </a:xfrm>
+            </p:spPr>
+            <p:txBody>
+              <a:bodyPr>
+                <a:normAutofit fontScale="77500" lnSpcReduction="20000"/>
+              </a:bodyPr>
+              <a:lstStyle/>
+              <a:p>
+                <a:r>
+                  <a:rPr lang="en-KW" dirty="0"/>
+                  <a:t>Suppose x</a:t>
+                </a:r>
+                <a:r>
+                  <a:rPr lang="en-KW" baseline="-25000" dirty="0"/>
+                  <a:t>1</a:t>
+                </a:r>
+                <a:r>
+                  <a:rPr lang="en-KW" dirty="0"/>
+                  <a:t>, ..., x</a:t>
+                </a:r>
+                <a:r>
+                  <a:rPr lang="en-KW" baseline="-25000" dirty="0"/>
+                  <a:t>k</a:t>
+                </a:r>
+                <a:r>
+                  <a:rPr lang="en-KW" dirty="0"/>
+                  <a:t> are given </a:t>
+                </a:r>
+              </a:p>
+              <a:p>
+                <a:r>
+                  <a:rPr lang="en-KW" dirty="0"/>
+                  <a:t>w</a:t>
+                </a:r>
+                <a:r>
+                  <a:rPr lang="en-KW" baseline="-25000" dirty="0"/>
+                  <a:t>1</a:t>
+                </a:r>
+                <a:r>
+                  <a:rPr lang="en-KW" dirty="0"/>
+                  <a:t>, ..., w</a:t>
+                </a:r>
+                <a:r>
+                  <a:rPr lang="en-KW" baseline="-25000" dirty="0"/>
+                  <a:t>k</a:t>
+                </a:r>
+                <a:r>
+                  <a:rPr lang="en-KW" dirty="0"/>
+                  <a:t> are randomly initialized from a standard normal</a:t>
+                </a:r>
+              </a:p>
+              <a:p>
+                <a:pPr marL="0" indent="0" algn="ctr">
+                  <a:buNone/>
+                </a:pPr>
+                <a14:m>
+                  <m:oMathPara xmlns:m="http://schemas.openxmlformats.org/officeDocument/2006/math">
+                    <m:oMathParaPr>
+                      <m:jc m:val="centerGroup"/>
+                    </m:oMathParaPr>
+                    <m:oMath xmlns:m="http://schemas.openxmlformats.org/officeDocument/2006/math">
+                      <m:r>
+                        <a:rPr lang="en-US" sz="2600" b="0" i="1" smtClean="0">
+                          <a:solidFill>
+                            <a:srgbClr val="7030A0"/>
+                          </a:solidFill>
+                          <a:latin typeface="Cambria Math" panose="02040503050406030204" pitchFamily="18" charset="0"/>
+                        </a:rPr>
+                        <m:t>𝑜𝑢𝑡𝑝𝑢𝑡</m:t>
+                      </m:r>
+                      <m:r>
+                        <a:rPr lang="en-US" sz="2600" b="0" i="1" smtClean="0">
+                          <a:solidFill>
+                            <a:srgbClr val="7030A0"/>
+                          </a:solidFill>
+                          <a:latin typeface="Cambria Math" panose="02040503050406030204" pitchFamily="18" charset="0"/>
+                        </a:rPr>
+                        <m:t>=</m:t>
+                      </m:r>
+                      <m:nary>
+                        <m:naryPr>
+                          <m:chr m:val="∑"/>
+                          <m:supHide m:val="on"/>
+                          <m:ctrlPr>
+                            <a:rPr lang="en-US" sz="2600" b="0" i="1" smtClean="0">
+                              <a:solidFill>
+                                <a:srgbClr val="7030A0"/>
+                              </a:solidFill>
+                              <a:latin typeface="Cambria Math" panose="02040503050406030204" pitchFamily="18" charset="0"/>
+                            </a:rPr>
+                          </m:ctrlPr>
+                        </m:naryPr>
+                        <m:sub>
+                          <m:r>
+                            <a:rPr lang="en-US" sz="2600" b="0" i="1" smtClean="0">
+                              <a:solidFill>
+                                <a:srgbClr val="7030A0"/>
+                              </a:solidFill>
+                              <a:latin typeface="Cambria Math" panose="02040503050406030204" pitchFamily="18" charset="0"/>
+                            </a:rPr>
+                            <m:t>𝑘</m:t>
+                          </m:r>
+                        </m:sub>
+                        <m:sup/>
+                        <m:e>
+                          <m:sSub>
+                            <m:sSubPr>
+                              <m:ctrlPr>
+                                <a:rPr lang="en-US" sz="2600" b="0" i="1" smtClean="0">
+                                  <a:solidFill>
+                                    <a:srgbClr val="7030A0"/>
+                                  </a:solidFill>
+                                  <a:latin typeface="Cambria Math" panose="02040503050406030204" pitchFamily="18" charset="0"/>
+                                </a:rPr>
+                              </m:ctrlPr>
+                            </m:sSubPr>
+                            <m:e>
+                              <m:r>
+                                <a:rPr lang="en-US" sz="2600" b="0" i="1" smtClean="0">
+                                  <a:solidFill>
+                                    <a:srgbClr val="7030A0"/>
+                                  </a:solidFill>
+                                  <a:latin typeface="Cambria Math" panose="02040503050406030204" pitchFamily="18" charset="0"/>
+                                </a:rPr>
+                                <m:t>𝑤</m:t>
+                              </m:r>
+                            </m:e>
+                            <m:sub>
+                              <m:r>
+                                <a:rPr lang="en-US" sz="2600" b="0" i="1" smtClean="0">
+                                  <a:solidFill>
+                                    <a:srgbClr val="7030A0"/>
+                                  </a:solidFill>
+                                  <a:latin typeface="Cambria Math" panose="02040503050406030204" pitchFamily="18" charset="0"/>
+                                </a:rPr>
+                                <m:t>𝑘</m:t>
+                              </m:r>
+                            </m:sub>
+                          </m:sSub>
+                          <m:sSub>
+                            <m:sSubPr>
+                              <m:ctrlPr>
+                                <a:rPr lang="en-US" sz="2600" b="0" i="1" smtClean="0">
+                                  <a:solidFill>
+                                    <a:srgbClr val="7030A0"/>
+                                  </a:solidFill>
+                                  <a:latin typeface="Cambria Math" panose="02040503050406030204" pitchFamily="18" charset="0"/>
+                                </a:rPr>
+                              </m:ctrlPr>
+                            </m:sSubPr>
+                            <m:e>
+                              <m:r>
+                                <a:rPr lang="en-US" sz="2600" b="0" i="1" smtClean="0">
+                                  <a:solidFill>
+                                    <a:srgbClr val="7030A0"/>
+                                  </a:solidFill>
+                                  <a:latin typeface="Cambria Math" panose="02040503050406030204" pitchFamily="18" charset="0"/>
+                                </a:rPr>
+                                <m:t>𝑥</m:t>
+                              </m:r>
+                            </m:e>
+                            <m:sub>
+                              <m:r>
+                                <a:rPr lang="en-US" sz="2600" b="0" i="1" smtClean="0">
+                                  <a:solidFill>
+                                    <a:srgbClr val="7030A0"/>
+                                  </a:solidFill>
+                                  <a:latin typeface="Cambria Math" panose="02040503050406030204" pitchFamily="18" charset="0"/>
+                                </a:rPr>
+                                <m:t>𝑘</m:t>
+                              </m:r>
+                            </m:sub>
+                          </m:sSub>
+                        </m:e>
+                      </m:nary>
+                    </m:oMath>
+                  </m:oMathPara>
+                </a14:m>
+                <a:endParaRPr lang="en-KW" b="0" dirty="0">
+                  <a:solidFill>
+                    <a:srgbClr val="7030A0"/>
+                  </a:solidFill>
+                </a:endParaRPr>
+              </a:p>
+              <a:p>
+                <a:pPr marL="0" indent="0" algn="ctr">
+                  <a:buNone/>
+                </a:pPr>
+                <a14:m>
+                  <m:oMathPara xmlns:m="http://schemas.openxmlformats.org/officeDocument/2006/math">
+                    <m:oMathParaPr>
+                      <m:jc m:val="centerGroup"/>
+                    </m:oMathParaPr>
+                    <m:oMath xmlns:m="http://schemas.openxmlformats.org/officeDocument/2006/math">
+                      <m:r>
+                        <a:rPr lang="en-US" sz="2400" b="0" i="1" smtClean="0">
+                          <a:solidFill>
+                            <a:srgbClr val="7030A0"/>
+                          </a:solidFill>
+                          <a:latin typeface="Cambria Math" panose="02040503050406030204" pitchFamily="18" charset="0"/>
+                        </a:rPr>
+                        <m:t>𝑉𝑎𝑟</m:t>
+                      </m:r>
+                      <m:d>
+                        <m:dPr>
+                          <m:ctrlPr>
+                            <a:rPr lang="en-US" sz="2400" b="0" i="1" smtClean="0">
+                              <a:solidFill>
+                                <a:srgbClr val="7030A0"/>
+                              </a:solidFill>
+                              <a:latin typeface="Cambria Math" panose="02040503050406030204" pitchFamily="18" charset="0"/>
+                            </a:rPr>
+                          </m:ctrlPr>
+                        </m:dPr>
+                        <m:e>
+                          <m:r>
+                            <a:rPr lang="en-US" sz="2400" b="0" i="1" smtClean="0">
+                              <a:solidFill>
+                                <a:srgbClr val="7030A0"/>
+                              </a:solidFill>
+                              <a:latin typeface="Cambria Math" panose="02040503050406030204" pitchFamily="18" charset="0"/>
+                            </a:rPr>
+                            <m:t>𝑜𝑢𝑡𝑝𝑢𝑡</m:t>
+                          </m:r>
+                        </m:e>
+                      </m:d>
+                      <m:r>
+                        <a:rPr lang="en-US" sz="2400" b="0" i="1" smtClean="0">
+                          <a:solidFill>
+                            <a:srgbClr val="7030A0"/>
+                          </a:solidFill>
+                          <a:latin typeface="Cambria Math" panose="02040503050406030204" pitchFamily="18" charset="0"/>
+                        </a:rPr>
+                        <m:t>=</m:t>
+                      </m:r>
+                      <m:nary>
+                        <m:naryPr>
+                          <m:chr m:val="∑"/>
+                          <m:supHide m:val="on"/>
+                          <m:ctrlPr>
+                            <a:rPr lang="en-US" sz="2400" b="0" i="1" smtClean="0">
+                              <a:solidFill>
+                                <a:srgbClr val="7030A0"/>
+                              </a:solidFill>
+                              <a:latin typeface="Cambria Math" panose="02040503050406030204" pitchFamily="18" charset="0"/>
+                            </a:rPr>
+                          </m:ctrlPr>
+                        </m:naryPr>
+                        <m:sub>
+                          <m:r>
+                            <a:rPr lang="en-US" sz="2400" b="0" i="1" smtClean="0">
+                              <a:solidFill>
+                                <a:srgbClr val="7030A0"/>
+                              </a:solidFill>
+                              <a:latin typeface="Cambria Math" panose="02040503050406030204" pitchFamily="18" charset="0"/>
+                            </a:rPr>
+                            <m:t>𝑘</m:t>
+                          </m:r>
+                        </m:sub>
+                        <m:sup/>
+                        <m:e>
+                          <m:sSubSup>
+                            <m:sSubSupPr>
+                              <m:ctrlPr>
+                                <a:rPr lang="en-US" sz="2400" b="0" i="1" smtClean="0">
+                                  <a:solidFill>
+                                    <a:srgbClr val="7030A0"/>
+                                  </a:solidFill>
+                                  <a:latin typeface="Cambria Math" panose="02040503050406030204" pitchFamily="18" charset="0"/>
+                                </a:rPr>
+                              </m:ctrlPr>
+                            </m:sSubSupPr>
+                            <m:e>
+                              <m:r>
+                                <a:rPr lang="en-US" sz="2400" b="0" i="1" smtClean="0">
+                                  <a:solidFill>
+                                    <a:srgbClr val="7030A0"/>
+                                  </a:solidFill>
+                                  <a:latin typeface="Cambria Math" panose="02040503050406030204" pitchFamily="18" charset="0"/>
+                                </a:rPr>
+                                <m:t>𝑥</m:t>
+                              </m:r>
+                            </m:e>
+                            <m:sub>
+                              <m:r>
+                                <a:rPr lang="en-US" sz="2400" b="0" i="1" smtClean="0">
+                                  <a:solidFill>
+                                    <a:srgbClr val="7030A0"/>
+                                  </a:solidFill>
+                                  <a:latin typeface="Cambria Math" panose="02040503050406030204" pitchFamily="18" charset="0"/>
+                                </a:rPr>
+                                <m:t>𝑘</m:t>
+                              </m:r>
+                            </m:sub>
+                            <m:sup>
+                              <m:r>
+                                <a:rPr lang="en-US" sz="2400" b="0" i="1" smtClean="0">
+                                  <a:solidFill>
+                                    <a:srgbClr val="7030A0"/>
+                                  </a:solidFill>
+                                  <a:latin typeface="Cambria Math" panose="02040503050406030204" pitchFamily="18" charset="0"/>
+                                </a:rPr>
+                                <m:t>2</m:t>
+                              </m:r>
+                            </m:sup>
+                          </m:sSubSup>
+                          <m:r>
+                            <a:rPr lang="en-US" sz="2400" b="0" i="1" smtClean="0">
+                              <a:solidFill>
+                                <a:srgbClr val="7030A0"/>
+                              </a:solidFill>
+                              <a:latin typeface="Cambria Math" panose="02040503050406030204" pitchFamily="18" charset="0"/>
+                            </a:rPr>
+                            <m:t>𝑉𝑎𝑟</m:t>
+                          </m:r>
+                          <m:d>
+                            <m:dPr>
+                              <m:ctrlPr>
+                                <a:rPr lang="en-US" sz="2400" b="0" i="1" smtClean="0">
+                                  <a:solidFill>
+                                    <a:srgbClr val="7030A0"/>
+                                  </a:solidFill>
+                                  <a:latin typeface="Cambria Math" panose="02040503050406030204" pitchFamily="18" charset="0"/>
+                                </a:rPr>
+                              </m:ctrlPr>
+                            </m:dPr>
+                            <m:e>
+                              <m:sSub>
+                                <m:sSubPr>
+                                  <m:ctrlPr>
+                                    <a:rPr lang="en-US" sz="2400" b="0" i="1" smtClean="0">
+                                      <a:solidFill>
+                                        <a:srgbClr val="7030A0"/>
+                                      </a:solidFill>
+                                      <a:latin typeface="Cambria Math" panose="02040503050406030204" pitchFamily="18" charset="0"/>
+                                    </a:rPr>
+                                  </m:ctrlPr>
+                                </m:sSubPr>
+                                <m:e>
+                                  <m:r>
+                                    <a:rPr lang="en-US" sz="2400" b="0" i="1" smtClean="0">
+                                      <a:solidFill>
+                                        <a:srgbClr val="7030A0"/>
+                                      </a:solidFill>
+                                      <a:latin typeface="Cambria Math" panose="02040503050406030204" pitchFamily="18" charset="0"/>
+                                    </a:rPr>
+                                    <m:t>𝑤</m:t>
+                                  </m:r>
+                                </m:e>
+                                <m:sub>
+                                  <m:r>
+                                    <a:rPr lang="en-US" sz="2400" b="0" i="1" smtClean="0">
+                                      <a:solidFill>
+                                        <a:srgbClr val="7030A0"/>
+                                      </a:solidFill>
+                                      <a:latin typeface="Cambria Math" panose="02040503050406030204" pitchFamily="18" charset="0"/>
+                                    </a:rPr>
+                                    <m:t>𝑘</m:t>
+                                  </m:r>
+                                </m:sub>
+                              </m:sSub>
+                            </m:e>
+                          </m:d>
+                          <m:r>
+                            <a:rPr lang="en-US" sz="2400" b="0" i="1" smtClean="0">
+                              <a:solidFill>
+                                <a:srgbClr val="7030A0"/>
+                              </a:solidFill>
+                              <a:latin typeface="Cambria Math" panose="02040503050406030204" pitchFamily="18" charset="0"/>
+                            </a:rPr>
+                            <m:t>=</m:t>
+                          </m:r>
+                          <m:nary>
+                            <m:naryPr>
+                              <m:chr m:val="∑"/>
+                              <m:supHide m:val="on"/>
+                              <m:ctrlPr>
+                                <a:rPr lang="en-US" sz="2400" b="0" i="1" smtClean="0">
+                                  <a:solidFill>
+                                    <a:srgbClr val="7030A0"/>
+                                  </a:solidFill>
+                                  <a:latin typeface="Cambria Math" panose="02040503050406030204" pitchFamily="18" charset="0"/>
+                                </a:rPr>
+                              </m:ctrlPr>
+                            </m:naryPr>
+                            <m:sub>
+                              <m:r>
+                                <a:rPr lang="en-US" sz="2400" b="0" i="1" smtClean="0">
+                                  <a:solidFill>
+                                    <a:srgbClr val="7030A0"/>
+                                  </a:solidFill>
+                                  <a:latin typeface="Cambria Math" panose="02040503050406030204" pitchFamily="18" charset="0"/>
+                                </a:rPr>
+                                <m:t>𝑘</m:t>
+                              </m:r>
+                            </m:sub>
+                            <m:sup/>
+                            <m:e>
+                              <m:sSubSup>
+                                <m:sSubSupPr>
+                                  <m:ctrlPr>
+                                    <a:rPr lang="en-US" sz="2400" b="0" i="1" smtClean="0">
+                                      <a:solidFill>
+                                        <a:srgbClr val="7030A0"/>
+                                      </a:solidFill>
+                                      <a:latin typeface="Cambria Math" panose="02040503050406030204" pitchFamily="18" charset="0"/>
+                                    </a:rPr>
+                                  </m:ctrlPr>
+                                </m:sSubSupPr>
+                                <m:e>
+                                  <m:r>
+                                    <a:rPr lang="en-US" sz="2400" b="0" i="1" smtClean="0">
+                                      <a:solidFill>
+                                        <a:srgbClr val="7030A0"/>
+                                      </a:solidFill>
+                                      <a:latin typeface="Cambria Math" panose="02040503050406030204" pitchFamily="18" charset="0"/>
+                                    </a:rPr>
+                                    <m:t>𝑥</m:t>
+                                  </m:r>
+                                </m:e>
+                                <m:sub>
+                                  <m:r>
+                                    <a:rPr lang="en-US" sz="2400" b="0" i="1" smtClean="0">
+                                      <a:solidFill>
+                                        <a:srgbClr val="7030A0"/>
+                                      </a:solidFill>
+                                      <a:latin typeface="Cambria Math" panose="02040503050406030204" pitchFamily="18" charset="0"/>
+                                    </a:rPr>
+                                    <m:t>𝑘</m:t>
+                                  </m:r>
+                                </m:sub>
+                                <m:sup>
+                                  <m:r>
+                                    <a:rPr lang="en-US" sz="2400" b="0" i="1" smtClean="0">
+                                      <a:solidFill>
+                                        <a:srgbClr val="7030A0"/>
+                                      </a:solidFill>
+                                      <a:latin typeface="Cambria Math" panose="02040503050406030204" pitchFamily="18" charset="0"/>
+                                    </a:rPr>
+                                    <m:t>2</m:t>
+                                  </m:r>
+                                </m:sup>
+                              </m:sSubSup>
+                            </m:e>
+                          </m:nary>
+                        </m:e>
+                      </m:nary>
+                    </m:oMath>
+                  </m:oMathPara>
+                </a14:m>
+                <a:endParaRPr lang="en-KW" sz="2400" b="0" dirty="0">
+                  <a:solidFill>
+                    <a:srgbClr val="7030A0"/>
+                  </a:solidFill>
+                </a:endParaRPr>
+              </a:p>
+              <a:p>
+                <a:r>
+                  <a:rPr lang="en-KW" sz="2400" dirty="0"/>
+                  <a:t>More inputs =&gt; greater variance! (i.e., greater chance of extreme output values)</a:t>
+                </a:r>
+              </a:p>
+              <a:p>
+                <a:r>
+                  <a:rPr lang="en-KW" sz="2400" dirty="0"/>
+                  <a:t>Can blow up the forward pass &amp; gradients</a:t>
+                </a:r>
+              </a:p>
+              <a:p>
+                <a:r>
+                  <a:rPr lang="en-KW" sz="2400" dirty="0"/>
+                  <a:t>If output is going into non-linearity, the activation could saturate and no learning occurs</a:t>
+                </a:r>
+              </a:p>
+              <a:p>
+                <a:r>
+                  <a:rPr lang="en-KW" sz="2400" dirty="0">
+                    <a:solidFill>
+                      <a:srgbClr val="00B0F0"/>
+                    </a:solidFill>
+                  </a:rPr>
+                  <a:t>Common solution: </a:t>
+                </a:r>
+                <a14:m>
+                  <m:oMath xmlns:m="http://schemas.openxmlformats.org/officeDocument/2006/math">
+                    <m:sSub>
+                      <m:sSubPr>
+                        <m:ctrlPr>
+                          <a:rPr lang="en-US" sz="2400" b="0" i="1" smtClean="0">
+                            <a:solidFill>
+                              <a:srgbClr val="7030A0"/>
+                            </a:solidFill>
+                            <a:latin typeface="Cambria Math" panose="02040503050406030204" pitchFamily="18" charset="0"/>
+                          </a:rPr>
+                        </m:ctrlPr>
+                      </m:sSubPr>
+                      <m:e>
+                        <m:r>
+                          <a:rPr lang="en-US" sz="2400" b="0" i="1" smtClean="0">
+                            <a:solidFill>
+                              <a:srgbClr val="7030A0"/>
+                            </a:solidFill>
+                            <a:latin typeface="Cambria Math" panose="02040503050406030204" pitchFamily="18" charset="0"/>
+                          </a:rPr>
+                          <m:t>𝑤</m:t>
+                        </m:r>
+                      </m:e>
+                      <m:sub>
+                        <m:r>
+                          <a:rPr lang="en-US" sz="2400" b="0" i="1" smtClean="0">
+                            <a:solidFill>
+                              <a:srgbClr val="7030A0"/>
+                            </a:solidFill>
+                            <a:latin typeface="Cambria Math" panose="02040503050406030204" pitchFamily="18" charset="0"/>
+                          </a:rPr>
+                          <m:t>𝑘</m:t>
+                        </m:r>
+                      </m:sub>
+                    </m:sSub>
+                    <m:r>
+                      <a:rPr lang="en-US" sz="2400" b="0" i="1" smtClean="0">
+                        <a:solidFill>
+                          <a:srgbClr val="7030A0"/>
+                        </a:solidFill>
+                        <a:latin typeface="Cambria Math" panose="02040503050406030204" pitchFamily="18" charset="0"/>
+                      </a:rPr>
+                      <m:t>~</m:t>
+                    </m:r>
+                    <m:r>
+                      <a:rPr lang="en-US" sz="2400" b="0" i="1" smtClean="0">
+                        <a:solidFill>
+                          <a:srgbClr val="7030A0"/>
+                        </a:solidFill>
+                        <a:latin typeface="Cambria Math" panose="02040503050406030204" pitchFamily="18" charset="0"/>
+                      </a:rPr>
+                      <m:t>𝑁</m:t>
+                    </m:r>
+                    <m:d>
+                      <m:dPr>
+                        <m:ctrlPr>
+                          <a:rPr lang="en-US" sz="2400" b="0" i="1" smtClean="0">
+                            <a:solidFill>
+                              <a:srgbClr val="7030A0"/>
+                            </a:solidFill>
+                            <a:latin typeface="Cambria Math" panose="02040503050406030204" pitchFamily="18" charset="0"/>
+                          </a:rPr>
+                        </m:ctrlPr>
+                      </m:dPr>
+                      <m:e>
+                        <m:r>
+                          <a:rPr lang="en-US" sz="2400" b="0" i="1" smtClean="0">
+                            <a:solidFill>
+                              <a:srgbClr val="7030A0"/>
+                            </a:solidFill>
+                            <a:latin typeface="Cambria Math" panose="02040503050406030204" pitchFamily="18" charset="0"/>
+                          </a:rPr>
+                          <m:t>0,</m:t>
+                        </m:r>
+                        <m:f>
+                          <m:fPr>
+                            <m:ctrlPr>
+                              <a:rPr lang="en-US" sz="2400" b="0" i="1" smtClean="0">
+                                <a:solidFill>
+                                  <a:srgbClr val="7030A0"/>
+                                </a:solidFill>
+                                <a:latin typeface="Cambria Math" panose="02040503050406030204" pitchFamily="18" charset="0"/>
+                              </a:rPr>
+                            </m:ctrlPr>
+                          </m:fPr>
+                          <m:num>
+                            <m:r>
+                              <a:rPr lang="en-US" sz="2400" b="0" i="1" smtClean="0">
+                                <a:solidFill>
+                                  <a:srgbClr val="7030A0"/>
+                                </a:solidFill>
+                                <a:latin typeface="Cambria Math" panose="02040503050406030204" pitchFamily="18" charset="0"/>
+                              </a:rPr>
+                              <m:t>1</m:t>
+                            </m:r>
+                          </m:num>
+                          <m:den>
+                            <m:sSup>
+                              <m:sSupPr>
+                                <m:ctrlPr>
+                                  <a:rPr lang="en-US" sz="2400" b="0" i="1" smtClean="0">
+                                    <a:solidFill>
+                                      <a:srgbClr val="7030A0"/>
+                                    </a:solidFill>
+                                    <a:latin typeface="Cambria Math" panose="02040503050406030204" pitchFamily="18" charset="0"/>
+                                  </a:rPr>
+                                </m:ctrlPr>
+                              </m:sSupPr>
+                              <m:e>
+                                <m:r>
+                                  <a:rPr lang="en-US" sz="2400" b="0" i="1" smtClean="0">
+                                    <a:solidFill>
+                                      <a:srgbClr val="7030A0"/>
+                                    </a:solidFill>
+                                    <a:latin typeface="Cambria Math" panose="02040503050406030204" pitchFamily="18" charset="0"/>
+                                  </a:rPr>
+                                  <m:t>𝐾</m:t>
+                                </m:r>
+                              </m:e>
+                              <m:sup>
+                                <m:r>
+                                  <a:rPr lang="en-US" sz="2400" b="0" i="1" smtClean="0">
+                                    <a:solidFill>
+                                      <a:srgbClr val="7030A0"/>
+                                    </a:solidFill>
+                                    <a:latin typeface="Cambria Math" panose="02040503050406030204" pitchFamily="18" charset="0"/>
+                                  </a:rPr>
+                                  <m:t>[</m:t>
+                                </m:r>
+                                <m:r>
+                                  <a:rPr lang="en-US" sz="2400" b="0" i="1" smtClean="0">
+                                    <a:solidFill>
+                                      <a:srgbClr val="7030A0"/>
+                                    </a:solidFill>
+                                    <a:latin typeface="Cambria Math" panose="02040503050406030204" pitchFamily="18" charset="0"/>
+                                  </a:rPr>
+                                  <m:t>𝑙</m:t>
+                                </m:r>
+                                <m:r>
+                                  <a:rPr lang="en-US" sz="2400" b="0" i="1" smtClean="0">
+                                    <a:solidFill>
+                                      <a:srgbClr val="7030A0"/>
+                                    </a:solidFill>
+                                    <a:latin typeface="Cambria Math" panose="02040503050406030204" pitchFamily="18" charset="0"/>
+                                  </a:rPr>
+                                  <m:t>−1]</m:t>
+                                </m:r>
+                              </m:sup>
+                            </m:sSup>
+                          </m:den>
+                        </m:f>
+                      </m:e>
+                    </m:d>
+                  </m:oMath>
+                </a14:m>
+                <a:r>
+                  <a:rPr lang="en-KW" sz="2400" b="0" dirty="0">
+                    <a:solidFill>
+                      <a:srgbClr val="7030A0"/>
+                    </a:solidFill>
+                  </a:rPr>
+                  <a:t> or </a:t>
+                </a:r>
+                <a14:m>
+                  <m:oMath xmlns:m="http://schemas.openxmlformats.org/officeDocument/2006/math">
+                    <m:r>
+                      <a:rPr lang="en-US" sz="2400" b="0" i="1">
+                        <a:solidFill>
+                          <a:srgbClr val="7030A0"/>
+                        </a:solidFill>
+                        <a:latin typeface="Cambria Math" panose="02040503050406030204" pitchFamily="18" charset="0"/>
+                      </a:rPr>
+                      <m:t>𝑁</m:t>
+                    </m:r>
+                    <m:d>
+                      <m:dPr>
+                        <m:ctrlPr>
+                          <a:rPr lang="en-US" sz="2400" b="0" i="1">
+                            <a:solidFill>
+                              <a:srgbClr val="7030A0"/>
+                            </a:solidFill>
+                            <a:latin typeface="Cambria Math" panose="02040503050406030204" pitchFamily="18" charset="0"/>
+                          </a:rPr>
+                        </m:ctrlPr>
+                      </m:dPr>
+                      <m:e>
+                        <m:r>
+                          <a:rPr lang="en-US" sz="2400" b="0" i="1">
+                            <a:solidFill>
+                              <a:srgbClr val="7030A0"/>
+                            </a:solidFill>
+                            <a:latin typeface="Cambria Math" panose="02040503050406030204" pitchFamily="18" charset="0"/>
+                          </a:rPr>
+                          <m:t>0,</m:t>
+                        </m:r>
+                        <m:f>
+                          <m:fPr>
+                            <m:ctrlPr>
+                              <a:rPr lang="en-US" sz="2400" b="0" i="1">
+                                <a:solidFill>
+                                  <a:srgbClr val="7030A0"/>
+                                </a:solidFill>
+                                <a:latin typeface="Cambria Math" panose="02040503050406030204" pitchFamily="18" charset="0"/>
+                              </a:rPr>
+                            </m:ctrlPr>
+                          </m:fPr>
+                          <m:num>
+                            <m:r>
+                              <a:rPr lang="en-US" sz="2400" b="0" i="1" smtClean="0">
+                                <a:solidFill>
+                                  <a:srgbClr val="7030A0"/>
+                                </a:solidFill>
+                                <a:latin typeface="Cambria Math" panose="02040503050406030204" pitchFamily="18" charset="0"/>
+                              </a:rPr>
+                              <m:t>2</m:t>
+                            </m:r>
+                          </m:num>
+                          <m:den>
+                            <m:sSup>
+                              <m:sSupPr>
+                                <m:ctrlPr>
+                                  <a:rPr lang="en-US" sz="2400" b="0" i="1" smtClean="0">
+                                    <a:solidFill>
+                                      <a:srgbClr val="7030A0"/>
+                                    </a:solidFill>
+                                    <a:latin typeface="Cambria Math" panose="02040503050406030204" pitchFamily="18" charset="0"/>
+                                  </a:rPr>
+                                </m:ctrlPr>
+                              </m:sSupPr>
+                              <m:e>
+                                <m:r>
+                                  <a:rPr lang="en-US" sz="2400" b="0" i="1" smtClean="0">
+                                    <a:solidFill>
+                                      <a:srgbClr val="7030A0"/>
+                                    </a:solidFill>
+                                    <a:latin typeface="Cambria Math" panose="02040503050406030204" pitchFamily="18" charset="0"/>
+                                  </a:rPr>
+                                  <m:t>𝐾</m:t>
+                                </m:r>
+                              </m:e>
+                              <m:sup>
+                                <m:r>
+                                  <a:rPr lang="en-US" sz="2400" b="0" i="1" smtClean="0">
+                                    <a:solidFill>
+                                      <a:srgbClr val="7030A0"/>
+                                    </a:solidFill>
+                                    <a:latin typeface="Cambria Math" panose="02040503050406030204" pitchFamily="18" charset="0"/>
+                                  </a:rPr>
+                                  <m:t>[</m:t>
+                                </m:r>
+                                <m:r>
+                                  <a:rPr lang="en-US" sz="2400" b="0" i="1" smtClean="0">
+                                    <a:solidFill>
+                                      <a:srgbClr val="7030A0"/>
+                                    </a:solidFill>
+                                    <a:latin typeface="Cambria Math" panose="02040503050406030204" pitchFamily="18" charset="0"/>
+                                  </a:rPr>
+                                  <m:t>𝑙</m:t>
+                                </m:r>
+                                <m:r>
+                                  <a:rPr lang="en-US" sz="2400" b="0" i="1" smtClean="0">
+                                    <a:solidFill>
+                                      <a:srgbClr val="7030A0"/>
+                                    </a:solidFill>
+                                    <a:latin typeface="Cambria Math" panose="02040503050406030204" pitchFamily="18" charset="0"/>
+                                  </a:rPr>
+                                  <m:t>−1]</m:t>
+                                </m:r>
+                              </m:sup>
+                            </m:sSup>
+                            <m:r>
+                              <a:rPr lang="en-US" sz="2400" b="0" i="1" smtClean="0">
+                                <a:solidFill>
+                                  <a:srgbClr val="7030A0"/>
+                                </a:solidFill>
+                                <a:latin typeface="Cambria Math" panose="02040503050406030204" pitchFamily="18" charset="0"/>
+                              </a:rPr>
+                              <m:t>+</m:t>
+                            </m:r>
+                            <m:sSup>
+                              <m:sSupPr>
+                                <m:ctrlPr>
+                                  <a:rPr lang="en-US" sz="2400" b="0" i="1" smtClean="0">
+                                    <a:solidFill>
+                                      <a:srgbClr val="7030A0"/>
+                                    </a:solidFill>
+                                    <a:latin typeface="Cambria Math" panose="02040503050406030204" pitchFamily="18" charset="0"/>
+                                  </a:rPr>
+                                </m:ctrlPr>
+                              </m:sSupPr>
+                              <m:e>
+                                <m:r>
+                                  <a:rPr lang="en-US" sz="2400" b="0" i="1" smtClean="0">
+                                    <a:solidFill>
+                                      <a:srgbClr val="7030A0"/>
+                                    </a:solidFill>
+                                    <a:latin typeface="Cambria Math" panose="02040503050406030204" pitchFamily="18" charset="0"/>
+                                  </a:rPr>
+                                  <m:t>𝐾</m:t>
+                                </m:r>
+                              </m:e>
+                              <m:sup>
+                                <m:r>
+                                  <a:rPr lang="en-US" sz="2400" b="0" i="1" smtClean="0">
+                                    <a:solidFill>
+                                      <a:srgbClr val="7030A0"/>
+                                    </a:solidFill>
+                                    <a:latin typeface="Cambria Math" panose="02040503050406030204" pitchFamily="18" charset="0"/>
+                                  </a:rPr>
+                                  <m:t>[</m:t>
+                                </m:r>
+                                <m:r>
+                                  <a:rPr lang="en-US" sz="2400" b="0" i="1" smtClean="0">
+                                    <a:solidFill>
+                                      <a:srgbClr val="7030A0"/>
+                                    </a:solidFill>
+                                    <a:latin typeface="Cambria Math" panose="02040503050406030204" pitchFamily="18" charset="0"/>
+                                  </a:rPr>
+                                  <m:t>𝑙</m:t>
+                                </m:r>
+                                <m:r>
+                                  <a:rPr lang="en-US" sz="2400" b="0" i="1" smtClean="0">
+                                    <a:solidFill>
+                                      <a:srgbClr val="7030A0"/>
+                                    </a:solidFill>
+                                    <a:latin typeface="Cambria Math" panose="02040503050406030204" pitchFamily="18" charset="0"/>
+                                  </a:rPr>
+                                  <m:t>]</m:t>
+                                </m:r>
+                              </m:sup>
+                            </m:sSup>
+                          </m:den>
+                        </m:f>
+                      </m:e>
+                    </m:d>
+                  </m:oMath>
+                </a14:m>
+                <a:r>
+                  <a:rPr lang="en-KW" sz="2400" b="0" dirty="0"/>
+                  <a:t> </a:t>
+                </a:r>
+              </a:p>
+            </p:txBody>
+          </p:sp>
+        </mc:Choice>
+        <mc:Fallback>
+          <p:sp>
+            <p:nvSpPr>
+              <p:cNvPr id="3" name="Content Placeholder 2">
+                <a:extLst>
+                  <a:ext uri="{FF2B5EF4-FFF2-40B4-BE49-F238E27FC236}">
+                    <a16:creationId xmlns:a16="http://schemas.microsoft.com/office/drawing/2014/main" id="{B0552353-B1A2-BC9C-C81C-A69B6CDA0673}"/>
+                  </a:ext>
+                </a:extLst>
+              </p:cNvPr>
+              <p:cNvSpPr>
+                <a:spLocks noGrp="1" noRot="1" noChangeAspect="1" noMove="1" noResize="1" noEditPoints="1" noAdjustHandles="1" noChangeArrowheads="1" noChangeShapeType="1" noTextEdit="1"/>
+              </p:cNvSpPr>
+              <p:nvPr>
+                <p:ph idx="1"/>
+              </p:nvPr>
+            </p:nvSpPr>
+            <p:spPr>
+              <a:xfrm>
+                <a:off x="5208494" y="1825625"/>
+                <a:ext cx="6145305" cy="4351338"/>
+              </a:xfrm>
+              <a:blipFill>
+                <a:blip r:embed="rId3"/>
+                <a:stretch>
+                  <a:fillRect l="-1031" t="-6686" r="-1856"/>
+                </a:stretch>
+              </a:blipFill>
+            </p:spPr>
+            <p:txBody>
+              <a:bodyPr/>
+              <a:lstStyle/>
+              <a:p>
+                <a:r>
+                  <a:rPr lang="en-KW">
+                    <a:noFill/>
+                  </a:rPr>
+                  <a:t> </a:t>
+                </a:r>
+              </a:p>
+            </p:txBody>
+          </p:sp>
+        </mc:Fallback>
+      </mc:AlternateContent>
+      <p:sp>
+        <p:nvSpPr>
+          <p:cNvPr id="10" name="Oval 9">
+            <a:extLst>
+              <a:ext uri="{FF2B5EF4-FFF2-40B4-BE49-F238E27FC236}">
+                <a16:creationId xmlns:a16="http://schemas.microsoft.com/office/drawing/2014/main" id="{D748CB91-B9EB-0724-1FE0-5B38121A41E9}"/>
+              </a:ext>
+            </a:extLst>
+          </p:cNvPr>
+          <p:cNvSpPr/>
+          <p:nvPr/>
+        </p:nvSpPr>
+        <p:spPr>
+          <a:xfrm>
+            <a:off x="2880934" y="3370283"/>
+            <a:ext cx="1035436" cy="1035436"/>
+          </a:xfrm>
+          <a:prstGeom prst="ellipse">
+            <a:avLst/>
+          </a:prstGeom>
+          <a:noFill/>
+          <a:ln w="38100">
+            <a:solidFill>
+              <a:schemeClr val="tx1"/>
+            </a:solidFill>
+          </a:ln>
+        </p:spPr>
+        <p:style>
+          <a:lnRef idx="2">
+            <a:schemeClr val="accent1">
+              <a:shade val="15000"/>
+            </a:schemeClr>
+          </a:lnRef>
+          <a:fillRef idx="1">
+            <a:schemeClr val="accent1"/>
+          </a:fillRef>
+          <a:effectRef idx="0">
+            <a:schemeClr val="accent1"/>
+          </a:effectRef>
+          <a:fontRef idx="minor">
+            <a:schemeClr val="lt1"/>
+          </a:fontRef>
+        </p:style>
+        <p:txBody>
+          <a:bodyPr rtlCol="0" anchor="ctr"/>
           <a:lstStyle/>
           <a:p>
-            <a:r>
-              <a:rPr lang="en-KW" dirty="0"/>
-              <a:t>At the start of training, network weights are randomly initialized</a:t>
-            </a:r>
-          </a:p>
-          <a:p>
-            <a:pPr lvl="1"/>
-            <a:r>
-              <a:rPr lang="en-KW" dirty="0"/>
-              <a:t>Say the initialization is from a distribution with mean 0 and variance 1</a:t>
-            </a:r>
-          </a:p>
-          <a:p>
-            <a:r>
-              <a:rPr lang="en-KW" dirty="0"/>
-              <a:t>If a hidden unit is taking inputs from N units in the previous layer, each multiplied by a randomly initialized weight, the summation will have variance N! =&gt; Blowing up forward pass</a:t>
-            </a:r>
-          </a:p>
-          <a:p>
-            <a:r>
-              <a:rPr lang="en-KW" dirty="0"/>
-              <a:t>Strategies have been developed to counteract this, the most obvious one is LeCun initialization:</a:t>
-            </a:r>
-          </a:p>
-          <a:p>
-            <a:pPr lvl="1"/>
-            <a:r>
-              <a:rPr lang="en-KW" dirty="0"/>
-              <a:t>Draw weights from the distribution such that the variance of a weight is 1/N</a:t>
-            </a:r>
-          </a:p>
-        </p:txBody>
-      </p:sp>
+            <a:pPr algn="ctr"/>
+            <a:r>
+              <a:rPr lang="en-US" sz="4000" dirty="0" err="1">
+                <a:solidFill>
+                  <a:schemeClr val="tx1"/>
+                </a:solidFill>
+              </a:rPr>
+              <a:t>Σ</a:t>
+            </a:r>
+            <a:endParaRPr lang="en-US" sz="4000" dirty="0">
+              <a:solidFill>
+                <a:schemeClr val="tx1"/>
+              </a:solidFill>
+            </a:endParaRPr>
+          </a:p>
+        </p:txBody>
+      </p:sp>
+      <p:sp>
+        <p:nvSpPr>
+          <p:cNvPr id="11" name="Rectangle 10">
+            <a:extLst>
+              <a:ext uri="{FF2B5EF4-FFF2-40B4-BE49-F238E27FC236}">
+                <a16:creationId xmlns:a16="http://schemas.microsoft.com/office/drawing/2014/main" id="{2DE4DF0F-A579-2045-1215-40CBFE626A03}"/>
+              </a:ext>
+            </a:extLst>
+          </p:cNvPr>
+          <p:cNvSpPr/>
+          <p:nvPr/>
+        </p:nvSpPr>
+        <p:spPr>
+          <a:xfrm>
+            <a:off x="838200" y="1891705"/>
+            <a:ext cx="990600" cy="589940"/>
+          </a:xfrm>
+          <a:prstGeom prst="rect">
+            <a:avLst/>
+          </a:prstGeom>
+          <a:noFill/>
+          <a:ln w="38100"/>
+        </p:spPr>
+        <p:style>
+          <a:lnRef idx="2">
+            <a:schemeClr val="accent1">
+              <a:shade val="15000"/>
+            </a:schemeClr>
+          </a:lnRef>
+          <a:fillRef idx="1">
+            <a:schemeClr val="accent1"/>
+          </a:fillRef>
+          <a:effectRef idx="0">
+            <a:schemeClr val="accent1"/>
+          </a:effectRef>
+          <a:fontRef idx="minor">
+            <a:schemeClr val="lt1"/>
+          </a:fontRef>
+        </p:style>
+        <p:txBody>
+          <a:bodyPr rtlCol="0" anchor="ctr"/>
+          <a:lstStyle/>
+          <a:p>
+            <a:pPr algn="ctr"/>
+            <a:r>
+              <a:rPr lang="en-KW" sz="2800" b="1" dirty="0">
+                <a:solidFill>
+                  <a:schemeClr val="tx1"/>
+                </a:solidFill>
+              </a:rPr>
+              <a:t>x</a:t>
+            </a:r>
+            <a:r>
+              <a:rPr lang="en-KW" sz="2800" b="1" baseline="-25000" dirty="0">
+                <a:solidFill>
+                  <a:schemeClr val="tx1"/>
+                </a:solidFill>
+              </a:rPr>
+              <a:t>1</a:t>
+            </a:r>
+            <a:endParaRPr lang="en-KW" sz="2800" b="1" dirty="0">
+              <a:solidFill>
+                <a:schemeClr val="tx1"/>
+              </a:solidFill>
+            </a:endParaRPr>
+          </a:p>
+        </p:txBody>
+      </p:sp>
+      <p:cxnSp>
+        <p:nvCxnSpPr>
+          <p:cNvPr id="15" name="Straight Arrow Connector 14">
+            <a:extLst>
+              <a:ext uri="{FF2B5EF4-FFF2-40B4-BE49-F238E27FC236}">
+                <a16:creationId xmlns:a16="http://schemas.microsoft.com/office/drawing/2014/main" id="{778A5493-843B-254D-7253-F980EEA53974}"/>
+              </a:ext>
+            </a:extLst>
+          </p:cNvPr>
+          <p:cNvCxnSpPr>
+            <a:cxnSpLocks/>
+            <a:stCxn id="11" idx="3"/>
+            <a:endCxn id="10" idx="2"/>
+          </p:cNvCxnSpPr>
+          <p:nvPr/>
+        </p:nvCxnSpPr>
+        <p:spPr>
+          <a:xfrm>
+            <a:off x="1828800" y="2186675"/>
+            <a:ext cx="1052134" cy="1701326"/>
+          </a:xfrm>
+          <a:prstGeom prst="straightConnector1">
+            <a:avLst/>
+          </a:prstGeom>
+          <a:ln w="38100">
+            <a:solidFill>
+              <a:schemeClr val="tx1"/>
+            </a:solidFill>
+            <a:tailEnd type="triangle"/>
+          </a:ln>
+        </p:spPr>
+        <p:style>
+          <a:lnRef idx="2">
+            <a:schemeClr val="accent1"/>
+          </a:lnRef>
+          <a:fillRef idx="0">
+            <a:schemeClr val="accent1"/>
+          </a:fillRef>
+          <a:effectRef idx="1">
+            <a:schemeClr val="accent1"/>
+          </a:effectRef>
+          <a:fontRef idx="minor">
+            <a:schemeClr val="tx1"/>
+          </a:fontRef>
+        </p:style>
+      </p:cxnSp>
+      <p:sp>
+        <p:nvSpPr>
+          <p:cNvPr id="19" name="Rectangle 18">
+            <a:extLst>
+              <a:ext uri="{FF2B5EF4-FFF2-40B4-BE49-F238E27FC236}">
+                <a16:creationId xmlns:a16="http://schemas.microsoft.com/office/drawing/2014/main" id="{43072174-DE9B-2A18-6FF5-1439D37C9BCA}"/>
+              </a:ext>
+            </a:extLst>
+          </p:cNvPr>
+          <p:cNvSpPr/>
+          <p:nvPr/>
+        </p:nvSpPr>
+        <p:spPr>
+          <a:xfrm>
+            <a:off x="838200" y="2560250"/>
+            <a:ext cx="990600" cy="589940"/>
+          </a:xfrm>
+          <a:prstGeom prst="rect">
+            <a:avLst/>
+          </a:prstGeom>
+          <a:noFill/>
+          <a:ln w="38100"/>
+        </p:spPr>
+        <p:style>
+          <a:lnRef idx="2">
+            <a:schemeClr val="accent1">
+              <a:shade val="15000"/>
+            </a:schemeClr>
+          </a:lnRef>
+          <a:fillRef idx="1">
+            <a:schemeClr val="accent1"/>
+          </a:fillRef>
+          <a:effectRef idx="0">
+            <a:schemeClr val="accent1"/>
+          </a:effectRef>
+          <a:fontRef idx="minor">
+            <a:schemeClr val="lt1"/>
+          </a:fontRef>
+        </p:style>
+        <p:txBody>
+          <a:bodyPr rtlCol="0" anchor="ctr"/>
+          <a:lstStyle/>
+          <a:p>
+            <a:pPr algn="ctr"/>
+            <a:r>
+              <a:rPr lang="en-KW" sz="2800" b="1" dirty="0">
+                <a:solidFill>
+                  <a:schemeClr val="tx1"/>
+                </a:solidFill>
+              </a:rPr>
+              <a:t>x</a:t>
+            </a:r>
+            <a:r>
+              <a:rPr lang="en-KW" sz="2800" b="1" baseline="-25000" dirty="0">
+                <a:solidFill>
+                  <a:schemeClr val="tx1"/>
+                </a:solidFill>
+              </a:rPr>
+              <a:t>2</a:t>
+            </a:r>
+            <a:endParaRPr lang="en-KW" sz="2800" b="1" dirty="0">
+              <a:solidFill>
+                <a:schemeClr val="tx1"/>
+              </a:solidFill>
+            </a:endParaRPr>
+          </a:p>
+        </p:txBody>
+      </p:sp>
+      <p:sp>
+        <p:nvSpPr>
+          <p:cNvPr id="46" name="Rectangle 45">
+            <a:extLst>
+              <a:ext uri="{FF2B5EF4-FFF2-40B4-BE49-F238E27FC236}">
+                <a16:creationId xmlns:a16="http://schemas.microsoft.com/office/drawing/2014/main" id="{CC086BF9-CCB2-6691-5AB3-DB4A6D74189D}"/>
+              </a:ext>
+            </a:extLst>
+          </p:cNvPr>
+          <p:cNvSpPr/>
+          <p:nvPr/>
+        </p:nvSpPr>
+        <p:spPr>
+          <a:xfrm>
+            <a:off x="838200" y="3228795"/>
+            <a:ext cx="990600" cy="589940"/>
+          </a:xfrm>
+          <a:prstGeom prst="rect">
+            <a:avLst/>
+          </a:prstGeom>
+          <a:noFill/>
+          <a:ln w="38100"/>
+        </p:spPr>
+        <p:style>
+          <a:lnRef idx="2">
+            <a:schemeClr val="accent1">
+              <a:shade val="15000"/>
+            </a:schemeClr>
+          </a:lnRef>
+          <a:fillRef idx="1">
+            <a:schemeClr val="accent1"/>
+          </a:fillRef>
+          <a:effectRef idx="0">
+            <a:schemeClr val="accent1"/>
+          </a:effectRef>
+          <a:fontRef idx="minor">
+            <a:schemeClr val="lt1"/>
+          </a:fontRef>
+        </p:style>
+        <p:txBody>
+          <a:bodyPr rtlCol="0" anchor="ctr"/>
+          <a:lstStyle/>
+          <a:p>
+            <a:pPr algn="ctr"/>
+            <a:r>
+              <a:rPr lang="en-KW" sz="2800" b="1" dirty="0">
+                <a:solidFill>
+                  <a:schemeClr val="tx1"/>
+                </a:solidFill>
+              </a:rPr>
+              <a:t>x</a:t>
+            </a:r>
+            <a:r>
+              <a:rPr lang="en-KW" sz="2800" b="1" baseline="-25000" dirty="0">
+                <a:solidFill>
+                  <a:schemeClr val="tx1"/>
+                </a:solidFill>
+              </a:rPr>
+              <a:t>3</a:t>
+            </a:r>
+            <a:endParaRPr lang="en-KW" sz="2800" b="1" dirty="0">
+              <a:solidFill>
+                <a:schemeClr val="tx1"/>
+              </a:solidFill>
+            </a:endParaRPr>
+          </a:p>
+        </p:txBody>
+      </p:sp>
+      <p:sp>
+        <p:nvSpPr>
+          <p:cNvPr id="47" name="Rectangle 46">
+            <a:extLst>
+              <a:ext uri="{FF2B5EF4-FFF2-40B4-BE49-F238E27FC236}">
+                <a16:creationId xmlns:a16="http://schemas.microsoft.com/office/drawing/2014/main" id="{392D52B8-AEDD-7253-2E50-20B94517A961}"/>
+              </a:ext>
+            </a:extLst>
+          </p:cNvPr>
+          <p:cNvSpPr/>
+          <p:nvPr/>
+        </p:nvSpPr>
+        <p:spPr>
+          <a:xfrm>
+            <a:off x="838200" y="3888001"/>
+            <a:ext cx="990600" cy="589940"/>
+          </a:xfrm>
+          <a:prstGeom prst="rect">
+            <a:avLst/>
+          </a:prstGeom>
+          <a:noFill/>
+          <a:ln w="38100"/>
+        </p:spPr>
+        <p:style>
+          <a:lnRef idx="2">
+            <a:schemeClr val="accent1">
+              <a:shade val="15000"/>
+            </a:schemeClr>
+          </a:lnRef>
+          <a:fillRef idx="1">
+            <a:schemeClr val="accent1"/>
+          </a:fillRef>
+          <a:effectRef idx="0">
+            <a:schemeClr val="accent1"/>
+          </a:effectRef>
+          <a:fontRef idx="minor">
+            <a:schemeClr val="lt1"/>
+          </a:fontRef>
+        </p:style>
+        <p:txBody>
+          <a:bodyPr rtlCol="0" anchor="ctr"/>
+          <a:lstStyle/>
+          <a:p>
+            <a:pPr algn="ctr"/>
+            <a:r>
+              <a:rPr lang="en-KW" sz="2800" b="1" dirty="0">
+                <a:solidFill>
+                  <a:schemeClr val="tx1"/>
+                </a:solidFill>
+              </a:rPr>
+              <a:t>x</a:t>
+            </a:r>
+            <a:r>
+              <a:rPr lang="en-KW" sz="2800" b="1" baseline="-25000" dirty="0">
+                <a:solidFill>
+                  <a:schemeClr val="tx1"/>
+                </a:solidFill>
+              </a:rPr>
+              <a:t>4</a:t>
+            </a:r>
+            <a:endParaRPr lang="en-KW" sz="2800" b="1" dirty="0">
+              <a:solidFill>
+                <a:schemeClr val="tx1"/>
+              </a:solidFill>
+            </a:endParaRPr>
+          </a:p>
+        </p:txBody>
+      </p:sp>
+      <p:sp>
+        <p:nvSpPr>
+          <p:cNvPr id="48" name="Rectangle 47">
+            <a:extLst>
+              <a:ext uri="{FF2B5EF4-FFF2-40B4-BE49-F238E27FC236}">
+                <a16:creationId xmlns:a16="http://schemas.microsoft.com/office/drawing/2014/main" id="{45CC316C-A2B3-C252-93A8-E0891827231C}"/>
+              </a:ext>
+            </a:extLst>
+          </p:cNvPr>
+          <p:cNvSpPr/>
+          <p:nvPr/>
+        </p:nvSpPr>
+        <p:spPr>
+          <a:xfrm>
+            <a:off x="838200" y="4556546"/>
+            <a:ext cx="990600" cy="589940"/>
+          </a:xfrm>
+          <a:prstGeom prst="rect">
+            <a:avLst/>
+          </a:prstGeom>
+          <a:noFill/>
+          <a:ln w="38100"/>
+        </p:spPr>
+        <p:style>
+          <a:lnRef idx="2">
+            <a:schemeClr val="accent1">
+              <a:shade val="15000"/>
+            </a:schemeClr>
+          </a:lnRef>
+          <a:fillRef idx="1">
+            <a:schemeClr val="accent1"/>
+          </a:fillRef>
+          <a:effectRef idx="0">
+            <a:schemeClr val="accent1"/>
+          </a:effectRef>
+          <a:fontRef idx="minor">
+            <a:schemeClr val="lt1"/>
+          </a:fontRef>
+        </p:style>
+        <p:txBody>
+          <a:bodyPr rtlCol="0" anchor="ctr"/>
+          <a:lstStyle/>
+          <a:p>
+            <a:pPr algn="ctr"/>
+            <a:r>
+              <a:rPr lang="en-KW" sz="2800" b="1" dirty="0">
+                <a:solidFill>
+                  <a:schemeClr val="tx1"/>
+                </a:solidFill>
+              </a:rPr>
+              <a:t>…</a:t>
+            </a:r>
+          </a:p>
+        </p:txBody>
+      </p:sp>
+      <p:sp>
+        <p:nvSpPr>
+          <p:cNvPr id="49" name="Rectangle 48">
+            <a:extLst>
+              <a:ext uri="{FF2B5EF4-FFF2-40B4-BE49-F238E27FC236}">
+                <a16:creationId xmlns:a16="http://schemas.microsoft.com/office/drawing/2014/main" id="{4D371D03-7E96-E899-42F8-AC9291DCC963}"/>
+              </a:ext>
+            </a:extLst>
+          </p:cNvPr>
+          <p:cNvSpPr/>
+          <p:nvPr/>
+        </p:nvSpPr>
+        <p:spPr>
+          <a:xfrm>
+            <a:off x="838200" y="5225091"/>
+            <a:ext cx="990600" cy="589940"/>
+          </a:xfrm>
+          <a:prstGeom prst="rect">
+            <a:avLst/>
+          </a:prstGeom>
+          <a:noFill/>
+          <a:ln w="38100"/>
+        </p:spPr>
+        <p:style>
+          <a:lnRef idx="2">
+            <a:schemeClr val="accent1">
+              <a:shade val="15000"/>
+            </a:schemeClr>
+          </a:lnRef>
+          <a:fillRef idx="1">
+            <a:schemeClr val="accent1"/>
+          </a:fillRef>
+          <a:effectRef idx="0">
+            <a:schemeClr val="accent1"/>
+          </a:effectRef>
+          <a:fontRef idx="minor">
+            <a:schemeClr val="lt1"/>
+          </a:fontRef>
+        </p:style>
+        <p:txBody>
+          <a:bodyPr rtlCol="0" anchor="ctr"/>
+          <a:lstStyle/>
+          <a:p>
+            <a:pPr algn="ctr"/>
+            <a:r>
+              <a:rPr lang="en-KW" sz="2800" b="1" dirty="0">
+                <a:solidFill>
+                  <a:schemeClr val="tx1"/>
+                </a:solidFill>
+              </a:rPr>
+              <a:t>x</a:t>
+            </a:r>
+            <a:r>
+              <a:rPr lang="en-KW" sz="2800" b="1" baseline="-25000" dirty="0">
+                <a:solidFill>
+                  <a:schemeClr val="tx1"/>
+                </a:solidFill>
+              </a:rPr>
+              <a:t>K</a:t>
+            </a:r>
+            <a:endParaRPr lang="en-KW" sz="2800" b="1" dirty="0">
+              <a:solidFill>
+                <a:schemeClr val="tx1"/>
+              </a:solidFill>
+            </a:endParaRPr>
+          </a:p>
+        </p:txBody>
+      </p:sp>
+      <p:cxnSp>
+        <p:nvCxnSpPr>
+          <p:cNvPr id="52" name="Straight Arrow Connector 51">
+            <a:extLst>
+              <a:ext uri="{FF2B5EF4-FFF2-40B4-BE49-F238E27FC236}">
+                <a16:creationId xmlns:a16="http://schemas.microsoft.com/office/drawing/2014/main" id="{6525BBE7-9681-260E-991B-BFCB90E613D0}"/>
+              </a:ext>
+            </a:extLst>
+          </p:cNvPr>
+          <p:cNvCxnSpPr>
+            <a:cxnSpLocks/>
+            <a:stCxn id="19" idx="3"/>
+            <a:endCxn id="10" idx="2"/>
+          </p:cNvCxnSpPr>
+          <p:nvPr/>
+        </p:nvCxnSpPr>
+        <p:spPr>
+          <a:xfrm>
+            <a:off x="1828800" y="2855220"/>
+            <a:ext cx="1052134" cy="1032781"/>
+          </a:xfrm>
+          <a:prstGeom prst="straightConnector1">
+            <a:avLst/>
+          </a:prstGeom>
+          <a:ln w="38100">
+            <a:solidFill>
+              <a:schemeClr val="tx1"/>
+            </a:solidFill>
+            <a:tailEnd type="triangle"/>
+          </a:ln>
+        </p:spPr>
+        <p:style>
+          <a:lnRef idx="2">
+            <a:schemeClr val="accent1"/>
+          </a:lnRef>
+          <a:fillRef idx="0">
+            <a:schemeClr val="accent1"/>
+          </a:fillRef>
+          <a:effectRef idx="1">
+            <a:schemeClr val="accent1"/>
+          </a:effectRef>
+          <a:fontRef idx="minor">
+            <a:schemeClr val="tx1"/>
+          </a:fontRef>
+        </p:style>
+      </p:cxnSp>
+      <p:cxnSp>
+        <p:nvCxnSpPr>
+          <p:cNvPr id="56" name="Straight Arrow Connector 55">
+            <a:extLst>
+              <a:ext uri="{FF2B5EF4-FFF2-40B4-BE49-F238E27FC236}">
+                <a16:creationId xmlns:a16="http://schemas.microsoft.com/office/drawing/2014/main" id="{4EC08F15-D804-64FA-DBBA-62F8A64AFC70}"/>
+              </a:ext>
+            </a:extLst>
+          </p:cNvPr>
+          <p:cNvCxnSpPr>
+            <a:cxnSpLocks/>
+            <a:stCxn id="46" idx="3"/>
+            <a:endCxn id="10" idx="2"/>
+          </p:cNvCxnSpPr>
+          <p:nvPr/>
+        </p:nvCxnSpPr>
+        <p:spPr>
+          <a:xfrm>
+            <a:off x="1828800" y="3523765"/>
+            <a:ext cx="1052134" cy="364236"/>
+          </a:xfrm>
+          <a:prstGeom prst="straightConnector1">
+            <a:avLst/>
+          </a:prstGeom>
+          <a:ln w="38100">
+            <a:solidFill>
+              <a:schemeClr val="tx1"/>
+            </a:solidFill>
+            <a:tailEnd type="triangle"/>
+          </a:ln>
+        </p:spPr>
+        <p:style>
+          <a:lnRef idx="2">
+            <a:schemeClr val="accent1"/>
+          </a:lnRef>
+          <a:fillRef idx="0">
+            <a:schemeClr val="accent1"/>
+          </a:fillRef>
+          <a:effectRef idx="1">
+            <a:schemeClr val="accent1"/>
+          </a:effectRef>
+          <a:fontRef idx="minor">
+            <a:schemeClr val="tx1"/>
+          </a:fontRef>
+        </p:style>
+      </p:cxnSp>
+      <p:cxnSp>
+        <p:nvCxnSpPr>
+          <p:cNvPr id="59" name="Straight Arrow Connector 58">
+            <a:extLst>
+              <a:ext uri="{FF2B5EF4-FFF2-40B4-BE49-F238E27FC236}">
+                <a16:creationId xmlns:a16="http://schemas.microsoft.com/office/drawing/2014/main" id="{9865024B-CB4E-CCE8-3399-57120D0F467E}"/>
+              </a:ext>
+            </a:extLst>
+          </p:cNvPr>
+          <p:cNvCxnSpPr>
+            <a:cxnSpLocks/>
+            <a:stCxn id="47" idx="3"/>
+            <a:endCxn id="10" idx="2"/>
+          </p:cNvCxnSpPr>
+          <p:nvPr/>
+        </p:nvCxnSpPr>
+        <p:spPr>
+          <a:xfrm flipV="1">
+            <a:off x="1828800" y="3888001"/>
+            <a:ext cx="1052134" cy="294970"/>
+          </a:xfrm>
+          <a:prstGeom prst="straightConnector1">
+            <a:avLst/>
+          </a:prstGeom>
+          <a:ln w="38100">
+            <a:solidFill>
+              <a:schemeClr val="tx1"/>
+            </a:solidFill>
+            <a:tailEnd type="triangle"/>
+          </a:ln>
+        </p:spPr>
+        <p:style>
+          <a:lnRef idx="2">
+            <a:schemeClr val="accent1"/>
+          </a:lnRef>
+          <a:fillRef idx="0">
+            <a:schemeClr val="accent1"/>
+          </a:fillRef>
+          <a:effectRef idx="1">
+            <a:schemeClr val="accent1"/>
+          </a:effectRef>
+          <a:fontRef idx="minor">
+            <a:schemeClr val="tx1"/>
+          </a:fontRef>
+        </p:style>
+      </p:cxnSp>
+      <p:cxnSp>
+        <p:nvCxnSpPr>
+          <p:cNvPr id="62" name="Straight Arrow Connector 61">
+            <a:extLst>
+              <a:ext uri="{FF2B5EF4-FFF2-40B4-BE49-F238E27FC236}">
+                <a16:creationId xmlns:a16="http://schemas.microsoft.com/office/drawing/2014/main" id="{D7D2BE6B-B59B-CF14-1F48-FA8DB9B5F220}"/>
+              </a:ext>
+            </a:extLst>
+          </p:cNvPr>
+          <p:cNvCxnSpPr>
+            <a:cxnSpLocks/>
+            <a:stCxn id="48" idx="3"/>
+            <a:endCxn id="10" idx="2"/>
+          </p:cNvCxnSpPr>
+          <p:nvPr/>
+        </p:nvCxnSpPr>
+        <p:spPr>
+          <a:xfrm flipV="1">
+            <a:off x="1828800" y="3888001"/>
+            <a:ext cx="1052134" cy="963515"/>
+          </a:xfrm>
+          <a:prstGeom prst="straightConnector1">
+            <a:avLst/>
+          </a:prstGeom>
+          <a:ln w="38100">
+            <a:solidFill>
+              <a:schemeClr val="tx1"/>
+            </a:solidFill>
+            <a:tailEnd type="triangle"/>
+          </a:ln>
+        </p:spPr>
+        <p:style>
+          <a:lnRef idx="2">
+            <a:schemeClr val="accent1"/>
+          </a:lnRef>
+          <a:fillRef idx="0">
+            <a:schemeClr val="accent1"/>
+          </a:fillRef>
+          <a:effectRef idx="1">
+            <a:schemeClr val="accent1"/>
+          </a:effectRef>
+          <a:fontRef idx="minor">
+            <a:schemeClr val="tx1"/>
+          </a:fontRef>
+        </p:style>
+      </p:cxnSp>
+      <p:cxnSp>
+        <p:nvCxnSpPr>
+          <p:cNvPr id="65" name="Straight Arrow Connector 64">
+            <a:extLst>
+              <a:ext uri="{FF2B5EF4-FFF2-40B4-BE49-F238E27FC236}">
+                <a16:creationId xmlns:a16="http://schemas.microsoft.com/office/drawing/2014/main" id="{C59B57DE-D6D0-8AE8-CE1C-6921D5463B3C}"/>
+              </a:ext>
+            </a:extLst>
+          </p:cNvPr>
+          <p:cNvCxnSpPr>
+            <a:cxnSpLocks/>
+            <a:stCxn id="49" idx="3"/>
+            <a:endCxn id="10" idx="2"/>
+          </p:cNvCxnSpPr>
+          <p:nvPr/>
+        </p:nvCxnSpPr>
+        <p:spPr>
+          <a:xfrm flipV="1">
+            <a:off x="1828800" y="3888001"/>
+            <a:ext cx="1052134" cy="1632060"/>
+          </a:xfrm>
+          <a:prstGeom prst="straightConnector1">
+            <a:avLst/>
+          </a:prstGeom>
+          <a:ln w="38100">
+            <a:solidFill>
+              <a:schemeClr val="tx1"/>
+            </a:solidFill>
+            <a:tailEnd type="triangle"/>
+          </a:ln>
+        </p:spPr>
+        <p:style>
+          <a:lnRef idx="2">
+            <a:schemeClr val="accent1"/>
+          </a:lnRef>
+          <a:fillRef idx="0">
+            <a:schemeClr val="accent1"/>
+          </a:fillRef>
+          <a:effectRef idx="1">
+            <a:schemeClr val="accent1"/>
+          </a:effectRef>
+          <a:fontRef idx="minor">
+            <a:schemeClr val="tx1"/>
+          </a:fontRef>
+        </p:style>
+      </p:cxnSp>
+      <p:sp>
+        <p:nvSpPr>
+          <p:cNvPr id="74" name="TextBox 73">
+            <a:extLst>
+              <a:ext uri="{FF2B5EF4-FFF2-40B4-BE49-F238E27FC236}">
+                <a16:creationId xmlns:a16="http://schemas.microsoft.com/office/drawing/2014/main" id="{BB6E3493-FFA5-A734-5791-FFD4BBE358ED}"/>
+              </a:ext>
+            </a:extLst>
+          </p:cNvPr>
+          <p:cNvSpPr txBox="1"/>
+          <p:nvPr/>
+        </p:nvSpPr>
+        <p:spPr>
+          <a:xfrm>
+            <a:off x="2089075" y="2191984"/>
+            <a:ext cx="570990" cy="523220"/>
+          </a:xfrm>
+          <a:prstGeom prst="rect">
+            <a:avLst/>
+          </a:prstGeom>
+          <a:noFill/>
+        </p:spPr>
+        <p:txBody>
+          <a:bodyPr wrap="none" rtlCol="0">
+            <a:spAutoFit/>
+          </a:bodyPr>
+          <a:lstStyle/>
+          <a:p>
+            <a:r>
+              <a:rPr lang="en-KW" sz="2800" dirty="0"/>
+              <a:t>w</a:t>
+            </a:r>
+            <a:r>
+              <a:rPr lang="en-KW" sz="2800" baseline="-25000" dirty="0"/>
+              <a:t>1</a:t>
+            </a:r>
+            <a:endParaRPr lang="en-KW" sz="2800" dirty="0"/>
+          </a:p>
+        </p:txBody>
+      </p:sp>
+      <p:cxnSp>
+        <p:nvCxnSpPr>
+          <p:cNvPr id="76" name="Straight Arrow Connector 75">
+            <a:extLst>
+              <a:ext uri="{FF2B5EF4-FFF2-40B4-BE49-F238E27FC236}">
+                <a16:creationId xmlns:a16="http://schemas.microsoft.com/office/drawing/2014/main" id="{471CEDFE-44BA-9180-F767-069371833106}"/>
+              </a:ext>
+            </a:extLst>
+          </p:cNvPr>
+          <p:cNvCxnSpPr>
+            <a:cxnSpLocks/>
+            <a:stCxn id="10" idx="6"/>
+          </p:cNvCxnSpPr>
+          <p:nvPr/>
+        </p:nvCxnSpPr>
+        <p:spPr>
+          <a:xfrm>
+            <a:off x="3916370" y="3888001"/>
+            <a:ext cx="772171" cy="0"/>
+          </a:xfrm>
+          <a:prstGeom prst="straightConnector1">
+            <a:avLst/>
+          </a:prstGeom>
+          <a:ln w="38100">
+            <a:solidFill>
+              <a:schemeClr val="tx1"/>
+            </a:solidFill>
+            <a:tailEnd type="triangle"/>
+          </a:ln>
+        </p:spPr>
+        <p:style>
+          <a:lnRef idx="2">
+            <a:schemeClr val="accent1"/>
+          </a:lnRef>
+          <a:fillRef idx="0">
+            <a:schemeClr val="accent1"/>
+          </a:fillRef>
+          <a:effectRef idx="1">
+            <a:schemeClr val="accent1"/>
+          </a:effectRef>
+          <a:fontRef idx="minor">
+            <a:schemeClr val="tx1"/>
+          </a:fontRef>
+        </p:style>
+      </p:cxnSp>
+      <p:sp>
+        <p:nvSpPr>
+          <p:cNvPr id="80" name="TextBox 79">
+            <a:extLst>
+              <a:ext uri="{FF2B5EF4-FFF2-40B4-BE49-F238E27FC236}">
+                <a16:creationId xmlns:a16="http://schemas.microsoft.com/office/drawing/2014/main" id="{967B14C9-9C84-C5FA-D372-084C39D6D625}"/>
+              </a:ext>
+            </a:extLst>
+          </p:cNvPr>
+          <p:cNvSpPr txBox="1"/>
+          <p:nvPr/>
+        </p:nvSpPr>
+        <p:spPr>
+          <a:xfrm>
+            <a:off x="3871534" y="3954721"/>
+            <a:ext cx="1217000" cy="523220"/>
+          </a:xfrm>
+          <a:prstGeom prst="rect">
+            <a:avLst/>
+          </a:prstGeom>
+          <a:noFill/>
+        </p:spPr>
+        <p:txBody>
+          <a:bodyPr wrap="none" rtlCol="0">
+            <a:spAutoFit/>
+          </a:bodyPr>
+          <a:lstStyle/>
+          <a:p>
+            <a:r>
+              <a:rPr lang="en-KW" sz="2800" dirty="0"/>
+              <a:t>output</a:t>
+            </a:r>
+          </a:p>
+        </p:txBody>
+      </p:sp>
+      <mc:AlternateContent xmlns:mc="http://schemas.openxmlformats.org/markup-compatibility/2006">
+        <mc:Choice xmlns:a14="http://schemas.microsoft.com/office/drawing/2010/main" Requires="a14">
+          <p:sp>
+            <p:nvSpPr>
+              <p:cNvPr id="81" name="TextBox 80">
+                <a:extLst>
+                  <a:ext uri="{FF2B5EF4-FFF2-40B4-BE49-F238E27FC236}">
+                    <a16:creationId xmlns:a16="http://schemas.microsoft.com/office/drawing/2014/main" id="{9EA7FFEC-3724-8604-863E-EE170205E603}"/>
+                  </a:ext>
+                </a:extLst>
+              </p:cNvPr>
+              <p:cNvSpPr txBox="1"/>
+              <p:nvPr/>
+            </p:nvSpPr>
+            <p:spPr>
+              <a:xfrm>
+                <a:off x="2337336" y="4759601"/>
+                <a:ext cx="1082027" cy="456151"/>
+              </a:xfrm>
+              <a:prstGeom prst="rect">
+                <a:avLst/>
+              </a:prstGeom>
+              <a:noFill/>
+            </p:spPr>
+            <p:txBody>
+              <a:bodyPr wrap="none" lIns="0" tIns="0" rIns="0" bIns="0" rtlCol="0">
+                <a:spAutoFit/>
+              </a:bodyPr>
+              <a:lstStyle/>
+              <a:p>
+                <a14:m>
+                  <m:oMathPara xmlns:m="http://schemas.openxmlformats.org/officeDocument/2006/math">
+                    <m:oMathParaPr>
+                      <m:jc m:val="centerGroup"/>
+                    </m:oMathParaPr>
+                    <m:oMath xmlns:m="http://schemas.openxmlformats.org/officeDocument/2006/math">
+                      <m:sSub>
+                        <m:sSubPr>
+                          <m:ctrlPr>
+                            <a:rPr lang="en-US" sz="2800" b="0" i="1" smtClean="0">
+                              <a:latin typeface="Cambria Math" panose="02040503050406030204" pitchFamily="18" charset="0"/>
+                            </a:rPr>
+                          </m:ctrlPr>
+                        </m:sSubPr>
+                        <m:e>
+                          <m:r>
+                            <a:rPr lang="en-US" sz="2800" b="0" i="1" smtClean="0">
+                              <a:latin typeface="Cambria Math" panose="02040503050406030204" pitchFamily="18" charset="0"/>
+                            </a:rPr>
+                            <m:t>𝑤</m:t>
+                          </m:r>
+                        </m:e>
+                        <m:sub>
+                          <m:sSup>
+                            <m:sSupPr>
+                              <m:ctrlPr>
+                                <a:rPr lang="en-US" sz="2800" b="0" i="1" smtClean="0">
+                                  <a:latin typeface="Cambria Math" panose="02040503050406030204" pitchFamily="18" charset="0"/>
+                                </a:rPr>
+                              </m:ctrlPr>
+                            </m:sSupPr>
+                            <m:e>
+                              <m:r>
+                                <a:rPr lang="en-US" sz="2800" b="0" i="1" smtClean="0">
+                                  <a:latin typeface="Cambria Math" panose="02040503050406030204" pitchFamily="18" charset="0"/>
+                                </a:rPr>
+                                <m:t>𝐾</m:t>
+                              </m:r>
+                            </m:e>
+                            <m:sup>
+                              <m:r>
+                                <a:rPr lang="en-US" sz="2800" b="0" i="1" smtClean="0">
+                                  <a:latin typeface="Cambria Math" panose="02040503050406030204" pitchFamily="18" charset="0"/>
+                                </a:rPr>
+                                <m:t>[</m:t>
+                              </m:r>
+                              <m:r>
+                                <a:rPr lang="en-US" sz="2800" b="0" i="1" smtClean="0">
+                                  <a:latin typeface="Cambria Math" panose="02040503050406030204" pitchFamily="18" charset="0"/>
+                                </a:rPr>
+                                <m:t>𝑙</m:t>
+                              </m:r>
+                              <m:r>
+                                <a:rPr lang="en-US" sz="2800" b="0" i="1" smtClean="0">
+                                  <a:latin typeface="Cambria Math" panose="02040503050406030204" pitchFamily="18" charset="0"/>
+                                </a:rPr>
+                                <m:t>−1]</m:t>
+                              </m:r>
+                            </m:sup>
+                          </m:sSup>
+                        </m:sub>
+                      </m:sSub>
+                    </m:oMath>
+                  </m:oMathPara>
+                </a14:m>
+                <a:endParaRPr lang="en-KW" dirty="0"/>
+              </a:p>
+            </p:txBody>
+          </p:sp>
+        </mc:Choice>
+        <mc:Fallback>
+          <p:sp>
+            <p:nvSpPr>
+              <p:cNvPr id="81" name="TextBox 80">
+                <a:extLst>
+                  <a:ext uri="{FF2B5EF4-FFF2-40B4-BE49-F238E27FC236}">
+                    <a16:creationId xmlns:a16="http://schemas.microsoft.com/office/drawing/2014/main" id="{9EA7FFEC-3724-8604-863E-EE170205E603}"/>
+                  </a:ext>
+                </a:extLst>
+              </p:cNvPr>
+              <p:cNvSpPr txBox="1">
+                <a:spLocks noRot="1" noChangeAspect="1" noMove="1" noResize="1" noEditPoints="1" noAdjustHandles="1" noChangeArrowheads="1" noChangeShapeType="1" noTextEdit="1"/>
+              </p:cNvSpPr>
+              <p:nvPr/>
+            </p:nvSpPr>
+            <p:spPr>
+              <a:xfrm>
+                <a:off x="2337336" y="4759601"/>
+                <a:ext cx="1082027" cy="456151"/>
+              </a:xfrm>
+              <a:prstGeom prst="rect">
+                <a:avLst/>
+              </a:prstGeom>
+              <a:blipFill>
+                <a:blip r:embed="rId4"/>
+                <a:stretch>
+                  <a:fillRect l="-3448" r="-2299" b="-18919"/>
+                </a:stretch>
+              </a:blipFill>
+            </p:spPr>
+            <p:txBody>
+              <a:bodyPr/>
+              <a:lstStyle/>
+              <a:p>
+                <a:r>
+                  <a:rPr lang="en-KW">
+                    <a:noFill/>
+                  </a:rPr>
+                  <a:t> </a:t>
+                </a:r>
+              </a:p>
+            </p:txBody>
+          </p:sp>
+        </mc:Fallback>
+      </mc:AlternateContent>
+      <mc:AlternateContent xmlns:mc="http://schemas.openxmlformats.org/markup-compatibility/2006">
+        <mc:Choice xmlns:a14="http://schemas.microsoft.com/office/drawing/2010/main" Requires="a14">
+          <p:sp>
+            <p:nvSpPr>
+              <p:cNvPr id="84" name="TextBox 83">
+                <a:extLst>
+                  <a:ext uri="{FF2B5EF4-FFF2-40B4-BE49-F238E27FC236}">
+                    <a16:creationId xmlns:a16="http://schemas.microsoft.com/office/drawing/2014/main" id="{F64301F2-2962-2F16-83B8-AA5BC37BC6AF}"/>
+                  </a:ext>
+                </a:extLst>
+              </p:cNvPr>
+              <p:cNvSpPr txBox="1"/>
+              <p:nvPr/>
+            </p:nvSpPr>
+            <p:spPr>
+              <a:xfrm>
+                <a:off x="838200" y="5971005"/>
+                <a:ext cx="4527177" cy="681790"/>
+              </a:xfrm>
+              <a:prstGeom prst="rect">
+                <a:avLst/>
+              </a:prstGeom>
+              <a:noFill/>
+            </p:spPr>
+            <p:txBody>
+              <a:bodyPr wrap="square" rtlCol="0">
+                <a:spAutoFit/>
+              </a:bodyPr>
+              <a:lstStyle/>
+              <a:p>
+                <a14:m>
+                  <m:oMath xmlns:m="http://schemas.openxmlformats.org/officeDocument/2006/math">
+                    <m:sSup>
+                      <m:sSupPr>
+                        <m:ctrlPr>
+                          <a:rPr lang="en-US" b="1" i="1" smtClean="0">
+                            <a:solidFill>
+                              <a:srgbClr val="7030A0"/>
+                            </a:solidFill>
+                            <a:latin typeface="Cambria Math" panose="02040503050406030204" pitchFamily="18" charset="0"/>
+                          </a:rPr>
+                        </m:ctrlPr>
+                      </m:sSupPr>
+                      <m:e>
+                        <m:r>
+                          <a:rPr lang="en-US" b="1" i="1" smtClean="0">
+                            <a:solidFill>
+                              <a:srgbClr val="7030A0"/>
+                            </a:solidFill>
+                            <a:latin typeface="Cambria Math" panose="02040503050406030204" pitchFamily="18" charset="0"/>
+                          </a:rPr>
+                          <m:t>𝑲</m:t>
+                        </m:r>
+                      </m:e>
+                      <m:sup>
+                        <m:r>
+                          <a:rPr lang="en-US" b="1" i="1" smtClean="0">
+                            <a:solidFill>
+                              <a:srgbClr val="7030A0"/>
+                            </a:solidFill>
+                            <a:latin typeface="Cambria Math" panose="02040503050406030204" pitchFamily="18" charset="0"/>
+                          </a:rPr>
+                          <m:t>[</m:t>
+                        </m:r>
+                        <m:r>
+                          <a:rPr lang="en-US" b="1" i="1" smtClean="0">
+                            <a:solidFill>
+                              <a:srgbClr val="7030A0"/>
+                            </a:solidFill>
+                            <a:latin typeface="Cambria Math" panose="02040503050406030204" pitchFamily="18" charset="0"/>
+                          </a:rPr>
+                          <m:t>𝒍</m:t>
+                        </m:r>
+                        <m:r>
+                          <a:rPr lang="en-US" b="1" i="1" smtClean="0">
+                            <a:solidFill>
+                              <a:srgbClr val="7030A0"/>
+                            </a:solidFill>
+                            <a:latin typeface="Cambria Math" panose="02040503050406030204" pitchFamily="18" charset="0"/>
+                          </a:rPr>
+                          <m:t>−</m:t>
+                        </m:r>
+                        <m:r>
+                          <a:rPr lang="en-US" b="1" i="1" smtClean="0">
+                            <a:solidFill>
+                              <a:srgbClr val="7030A0"/>
+                            </a:solidFill>
+                            <a:latin typeface="Cambria Math" panose="02040503050406030204" pitchFamily="18" charset="0"/>
+                          </a:rPr>
+                          <m:t>𝟏</m:t>
+                        </m:r>
+                        <m:r>
+                          <a:rPr lang="en-US" b="1" i="1" smtClean="0">
+                            <a:solidFill>
+                              <a:srgbClr val="7030A0"/>
+                            </a:solidFill>
+                            <a:latin typeface="Cambria Math" panose="02040503050406030204" pitchFamily="18" charset="0"/>
+                          </a:rPr>
+                          <m:t>]</m:t>
+                        </m:r>
+                      </m:sup>
+                    </m:sSup>
+                  </m:oMath>
+                </a14:m>
+                <a:r>
+                  <a:rPr lang="en-KW" b="1" dirty="0">
+                    <a:solidFill>
+                      <a:srgbClr val="7030A0"/>
+                    </a:solidFill>
+                  </a:rPr>
+                  <a:t> Number of units in previous layer</a:t>
+                </a:r>
+              </a:p>
+              <a:p>
+                <a14:m>
+                  <m:oMath xmlns:m="http://schemas.openxmlformats.org/officeDocument/2006/math">
+                    <m:sSup>
+                      <m:sSupPr>
+                        <m:ctrlPr>
+                          <a:rPr lang="en-US" b="1" i="1" smtClean="0">
+                            <a:solidFill>
+                              <a:srgbClr val="7030A0"/>
+                            </a:solidFill>
+                            <a:latin typeface="Cambria Math" panose="02040503050406030204" pitchFamily="18" charset="0"/>
+                          </a:rPr>
+                        </m:ctrlPr>
+                      </m:sSupPr>
+                      <m:e>
+                        <m:r>
+                          <a:rPr lang="en-US" b="1" i="1" smtClean="0">
+                            <a:solidFill>
+                              <a:srgbClr val="7030A0"/>
+                            </a:solidFill>
+                            <a:latin typeface="Cambria Math" panose="02040503050406030204" pitchFamily="18" charset="0"/>
+                          </a:rPr>
+                          <m:t>𝑲</m:t>
+                        </m:r>
+                      </m:e>
+                      <m:sup>
+                        <m:r>
+                          <a:rPr lang="en-US" b="1" i="1" smtClean="0">
+                            <a:solidFill>
+                              <a:srgbClr val="7030A0"/>
+                            </a:solidFill>
+                            <a:latin typeface="Cambria Math" panose="02040503050406030204" pitchFamily="18" charset="0"/>
+                          </a:rPr>
+                          <m:t>[</m:t>
+                        </m:r>
+                        <m:r>
+                          <a:rPr lang="en-US" b="1" i="1" smtClean="0">
+                            <a:solidFill>
+                              <a:srgbClr val="7030A0"/>
+                            </a:solidFill>
+                            <a:latin typeface="Cambria Math" panose="02040503050406030204" pitchFamily="18" charset="0"/>
+                          </a:rPr>
+                          <m:t>𝒍</m:t>
+                        </m:r>
+                        <m:r>
+                          <a:rPr lang="en-US" b="1" i="1" smtClean="0">
+                            <a:solidFill>
+                              <a:srgbClr val="7030A0"/>
+                            </a:solidFill>
+                            <a:latin typeface="Cambria Math" panose="02040503050406030204" pitchFamily="18" charset="0"/>
+                          </a:rPr>
+                          <m:t>]</m:t>
+                        </m:r>
+                      </m:sup>
+                    </m:sSup>
+                  </m:oMath>
+                </a14:m>
+                <a:r>
+                  <a:rPr lang="en-KW" b="1" dirty="0">
+                    <a:solidFill>
+                      <a:srgbClr val="7030A0"/>
+                    </a:solidFill>
+                  </a:rPr>
+                  <a:t> Number of units in next layer</a:t>
+                </a:r>
+              </a:p>
+            </p:txBody>
+          </p:sp>
+        </mc:Choice>
+        <mc:Fallback>
+          <p:sp>
+            <p:nvSpPr>
+              <p:cNvPr id="84" name="TextBox 83">
+                <a:extLst>
+                  <a:ext uri="{FF2B5EF4-FFF2-40B4-BE49-F238E27FC236}">
+                    <a16:creationId xmlns:a16="http://schemas.microsoft.com/office/drawing/2014/main" id="{F64301F2-2962-2F16-83B8-AA5BC37BC6AF}"/>
+                  </a:ext>
+                </a:extLst>
+              </p:cNvPr>
+              <p:cNvSpPr txBox="1">
+                <a:spLocks noRot="1" noChangeAspect="1" noMove="1" noResize="1" noEditPoints="1" noAdjustHandles="1" noChangeArrowheads="1" noChangeShapeType="1" noTextEdit="1"/>
+              </p:cNvSpPr>
+              <p:nvPr/>
+            </p:nvSpPr>
+            <p:spPr>
+              <a:xfrm>
+                <a:off x="838200" y="5971005"/>
+                <a:ext cx="4527177" cy="681790"/>
+              </a:xfrm>
+              <a:prstGeom prst="rect">
+                <a:avLst/>
+              </a:prstGeom>
+              <a:blipFill>
+                <a:blip r:embed="rId5"/>
+                <a:stretch>
+                  <a:fillRect t="-1818" b="-10909"/>
+                </a:stretch>
+              </a:blipFill>
+            </p:spPr>
+            <p:txBody>
+              <a:bodyPr/>
+              <a:lstStyle/>
+              <a:p>
+                <a:r>
+                  <a:rPr lang="en-KW">
+                    <a:noFill/>
+                  </a:rPr>
+                  <a:t> </a:t>
+                </a:r>
+              </a:p>
+            </p:txBody>
+          </p:sp>
+        </mc:Fallback>
+      </mc:AlternateContent>
     </p:spTree>
     <p:extLst>
       <p:ext uri="{BB962C8B-B14F-4D97-AF65-F5344CB8AC3E}">
-        <p14:creationId xmlns:p14="http://schemas.microsoft.com/office/powerpoint/2010/main" val="25559004"/>
+        <p14:creationId xmlns:p14="http://schemas.microsoft.com/office/powerpoint/2010/main" val="3773521546"/>
       </p:ext>
     </p:extLst>
   </p:cSld>
   <p:clrMapOvr>
     <a:masterClrMapping/>
   </p:clrMapOvr>
+  <p:timing>
+    <p:tnLst>
+      <p:par>
+        <p:cTn id="1" dur="indefinite" restart="never" nodeType="tmRoot">
+          <p:childTnLst>
+            <p:seq concurrent="1" nextAc="seek">
+              <p:cTn id="2" dur="indefinite" nodeType="mainSeq">
+                <p:childTnLst>
+                  <p:par>
+                    <p:cTn id="3" fill="hold">
+                      <p:stCondLst>
+                        <p:cond delay="indefinite"/>
+                      </p:stCondLst>
+                      <p:childTnLst>
+                        <p:par>
+                          <p:cTn id="4" fill="hold">
+                            <p:stCondLst>
+                              <p:cond delay="0"/>
+                            </p:stCondLst>
+                            <p:childTnLst>
+                              <p:par>
+                                <p:cTn id="5" presetID="1" presetClass="entr" presetSubtype="0" fill="hold" grpId="0" nodeType="clickEffect">
+                                  <p:stCondLst>
+                                    <p:cond delay="0"/>
+                                  </p:stCondLst>
+                                  <p:childTnLst>
+                                    <p:set>
+                                      <p:cBhvr>
+                                        <p:cTn id="6" dur="1" fill="hold">
+                                          <p:stCondLst>
+                                            <p:cond delay="0"/>
+                                          </p:stCondLst>
+                                        </p:cTn>
+                                        <p:tgtEl>
+                                          <p:spTgt spid="3">
+                                            <p:txEl>
+                                              <p:pRg st="0" end="0"/>
+                                            </p:txEl>
+                                          </p:spTgt>
+                                        </p:tgtEl>
+                                        <p:attrNameLst>
+                                          <p:attrName>style.visibility</p:attrName>
+                                        </p:attrNameLst>
+                                      </p:cBhvr>
+                                      <p:to>
+                                        <p:strVal val="visible"/>
+                                      </p:to>
+                                    </p:set>
+                                  </p:childTnLst>
+                                </p:cTn>
+                              </p:par>
+                            </p:childTnLst>
+                          </p:cTn>
+                        </p:par>
+                      </p:childTnLst>
+                    </p:cTn>
+                  </p:par>
+                  <p:par>
+                    <p:cTn id="7" fill="hold">
+                      <p:stCondLst>
+                        <p:cond delay="indefinite"/>
+                      </p:stCondLst>
+                      <p:childTnLst>
+                        <p:par>
+                          <p:cTn id="8" fill="hold">
+                            <p:stCondLst>
+                              <p:cond delay="0"/>
+                            </p:stCondLst>
+                            <p:childTnLst>
+                              <p:par>
+                                <p:cTn id="9" presetID="1" presetClass="entr" presetSubtype="0" fill="hold" grpId="0" nodeType="clickEffect">
+                                  <p:stCondLst>
+                                    <p:cond delay="0"/>
+                                  </p:stCondLst>
+                                  <p:childTnLst>
+                                    <p:set>
+                                      <p:cBhvr>
+                                        <p:cTn id="10" dur="1" fill="hold">
+                                          <p:stCondLst>
+                                            <p:cond delay="0"/>
+                                          </p:stCondLst>
+                                        </p:cTn>
+                                        <p:tgtEl>
+                                          <p:spTgt spid="3">
+                                            <p:txEl>
+                                              <p:pRg st="1" end="1"/>
+                                            </p:txEl>
+                                          </p:spTgt>
+                                        </p:tgtEl>
+                                        <p:attrNameLst>
+                                          <p:attrName>style.visibility</p:attrName>
+                                        </p:attrNameLst>
+                                      </p:cBhvr>
+                                      <p:to>
+                                        <p:strVal val="visible"/>
+                                      </p:to>
+                                    </p:set>
+                                  </p:childTnLst>
+                                </p:cTn>
+                              </p:par>
+                            </p:childTnLst>
+                          </p:cTn>
+                        </p:par>
+                      </p:childTnLst>
+                    </p:cTn>
+                  </p:par>
+                  <p:par>
+                    <p:cTn id="11" fill="hold">
+                      <p:stCondLst>
+                        <p:cond delay="indefinite"/>
+                      </p:stCondLst>
+                      <p:childTnLst>
+                        <p:par>
+                          <p:cTn id="12" fill="hold">
+                            <p:stCondLst>
+                              <p:cond delay="0"/>
+                            </p:stCondLst>
+                            <p:childTnLst>
+                              <p:par>
+                                <p:cTn id="13" presetID="1" presetClass="entr" presetSubtype="0" fill="hold" grpId="0" nodeType="clickEffect">
+                                  <p:stCondLst>
+                                    <p:cond delay="0"/>
+                                  </p:stCondLst>
+                                  <p:childTnLst>
+                                    <p:set>
+                                      <p:cBhvr>
+                                        <p:cTn id="14" dur="1" fill="hold">
+                                          <p:stCondLst>
+                                            <p:cond delay="0"/>
+                                          </p:stCondLst>
+                                        </p:cTn>
+                                        <p:tgtEl>
+                                          <p:spTgt spid="3">
+                                            <p:txEl>
+                                              <p:pRg st="2" end="2"/>
+                                            </p:txEl>
+                                          </p:spTgt>
+                                        </p:tgtEl>
+                                        <p:attrNameLst>
+                                          <p:attrName>style.visibility</p:attrName>
+                                        </p:attrNameLst>
+                                      </p:cBhvr>
+                                      <p:to>
+                                        <p:strVal val="visible"/>
+                                      </p:to>
+                                    </p:set>
+                                  </p:childTnLst>
+                                </p:cTn>
+                              </p:par>
+                            </p:childTnLst>
+                          </p:cTn>
+                        </p:par>
+                      </p:childTnLst>
+                    </p:cTn>
+                  </p:par>
+                  <p:par>
+                    <p:cTn id="15" fill="hold">
+                      <p:stCondLst>
+                        <p:cond delay="indefinite"/>
+                      </p:stCondLst>
+                      <p:childTnLst>
+                        <p:par>
+                          <p:cTn id="16" fill="hold">
+                            <p:stCondLst>
+                              <p:cond delay="0"/>
+                            </p:stCondLst>
+                            <p:childTnLst>
+                              <p:par>
+                                <p:cTn id="17" presetID="1" presetClass="entr" presetSubtype="0" fill="hold" grpId="0" nodeType="clickEffect">
+                                  <p:stCondLst>
+                                    <p:cond delay="0"/>
+                                  </p:stCondLst>
+                                  <p:childTnLst>
+                                    <p:set>
+                                      <p:cBhvr>
+                                        <p:cTn id="18" dur="1" fill="hold">
+                                          <p:stCondLst>
+                                            <p:cond delay="0"/>
+                                          </p:stCondLst>
+                                        </p:cTn>
+                                        <p:tgtEl>
+                                          <p:spTgt spid="3">
+                                            <p:txEl>
+                                              <p:pRg st="3" end="3"/>
+                                            </p:txEl>
+                                          </p:spTgt>
+                                        </p:tgtEl>
+                                        <p:attrNameLst>
+                                          <p:attrName>style.visibility</p:attrName>
+                                        </p:attrNameLst>
+                                      </p:cBhvr>
+                                      <p:to>
+                                        <p:strVal val="visible"/>
+                                      </p:to>
+                                    </p:set>
+                                  </p:childTnLst>
+                                </p:cTn>
+                              </p:par>
+                            </p:childTnLst>
+                          </p:cTn>
+                        </p:par>
+                      </p:childTnLst>
+                    </p:cTn>
+                  </p:par>
+                  <p:par>
+                    <p:cTn id="19" fill="hold">
+                      <p:stCondLst>
+                        <p:cond delay="indefinite"/>
+                      </p:stCondLst>
+                      <p:childTnLst>
+                        <p:par>
+                          <p:cTn id="20" fill="hold">
+                            <p:stCondLst>
+                              <p:cond delay="0"/>
+                            </p:stCondLst>
+                            <p:childTnLst>
+                              <p:par>
+                                <p:cTn id="21" presetID="1" presetClass="entr" presetSubtype="0" fill="hold" grpId="0" nodeType="clickEffect">
+                                  <p:stCondLst>
+                                    <p:cond delay="0"/>
+                                  </p:stCondLst>
+                                  <p:childTnLst>
+                                    <p:set>
+                                      <p:cBhvr>
+                                        <p:cTn id="22" dur="1" fill="hold">
+                                          <p:stCondLst>
+                                            <p:cond delay="0"/>
+                                          </p:stCondLst>
+                                        </p:cTn>
+                                        <p:tgtEl>
+                                          <p:spTgt spid="3">
+                                            <p:txEl>
+                                              <p:pRg st="4" end="4"/>
+                                            </p:txEl>
+                                          </p:spTgt>
+                                        </p:tgtEl>
+                                        <p:attrNameLst>
+                                          <p:attrName>style.visibility</p:attrName>
+                                        </p:attrNameLst>
+                                      </p:cBhvr>
+                                      <p:to>
+                                        <p:strVal val="visible"/>
+                                      </p:to>
+                                    </p:set>
+                                  </p:childTnLst>
+                                </p:cTn>
+                              </p:par>
+                            </p:childTnLst>
+                          </p:cTn>
+                        </p:par>
+                      </p:childTnLst>
+                    </p:cTn>
+                  </p:par>
+                  <p:par>
+                    <p:cTn id="23" fill="hold">
+                      <p:stCondLst>
+                        <p:cond delay="indefinite"/>
+                      </p:stCondLst>
+                      <p:childTnLst>
+                        <p:par>
+                          <p:cTn id="24" fill="hold">
+                            <p:stCondLst>
+                              <p:cond delay="0"/>
+                            </p:stCondLst>
+                            <p:childTnLst>
+                              <p:par>
+                                <p:cTn id="25" presetID="1" presetClass="entr" presetSubtype="0" fill="hold" grpId="0" nodeType="clickEffect">
+                                  <p:stCondLst>
+                                    <p:cond delay="0"/>
+                                  </p:stCondLst>
+                                  <p:childTnLst>
+                                    <p:set>
+                                      <p:cBhvr>
+                                        <p:cTn id="26" dur="1" fill="hold">
+                                          <p:stCondLst>
+                                            <p:cond delay="0"/>
+                                          </p:stCondLst>
+                                        </p:cTn>
+                                        <p:tgtEl>
+                                          <p:spTgt spid="3">
+                                            <p:txEl>
+                                              <p:pRg st="5" end="5"/>
+                                            </p:txEl>
+                                          </p:spTgt>
+                                        </p:tgtEl>
+                                        <p:attrNameLst>
+                                          <p:attrName>style.visibility</p:attrName>
+                                        </p:attrNameLst>
+                                      </p:cBhvr>
+                                      <p:to>
+                                        <p:strVal val="visible"/>
+                                      </p:to>
+                                    </p:set>
+                                  </p:childTnLst>
+                                </p:cTn>
+                              </p:par>
+                            </p:childTnLst>
+                          </p:cTn>
+                        </p:par>
+                      </p:childTnLst>
+                    </p:cTn>
+                  </p:par>
+                  <p:par>
+                    <p:cTn id="27" fill="hold">
+                      <p:stCondLst>
+                        <p:cond delay="indefinite"/>
+                      </p:stCondLst>
+                      <p:childTnLst>
+                        <p:par>
+                          <p:cTn id="28" fill="hold">
+                            <p:stCondLst>
+                              <p:cond delay="0"/>
+                            </p:stCondLst>
+                            <p:childTnLst>
+                              <p:par>
+                                <p:cTn id="29" presetID="1" presetClass="entr" presetSubtype="0" fill="hold" grpId="0" nodeType="clickEffect">
+                                  <p:stCondLst>
+                                    <p:cond delay="0"/>
+                                  </p:stCondLst>
+                                  <p:childTnLst>
+                                    <p:set>
+                                      <p:cBhvr>
+                                        <p:cTn id="30" dur="1" fill="hold">
+                                          <p:stCondLst>
+                                            <p:cond delay="0"/>
+                                          </p:stCondLst>
+                                        </p:cTn>
+                                        <p:tgtEl>
+                                          <p:spTgt spid="3">
+                                            <p:txEl>
+                                              <p:pRg st="6" end="6"/>
+                                            </p:txEl>
+                                          </p:spTgt>
+                                        </p:tgtEl>
+                                        <p:attrNameLst>
+                                          <p:attrName>style.visibility</p:attrName>
+                                        </p:attrNameLst>
+                                      </p:cBhvr>
+                                      <p:to>
+                                        <p:strVal val="visible"/>
+                                      </p:to>
+                                    </p:set>
+                                  </p:childTnLst>
+                                </p:cTn>
+                              </p:par>
+                            </p:childTnLst>
+                          </p:cTn>
+                        </p:par>
+                      </p:childTnLst>
+                    </p:cTn>
+                  </p:par>
+                  <p:par>
+                    <p:cTn id="31" fill="hold">
+                      <p:stCondLst>
+                        <p:cond delay="indefinite"/>
+                      </p:stCondLst>
+                      <p:childTnLst>
+                        <p:par>
+                          <p:cTn id="32" fill="hold">
+                            <p:stCondLst>
+                              <p:cond delay="0"/>
+                            </p:stCondLst>
+                            <p:childTnLst>
+                              <p:par>
+                                <p:cTn id="33" presetID="1" presetClass="entr" presetSubtype="0" fill="hold" grpId="0" nodeType="clickEffect">
+                                  <p:stCondLst>
+                                    <p:cond delay="0"/>
+                                  </p:stCondLst>
+                                  <p:childTnLst>
+                                    <p:set>
+                                      <p:cBhvr>
+                                        <p:cTn id="34" dur="1" fill="hold">
+                                          <p:stCondLst>
+                                            <p:cond delay="0"/>
+                                          </p:stCondLst>
+                                        </p:cTn>
+                                        <p:tgtEl>
+                                          <p:spTgt spid="3">
+                                            <p:txEl>
+                                              <p:pRg st="7" end="7"/>
+                                            </p:txEl>
+                                          </p:spTgt>
+                                        </p:tgtEl>
+                                        <p:attrNameLst>
+                                          <p:attrName>style.visibility</p:attrName>
+                                        </p:attrNameLst>
+                                      </p:cBhvr>
+                                      <p:to>
+                                        <p:strVal val="visible"/>
+                                      </p:to>
+                                    </p:set>
+                                  </p:childTnLst>
+                                </p:cTn>
+                              </p:par>
+                            </p:childTnLst>
+                          </p:cTn>
+                        </p:par>
+                      </p:childTnLst>
+                    </p:cTn>
+                  </p:par>
+                </p:childTnLst>
+              </p:cTn>
+              <p:prevCondLst>
+                <p:cond evt="onPrev" delay="0">
+                  <p:tgtEl>
+                    <p:sldTgt/>
+                  </p:tgtEl>
+                </p:cond>
+              </p:prevCondLst>
+              <p:nextCondLst>
+                <p:cond evt="onNext" delay="0">
+                  <p:tgtEl>
+                    <p:sldTgt/>
+                  </p:tgtEl>
+                </p:cond>
+              </p:nextCondLst>
+            </p:seq>
+          </p:childTnLst>
+        </p:cTn>
+      </p:par>
+    </p:tnLst>
+    <p:bldLst>
+      <p:bldP spid="3" grpId="0" build="p"/>
+    </p:bldLst>
+  </p:timing>
 </p:sld>
 </file>
 

--- a/slides/block11.pptx
+++ b/slides/block11.pptx
@@ -14,7 +14,7 @@
     <p:sldId id="294" r:id="rId5"/>
     <p:sldId id="295" r:id="rId6"/>
     <p:sldId id="296" r:id="rId7"/>
-    <p:sldId id="298" r:id="rId8"/>
+    <p:sldId id="301" r:id="rId8"/>
     <p:sldId id="300" r:id="rId9"/>
     <p:sldId id="291" r:id="rId10"/>
   </p:sldIdLst>
@@ -517,106 +517,6 @@
           <a:bodyPr/>
           <a:lstStyle/>
           <a:p>
-            <a:r>
-              <a:rPr lang="en-US" dirty="0"/>
-              <a:t>Excellent source: https://</a:t>
-            </a:r>
-            <a:r>
-              <a:rPr lang="en-US" dirty="0" err="1"/>
-              <a:t>visionbook.mit.edu</a:t>
-            </a:r>
-            <a:r>
-              <a:rPr lang="en-US" dirty="0"/>
-              <a:t>/</a:t>
-            </a:r>
-            <a:r>
-              <a:rPr lang="en-US" dirty="0" err="1"/>
-              <a:t>backpropagation.html</a:t>
-            </a:r>
-            <a:endParaRPr lang="en-KW" dirty="0"/>
-          </a:p>
-        </p:txBody>
-      </p:sp>
-      <p:sp>
-        <p:nvSpPr>
-          <p:cNvPr id="4" name="Slide Number Placeholder 3"/>
-          <p:cNvSpPr>
-            <a:spLocks noGrp="1"/>
-          </p:cNvSpPr>
-          <p:nvPr>
-            <p:ph type="sldNum" sz="quarter" idx="5"/>
-          </p:nvPr>
-        </p:nvSpPr>
-        <p:spPr/>
-        <p:txBody>
-          <a:bodyPr/>
-          <a:lstStyle/>
-          <a:p>
-            <a:fld id="{949CAF34-6B4C-E54E-8A71-2DCA512F23AC}" type="slidenum">
-              <a:rPr lang="en-KW" smtClean="0"/>
-              <a:t>7</a:t>
-            </a:fld>
-            <a:endParaRPr lang="en-KW"/>
-          </a:p>
-        </p:txBody>
-      </p:sp>
-    </p:spTree>
-    <p:extLst>
-      <p:ext uri="{BB962C8B-B14F-4D97-AF65-F5344CB8AC3E}">
-        <p14:creationId xmlns:p14="http://schemas.microsoft.com/office/powerpoint/2010/main" val="305812348"/>
-      </p:ext>
-    </p:extLst>
-  </p:cSld>
-  <p:clrMapOvr>
-    <a:masterClrMapping/>
-  </p:clrMapOvr>
-</p:notes>
-</file>
-
-<file path=ppt/notesSlides/notesSlide2.xml><?xml version="1.0" encoding="utf-8"?>
-<p:notes xmlns:a="http://schemas.openxmlformats.org/drawingml/2006/main" xmlns:r="http://schemas.openxmlformats.org/officeDocument/2006/relationships" xmlns:p="http://schemas.openxmlformats.org/presentationml/2006/main">
-  <p:cSld>
-    <p:spTree>
-      <p:nvGrpSpPr>
-        <p:cNvPr id="1" name=""/>
-        <p:cNvGrpSpPr/>
-        <p:nvPr/>
-      </p:nvGrpSpPr>
-      <p:grpSpPr>
-        <a:xfrm>
-          <a:off x="0" y="0"/>
-          <a:ext cx="0" cy="0"/>
-          <a:chOff x="0" y="0"/>
-          <a:chExt cx="0" cy="0"/>
-        </a:xfrm>
-      </p:grpSpPr>
-      <p:sp>
-        <p:nvSpPr>
-          <p:cNvPr id="2" name="Slide Image Placeholder 1"/>
-          <p:cNvSpPr>
-            <a:spLocks noGrp="1" noRot="1" noChangeAspect="1"/>
-          </p:cNvSpPr>
-          <p:nvPr>
-            <p:ph type="sldImg"/>
-          </p:nvPr>
-        </p:nvSpPr>
-        <p:spPr/>
-      </p:sp>
-      <p:sp>
-        <p:nvSpPr>
-          <p:cNvPr id="3" name="Notes Placeholder 2"/>
-          <p:cNvSpPr>
-            <a:spLocks noGrp="1"/>
-          </p:cNvSpPr>
-          <p:nvPr>
-            <p:ph type="body" idx="1"/>
-          </p:nvPr>
-        </p:nvSpPr>
-        <p:spPr/>
-        <p:txBody>
-          <a:bodyPr/>
-          <a:lstStyle/>
-          <a:p>
             <a:pPr marL="0" marR="0" lvl="0" indent="0" algn="l" defTabSz="914400" rtl="0" eaLnBrk="1" fontAlgn="auto" latinLnBrk="0" hangingPunct="1">
               <a:lnSpc>
                 <a:spcPct val="100000"/>
@@ -654,10 +554,10 @@
               <a:rPr lang="en-US" dirty="0" err="1"/>
               <a:t>backpropagation.html</a:t>
             </a:r>
-            <a:endParaRPr lang="en-KW"/>
-          </a:p>
-          <a:p>
-            <a:endParaRPr lang="en-KW"/>
+            <a:endParaRPr lang="en-KW" dirty="0"/>
+          </a:p>
+          <a:p>
+            <a:endParaRPr lang="en-KW" dirty="0"/>
           </a:p>
           <a:p>
             <a:r>
@@ -4281,7 +4181,7 @@
         </p:blipFill>
         <p:spPr>
           <a:xfrm>
-            <a:off x="838200" y="2467769"/>
+            <a:off x="838200" y="1895475"/>
             <a:ext cx="10515600" cy="3067050"/>
           </a:xfrm>
         </p:spPr>
@@ -4300,8 +4200,8 @@
         </p:nvSpPr>
         <p:spPr>
           <a:xfrm>
-            <a:off x="2477605" y="5788680"/>
-            <a:ext cx="7236789" cy="523220"/>
+            <a:off x="1156447" y="5167312"/>
+            <a:ext cx="10197353" cy="954107"/>
           </a:xfrm>
           <a:prstGeom prst="rect">
             <a:avLst/>
@@ -4309,11 +4209,12 @@
           <a:noFill/>
         </p:spPr>
         <p:txBody>
-          <a:bodyPr wrap="none" rtlCol="0">
+          <a:bodyPr wrap="square" rtlCol="0">
             <a:spAutoFit/>
           </a:bodyPr>
           <a:lstStyle/>
           <a:p>
+            <a:pPr algn="ctr"/>
             <a:r>
               <a:rPr lang="en-KW" sz="2800" b="1" dirty="0">
                 <a:solidFill>
@@ -4321,6 +4222,17 @@
                 </a:solidFill>
               </a:rPr>
               <a:t>No line can neatly separate the two classes</a:t>
+            </a:r>
+          </a:p>
+          <a:p>
+            <a:pPr algn="ctr"/>
+            <a:r>
+              <a:rPr lang="en-KW" sz="2800" b="1" dirty="0">
+                <a:solidFill>
+                  <a:srgbClr val="FF0000"/>
+                </a:solidFill>
+              </a:rPr>
+              <a:t>History: this problem caused the first AI winter in the 1970s</a:t>
             </a:r>
           </a:p>
         </p:txBody>
@@ -4335,6 +4247,84 @@
   <p:clrMapOvr>
     <a:masterClrMapping/>
   </p:clrMapOvr>
+  <p:timing>
+    <p:tnLst>
+      <p:par>
+        <p:cTn id="1" dur="indefinite" restart="never" nodeType="tmRoot">
+          <p:childTnLst>
+            <p:seq concurrent="1" nextAc="seek">
+              <p:cTn id="2" dur="indefinite" nodeType="mainSeq">
+                <p:childTnLst>
+                  <p:par>
+                    <p:cTn id="3" fill="hold">
+                      <p:stCondLst>
+                        <p:cond delay="indefinite"/>
+                      </p:stCondLst>
+                      <p:childTnLst>
+                        <p:par>
+                          <p:cTn id="4" fill="hold">
+                            <p:stCondLst>
+                              <p:cond delay="0"/>
+                            </p:stCondLst>
+                            <p:childTnLst>
+                              <p:par>
+                                <p:cTn id="5" presetID="1" presetClass="entr" presetSubtype="0" fill="hold" grpId="0" nodeType="clickEffect">
+                                  <p:stCondLst>
+                                    <p:cond delay="0"/>
+                                  </p:stCondLst>
+                                  <p:childTnLst>
+                                    <p:set>
+                                      <p:cBhvr>
+                                        <p:cTn id="6" dur="1" fill="hold">
+                                          <p:stCondLst>
+                                            <p:cond delay="0"/>
+                                          </p:stCondLst>
+                                        </p:cTn>
+                                        <p:tgtEl>
+                                          <p:spTgt spid="6"/>
+                                        </p:tgtEl>
+                                        <p:attrNameLst>
+                                          <p:attrName>style.visibility</p:attrName>
+                                        </p:attrNameLst>
+                                      </p:cBhvr>
+                                      <p:to>
+                                        <p:strVal val="visible"/>
+                                      </p:to>
+                                    </p:set>
+                                  </p:childTnLst>
+                                </p:cTn>
+                              </p:par>
+                            </p:childTnLst>
+                          </p:cTn>
+                        </p:par>
+                      </p:childTnLst>
+                    </p:cTn>
+                  </p:par>
+                </p:childTnLst>
+              </p:cTn>
+              <p:prevCondLst>
+                <p:cond evt="onPrev" delay="0">
+                  <p:tgtEl>
+                    <p:sldTgt/>
+                  </p:tgtEl>
+                </p:cond>
+              </p:prevCondLst>
+              <p:nextCondLst>
+                <p:cond evt="onNext" delay="0">
+                  <p:tgtEl>
+                    <p:sldTgt/>
+                  </p:tgtEl>
+                </p:cond>
+              </p:nextCondLst>
+            </p:seq>
+          </p:childTnLst>
+        </p:cTn>
+      </p:par>
+    </p:tnLst>
+    <p:bldLst>
+      <p:bldP spid="6" grpId="0"/>
+    </p:bldLst>
+  </p:timing>
 </p:sld>
 </file>
 
@@ -7175,6 +7165,280 @@
           </a:p>
         </p:txBody>
       </p:sp>
+      <p:sp>
+        <p:nvSpPr>
+          <p:cNvPr id="7" name="TextBox 6">
+            <a:extLst>
+              <a:ext uri="{FF2B5EF4-FFF2-40B4-BE49-F238E27FC236}">
+                <a16:creationId xmlns:a16="http://schemas.microsoft.com/office/drawing/2014/main" id="{391780C2-5451-100B-EA47-65A14497461C}"/>
+              </a:ext>
+            </a:extLst>
+          </p:cNvPr>
+          <p:cNvSpPr txBox="1"/>
+          <p:nvPr/>
+        </p:nvSpPr>
+        <p:spPr>
+          <a:xfrm>
+            <a:off x="5372881" y="4364647"/>
+            <a:ext cx="1494084" cy="400110"/>
+          </a:xfrm>
+          <a:prstGeom prst="rect">
+            <a:avLst/>
+          </a:prstGeom>
+          <a:noFill/>
+        </p:spPr>
+        <p:txBody>
+          <a:bodyPr wrap="square" rtlCol="0">
+            <a:spAutoFit/>
+          </a:bodyPr>
+          <a:lstStyle/>
+          <a:p>
+            <a:r>
+              <a:rPr lang="en-KW" sz="2000" b="1" dirty="0">
+                <a:solidFill>
+                  <a:srgbClr val="00B0F0"/>
+                </a:solidFill>
+              </a:rPr>
+              <a:t>Activations</a:t>
+            </a:r>
+          </a:p>
+        </p:txBody>
+      </p:sp>
+      <p:cxnSp>
+        <p:nvCxnSpPr>
+          <p:cNvPr id="8" name="Straight Arrow Connector 7">
+            <a:extLst>
+              <a:ext uri="{FF2B5EF4-FFF2-40B4-BE49-F238E27FC236}">
+                <a16:creationId xmlns:a16="http://schemas.microsoft.com/office/drawing/2014/main" id="{D4C483E8-4614-C97A-C17A-47F04DDDDC45}"/>
+              </a:ext>
+            </a:extLst>
+          </p:cNvPr>
+          <p:cNvCxnSpPr>
+            <a:cxnSpLocks/>
+            <a:stCxn id="15" idx="0"/>
+            <a:endCxn id="49" idx="2"/>
+          </p:cNvCxnSpPr>
+          <p:nvPr/>
+        </p:nvCxnSpPr>
+        <p:spPr>
+          <a:xfrm flipV="1">
+            <a:off x="2523392" y="3851725"/>
+            <a:ext cx="1533603" cy="712336"/>
+          </a:xfrm>
+          <a:prstGeom prst="straightConnector1">
+            <a:avLst/>
+          </a:prstGeom>
+          <a:ln w="38100">
+            <a:solidFill>
+              <a:srgbClr val="7030A0"/>
+            </a:solidFill>
+            <a:prstDash val="dash"/>
+            <a:tailEnd type="triangle"/>
+          </a:ln>
+        </p:spPr>
+        <p:style>
+          <a:lnRef idx="2">
+            <a:schemeClr val="accent1"/>
+          </a:lnRef>
+          <a:fillRef idx="0">
+            <a:schemeClr val="accent1"/>
+          </a:fillRef>
+          <a:effectRef idx="1">
+            <a:schemeClr val="accent1"/>
+          </a:effectRef>
+          <a:fontRef idx="minor">
+            <a:schemeClr val="tx1"/>
+          </a:fontRef>
+        </p:style>
+      </p:cxnSp>
+      <p:cxnSp>
+        <p:nvCxnSpPr>
+          <p:cNvPr id="11" name="Straight Arrow Connector 10">
+            <a:extLst>
+              <a:ext uri="{FF2B5EF4-FFF2-40B4-BE49-F238E27FC236}">
+                <a16:creationId xmlns:a16="http://schemas.microsoft.com/office/drawing/2014/main" id="{91B17EB5-336C-100F-2011-1864D41DD224}"/>
+              </a:ext>
+            </a:extLst>
+          </p:cNvPr>
+          <p:cNvCxnSpPr>
+            <a:cxnSpLocks/>
+            <a:stCxn id="15" idx="0"/>
+            <a:endCxn id="5" idx="2"/>
+          </p:cNvCxnSpPr>
+          <p:nvPr/>
+        </p:nvCxnSpPr>
+        <p:spPr>
+          <a:xfrm flipV="1">
+            <a:off x="2523392" y="2944415"/>
+            <a:ext cx="1533603" cy="1619646"/>
+          </a:xfrm>
+          <a:prstGeom prst="straightConnector1">
+            <a:avLst/>
+          </a:prstGeom>
+          <a:ln w="38100">
+            <a:solidFill>
+              <a:srgbClr val="7030A0"/>
+            </a:solidFill>
+            <a:prstDash val="dash"/>
+            <a:tailEnd type="triangle"/>
+          </a:ln>
+        </p:spPr>
+        <p:style>
+          <a:lnRef idx="2">
+            <a:schemeClr val="accent1"/>
+          </a:lnRef>
+          <a:fillRef idx="0">
+            <a:schemeClr val="accent1"/>
+          </a:fillRef>
+          <a:effectRef idx="1">
+            <a:schemeClr val="accent1"/>
+          </a:effectRef>
+          <a:fontRef idx="minor">
+            <a:schemeClr val="tx1"/>
+          </a:fontRef>
+        </p:style>
+      </p:cxnSp>
+      <p:sp>
+        <p:nvSpPr>
+          <p:cNvPr id="15" name="TextBox 14">
+            <a:extLst>
+              <a:ext uri="{FF2B5EF4-FFF2-40B4-BE49-F238E27FC236}">
+                <a16:creationId xmlns:a16="http://schemas.microsoft.com/office/drawing/2014/main" id="{A845BED9-9259-C02E-DAFA-0A160FF68B78}"/>
+              </a:ext>
+            </a:extLst>
+          </p:cNvPr>
+          <p:cNvSpPr txBox="1"/>
+          <p:nvPr/>
+        </p:nvSpPr>
+        <p:spPr>
+          <a:xfrm>
+            <a:off x="1723136" y="4564061"/>
+            <a:ext cx="1600512" cy="707886"/>
+          </a:xfrm>
+          <a:prstGeom prst="rect">
+            <a:avLst/>
+          </a:prstGeom>
+          <a:noFill/>
+        </p:spPr>
+        <p:txBody>
+          <a:bodyPr wrap="square" rtlCol="0">
+            <a:spAutoFit/>
+          </a:bodyPr>
+          <a:lstStyle/>
+          <a:p>
+            <a:r>
+              <a:rPr lang="en-KW" sz="2000" b="1" dirty="0">
+                <a:solidFill>
+                  <a:srgbClr val="7030A0"/>
+                </a:solidFill>
+              </a:rPr>
+              <a:t>Activation </a:t>
+            </a:r>
+          </a:p>
+          <a:p>
+            <a:r>
+              <a:rPr lang="en-KW" sz="2000" b="1" dirty="0">
+                <a:solidFill>
+                  <a:srgbClr val="7030A0"/>
+                </a:solidFill>
+              </a:rPr>
+              <a:t>Function</a:t>
+            </a:r>
+          </a:p>
+        </p:txBody>
+      </p:sp>
+      <p:cxnSp>
+        <p:nvCxnSpPr>
+          <p:cNvPr id="28" name="Straight Arrow Connector 27">
+            <a:extLst>
+              <a:ext uri="{FF2B5EF4-FFF2-40B4-BE49-F238E27FC236}">
+                <a16:creationId xmlns:a16="http://schemas.microsoft.com/office/drawing/2014/main" id="{DB337D31-0975-A785-6757-42C71B76A6FC}"/>
+              </a:ext>
+            </a:extLst>
+          </p:cNvPr>
+          <p:cNvCxnSpPr>
+            <a:cxnSpLocks/>
+            <a:stCxn id="7" idx="0"/>
+          </p:cNvCxnSpPr>
+          <p:nvPr/>
+        </p:nvCxnSpPr>
+        <p:spPr>
+          <a:xfrm flipH="1" flipV="1">
+            <a:off x="5095298" y="3412828"/>
+            <a:ext cx="1024625" cy="951819"/>
+          </a:xfrm>
+          <a:prstGeom prst="straightConnector1">
+            <a:avLst/>
+          </a:prstGeom>
+          <a:ln w="38100">
+            <a:solidFill>
+              <a:srgbClr val="00B0F0"/>
+            </a:solidFill>
+            <a:prstDash val="dash"/>
+            <a:tailEnd type="triangle"/>
+          </a:ln>
+        </p:spPr>
+        <p:style>
+          <a:lnRef idx="2">
+            <a:schemeClr val="accent1"/>
+          </a:lnRef>
+          <a:fillRef idx="0">
+            <a:schemeClr val="accent1"/>
+          </a:fillRef>
+          <a:effectRef idx="1">
+            <a:schemeClr val="accent1"/>
+          </a:effectRef>
+          <a:fontRef idx="minor">
+            <a:schemeClr val="tx1"/>
+          </a:fontRef>
+        </p:style>
+      </p:cxnSp>
+      <p:cxnSp>
+        <p:nvCxnSpPr>
+          <p:cNvPr id="31" name="Straight Arrow Connector 30">
+            <a:extLst>
+              <a:ext uri="{FF2B5EF4-FFF2-40B4-BE49-F238E27FC236}">
+                <a16:creationId xmlns:a16="http://schemas.microsoft.com/office/drawing/2014/main" id="{CBE1234B-D3F8-AC5D-866E-7C100E04C872}"/>
+              </a:ext>
+            </a:extLst>
+          </p:cNvPr>
+          <p:cNvCxnSpPr>
+            <a:cxnSpLocks/>
+            <a:stCxn id="7" idx="0"/>
+          </p:cNvCxnSpPr>
+          <p:nvPr/>
+        </p:nvCxnSpPr>
+        <p:spPr>
+          <a:xfrm flipH="1" flipV="1">
+            <a:off x="4955873" y="2787253"/>
+            <a:ext cx="1164050" cy="1577394"/>
+          </a:xfrm>
+          <a:prstGeom prst="straightConnector1">
+            <a:avLst/>
+          </a:prstGeom>
+          <a:ln w="38100">
+            <a:solidFill>
+              <a:srgbClr val="00B0F0"/>
+            </a:solidFill>
+            <a:prstDash val="dash"/>
+            <a:tailEnd type="triangle"/>
+          </a:ln>
+        </p:spPr>
+        <p:style>
+          <a:lnRef idx="2">
+            <a:schemeClr val="accent1"/>
+          </a:lnRef>
+          <a:fillRef idx="0">
+            <a:schemeClr val="accent1"/>
+          </a:fillRef>
+          <a:effectRef idx="1">
+            <a:schemeClr val="accent1"/>
+          </a:effectRef>
+          <a:fontRef idx="minor">
+            <a:schemeClr val="tx1"/>
+          </a:fontRef>
+        </p:style>
+      </p:cxnSp>
     </p:spTree>
     <p:extLst>
       <p:ext uri="{BB962C8B-B14F-4D97-AF65-F5344CB8AC3E}">
@@ -7185,6 +7449,362 @@
   <p:clrMapOvr>
     <a:masterClrMapping/>
   </p:clrMapOvr>
+  <p:timing>
+    <p:tnLst>
+      <p:par>
+        <p:cTn id="1" dur="indefinite" restart="never" nodeType="tmRoot">
+          <p:childTnLst>
+            <p:seq concurrent="1" nextAc="seek">
+              <p:cTn id="2" dur="indefinite" nodeType="mainSeq">
+                <p:childTnLst>
+                  <p:par>
+                    <p:cTn id="3" fill="hold">
+                      <p:stCondLst>
+                        <p:cond delay="indefinite"/>
+                      </p:stCondLst>
+                      <p:childTnLst>
+                        <p:par>
+                          <p:cTn id="4" fill="hold">
+                            <p:stCondLst>
+                              <p:cond delay="0"/>
+                            </p:stCondLst>
+                            <p:childTnLst>
+                              <p:par>
+                                <p:cTn id="5" presetID="1" presetClass="entr" presetSubtype="0" fill="hold" grpId="0" nodeType="clickEffect">
+                                  <p:stCondLst>
+                                    <p:cond delay="0"/>
+                                  </p:stCondLst>
+                                  <p:childTnLst>
+                                    <p:set>
+                                      <p:cBhvr>
+                                        <p:cTn id="6" dur="1" fill="hold">
+                                          <p:stCondLst>
+                                            <p:cond delay="0"/>
+                                          </p:stCondLst>
+                                        </p:cTn>
+                                        <p:tgtEl>
+                                          <p:spTgt spid="89"/>
+                                        </p:tgtEl>
+                                        <p:attrNameLst>
+                                          <p:attrName>style.visibility</p:attrName>
+                                        </p:attrNameLst>
+                                      </p:cBhvr>
+                                      <p:to>
+                                        <p:strVal val="visible"/>
+                                      </p:to>
+                                    </p:set>
+                                  </p:childTnLst>
+                                </p:cTn>
+                              </p:par>
+                              <p:par>
+                                <p:cTn id="7" presetID="1" presetClass="entr" presetSubtype="0" fill="hold" grpId="0" nodeType="withEffect">
+                                  <p:stCondLst>
+                                    <p:cond delay="0"/>
+                                  </p:stCondLst>
+                                  <p:childTnLst>
+                                    <p:set>
+                                      <p:cBhvr>
+                                        <p:cTn id="8" dur="1" fill="hold">
+                                          <p:stCondLst>
+                                            <p:cond delay="0"/>
+                                          </p:stCondLst>
+                                        </p:cTn>
+                                        <p:tgtEl>
+                                          <p:spTgt spid="90"/>
+                                        </p:tgtEl>
+                                        <p:attrNameLst>
+                                          <p:attrName>style.visibility</p:attrName>
+                                        </p:attrNameLst>
+                                      </p:cBhvr>
+                                      <p:to>
+                                        <p:strVal val="visible"/>
+                                      </p:to>
+                                    </p:set>
+                                  </p:childTnLst>
+                                </p:cTn>
+                              </p:par>
+                            </p:childTnLst>
+                          </p:cTn>
+                        </p:par>
+                      </p:childTnLst>
+                    </p:cTn>
+                  </p:par>
+                  <p:par>
+                    <p:cTn id="9" fill="hold">
+                      <p:stCondLst>
+                        <p:cond delay="indefinite"/>
+                      </p:stCondLst>
+                      <p:childTnLst>
+                        <p:par>
+                          <p:cTn id="10" fill="hold">
+                            <p:stCondLst>
+                              <p:cond delay="0"/>
+                            </p:stCondLst>
+                            <p:childTnLst>
+                              <p:par>
+                                <p:cTn id="11" presetID="1" presetClass="entr" presetSubtype="0" fill="hold" nodeType="clickEffect">
+                                  <p:stCondLst>
+                                    <p:cond delay="0"/>
+                                  </p:stCondLst>
+                                  <p:childTnLst>
+                                    <p:set>
+                                      <p:cBhvr>
+                                        <p:cTn id="12" dur="1" fill="hold">
+                                          <p:stCondLst>
+                                            <p:cond delay="0"/>
+                                          </p:stCondLst>
+                                        </p:cTn>
+                                        <p:tgtEl>
+                                          <p:spTgt spid="11"/>
+                                        </p:tgtEl>
+                                        <p:attrNameLst>
+                                          <p:attrName>style.visibility</p:attrName>
+                                        </p:attrNameLst>
+                                      </p:cBhvr>
+                                      <p:to>
+                                        <p:strVal val="visible"/>
+                                      </p:to>
+                                    </p:set>
+                                  </p:childTnLst>
+                                </p:cTn>
+                              </p:par>
+                              <p:par>
+                                <p:cTn id="13" presetID="1" presetClass="entr" presetSubtype="0" fill="hold" nodeType="withEffect">
+                                  <p:stCondLst>
+                                    <p:cond delay="0"/>
+                                  </p:stCondLst>
+                                  <p:childTnLst>
+                                    <p:set>
+                                      <p:cBhvr>
+                                        <p:cTn id="14" dur="1" fill="hold">
+                                          <p:stCondLst>
+                                            <p:cond delay="0"/>
+                                          </p:stCondLst>
+                                        </p:cTn>
+                                        <p:tgtEl>
+                                          <p:spTgt spid="8"/>
+                                        </p:tgtEl>
+                                        <p:attrNameLst>
+                                          <p:attrName>style.visibility</p:attrName>
+                                        </p:attrNameLst>
+                                      </p:cBhvr>
+                                      <p:to>
+                                        <p:strVal val="visible"/>
+                                      </p:to>
+                                    </p:set>
+                                  </p:childTnLst>
+                                </p:cTn>
+                              </p:par>
+                              <p:par>
+                                <p:cTn id="15" presetID="1" presetClass="entr" presetSubtype="0" fill="hold" grpId="0" nodeType="withEffect">
+                                  <p:stCondLst>
+                                    <p:cond delay="0"/>
+                                  </p:stCondLst>
+                                  <p:childTnLst>
+                                    <p:set>
+                                      <p:cBhvr>
+                                        <p:cTn id="16" dur="1" fill="hold">
+                                          <p:stCondLst>
+                                            <p:cond delay="0"/>
+                                          </p:stCondLst>
+                                        </p:cTn>
+                                        <p:tgtEl>
+                                          <p:spTgt spid="15"/>
+                                        </p:tgtEl>
+                                        <p:attrNameLst>
+                                          <p:attrName>style.visibility</p:attrName>
+                                        </p:attrNameLst>
+                                      </p:cBhvr>
+                                      <p:to>
+                                        <p:strVal val="visible"/>
+                                      </p:to>
+                                    </p:set>
+                                  </p:childTnLst>
+                                </p:cTn>
+                              </p:par>
+                            </p:childTnLst>
+                          </p:cTn>
+                        </p:par>
+                      </p:childTnLst>
+                    </p:cTn>
+                  </p:par>
+                  <p:par>
+                    <p:cTn id="17" fill="hold">
+                      <p:stCondLst>
+                        <p:cond delay="indefinite"/>
+                      </p:stCondLst>
+                      <p:childTnLst>
+                        <p:par>
+                          <p:cTn id="18" fill="hold">
+                            <p:stCondLst>
+                              <p:cond delay="0"/>
+                            </p:stCondLst>
+                            <p:childTnLst>
+                              <p:par>
+                                <p:cTn id="19" presetID="1" presetClass="entr" presetSubtype="0" fill="hold" nodeType="clickEffect">
+                                  <p:stCondLst>
+                                    <p:cond delay="0"/>
+                                  </p:stCondLst>
+                                  <p:childTnLst>
+                                    <p:set>
+                                      <p:cBhvr>
+                                        <p:cTn id="20" dur="1" fill="hold">
+                                          <p:stCondLst>
+                                            <p:cond delay="0"/>
+                                          </p:stCondLst>
+                                        </p:cTn>
+                                        <p:tgtEl>
+                                          <p:spTgt spid="31"/>
+                                        </p:tgtEl>
+                                        <p:attrNameLst>
+                                          <p:attrName>style.visibility</p:attrName>
+                                        </p:attrNameLst>
+                                      </p:cBhvr>
+                                      <p:to>
+                                        <p:strVal val="visible"/>
+                                      </p:to>
+                                    </p:set>
+                                  </p:childTnLst>
+                                </p:cTn>
+                              </p:par>
+                              <p:par>
+                                <p:cTn id="21" presetID="1" presetClass="entr" presetSubtype="0" fill="hold" nodeType="withEffect">
+                                  <p:stCondLst>
+                                    <p:cond delay="0"/>
+                                  </p:stCondLst>
+                                  <p:childTnLst>
+                                    <p:set>
+                                      <p:cBhvr>
+                                        <p:cTn id="22" dur="1" fill="hold">
+                                          <p:stCondLst>
+                                            <p:cond delay="0"/>
+                                          </p:stCondLst>
+                                        </p:cTn>
+                                        <p:tgtEl>
+                                          <p:spTgt spid="28"/>
+                                        </p:tgtEl>
+                                        <p:attrNameLst>
+                                          <p:attrName>style.visibility</p:attrName>
+                                        </p:attrNameLst>
+                                      </p:cBhvr>
+                                      <p:to>
+                                        <p:strVal val="visible"/>
+                                      </p:to>
+                                    </p:set>
+                                  </p:childTnLst>
+                                </p:cTn>
+                              </p:par>
+                              <p:par>
+                                <p:cTn id="23" presetID="1" presetClass="entr" presetSubtype="0" fill="hold" grpId="0" nodeType="withEffect">
+                                  <p:stCondLst>
+                                    <p:cond delay="0"/>
+                                  </p:stCondLst>
+                                  <p:childTnLst>
+                                    <p:set>
+                                      <p:cBhvr>
+                                        <p:cTn id="24" dur="1" fill="hold">
+                                          <p:stCondLst>
+                                            <p:cond delay="0"/>
+                                          </p:stCondLst>
+                                        </p:cTn>
+                                        <p:tgtEl>
+                                          <p:spTgt spid="7"/>
+                                        </p:tgtEl>
+                                        <p:attrNameLst>
+                                          <p:attrName>style.visibility</p:attrName>
+                                        </p:attrNameLst>
+                                      </p:cBhvr>
+                                      <p:to>
+                                        <p:strVal val="visible"/>
+                                      </p:to>
+                                    </p:set>
+                                  </p:childTnLst>
+                                </p:cTn>
+                              </p:par>
+                            </p:childTnLst>
+                          </p:cTn>
+                        </p:par>
+                      </p:childTnLst>
+                    </p:cTn>
+                  </p:par>
+                  <p:par>
+                    <p:cTn id="25" fill="hold">
+                      <p:stCondLst>
+                        <p:cond delay="indefinite"/>
+                      </p:stCondLst>
+                      <p:childTnLst>
+                        <p:par>
+                          <p:cTn id="26" fill="hold">
+                            <p:stCondLst>
+                              <p:cond delay="0"/>
+                            </p:stCondLst>
+                            <p:childTnLst>
+                              <p:par>
+                                <p:cTn id="27" presetID="1" presetClass="entr" presetSubtype="0" fill="hold" grpId="0" nodeType="clickEffect">
+                                  <p:stCondLst>
+                                    <p:cond delay="0"/>
+                                  </p:stCondLst>
+                                  <p:childTnLst>
+                                    <p:set>
+                                      <p:cBhvr>
+                                        <p:cTn id="28" dur="1" fill="hold">
+                                          <p:stCondLst>
+                                            <p:cond delay="0"/>
+                                          </p:stCondLst>
+                                        </p:cTn>
+                                        <p:tgtEl>
+                                          <p:spTgt spid="3">
+                                            <p:txEl>
+                                              <p:pRg st="0" end="0"/>
+                                            </p:txEl>
+                                          </p:spTgt>
+                                        </p:tgtEl>
+                                        <p:attrNameLst>
+                                          <p:attrName>style.visibility</p:attrName>
+                                        </p:attrNameLst>
+                                      </p:cBhvr>
+                                      <p:to>
+                                        <p:strVal val="visible"/>
+                                      </p:to>
+                                    </p:set>
+                                  </p:childTnLst>
+                                </p:cTn>
+                              </p:par>
+                            </p:childTnLst>
+                          </p:cTn>
+                        </p:par>
+                      </p:childTnLst>
+                    </p:cTn>
+                  </p:par>
+                </p:childTnLst>
+              </p:cTn>
+              <p:prevCondLst>
+                <p:cond evt="onPrev" delay="0">
+                  <p:tgtEl>
+                    <p:sldTgt/>
+                  </p:tgtEl>
+                </p:cond>
+              </p:prevCondLst>
+              <p:nextCondLst>
+                <p:cond evt="onNext" delay="0">
+                  <p:tgtEl>
+                    <p:sldTgt/>
+                  </p:tgtEl>
+                </p:cond>
+              </p:nextCondLst>
+            </p:seq>
+          </p:childTnLst>
+        </p:cTn>
+      </p:par>
+    </p:tnLst>
+    <p:bldLst>
+      <p:bldP spid="3" grpId="0" build="p"/>
+      <p:bldP spid="89" grpId="0" animBg="1"/>
+      <p:bldP spid="90" grpId="0"/>
+      <p:bldP spid="7" grpId="0"/>
+      <p:bldP spid="15" grpId="0"/>
+    </p:bldLst>
+  </p:timing>
 </p:sld>
 </file>
 
@@ -7228,7 +7848,7 @@
           <a:p>
             <a:r>
               <a:rPr lang="en-KW" dirty="0"/>
-              <a:t>What Kind of Non-Linearities?</a:t>
+              <a:t>Common Non-Linear Activation Functions</a:t>
             </a:r>
           </a:p>
         </p:txBody>
@@ -7282,17 +7902,11 @@
 </file>
 
 <file path=ppt/slides/slide7.xml><?xml version="1.0" encoding="utf-8"?>
-<p:sld xmlns:a="http://schemas.openxmlformats.org/drawingml/2006/main" xmlns:r="http://schemas.openxmlformats.org/officeDocument/2006/relationships" xmlns:p="http://schemas.openxmlformats.org/presentationml/2006/main" show="0">
+<p:sld xmlns:a="http://schemas.openxmlformats.org/drawingml/2006/main" xmlns:r="http://schemas.openxmlformats.org/officeDocument/2006/relationships" xmlns:p="http://schemas.openxmlformats.org/presentationml/2006/main">
   <p:cSld>
     <p:spTree>
       <p:nvGrpSpPr>
-        <p:cNvPr id="1" name="">
-          <a:extLst>
-            <a:ext uri="{FF2B5EF4-FFF2-40B4-BE49-F238E27FC236}">
-              <a16:creationId xmlns:a16="http://schemas.microsoft.com/office/drawing/2014/main" id="{3E90649B-BB6B-0EE3-2708-622FAB275F98}"/>
-            </a:ext>
-          </a:extLst>
-        </p:cNvPr>
+        <p:cNvPr id="1" name=""/>
         <p:cNvGrpSpPr/>
         <p:nvPr/>
       </p:nvGrpSpPr>
@@ -7309,7 +7923,7 @@
           <p:cNvPr id="2" name="Title 1">
             <a:extLst>
               <a:ext uri="{FF2B5EF4-FFF2-40B4-BE49-F238E27FC236}">
-                <a16:creationId xmlns:a16="http://schemas.microsoft.com/office/drawing/2014/main" id="{C994C172-8267-DC1D-CDD8-BF73AF04D5C9}"/>
+                <a16:creationId xmlns:a16="http://schemas.microsoft.com/office/drawing/2014/main" id="{B95E33B9-E7E8-4130-6223-1803DCD74E82}"/>
               </a:ext>
             </a:extLst>
           </p:cNvPr>
@@ -7327,1526 +7941,473 @@
           <a:p>
             <a:r>
               <a:rPr lang="en-KW" dirty="0"/>
-              <a:t>Gradient Calculation</a:t>
+              <a:t>Why Non-Linearities?</a:t>
             </a:r>
           </a:p>
         </p:txBody>
       </p:sp>
       <p:sp>
         <p:nvSpPr>
-          <p:cNvPr id="16" name="Oval 15">
-            <a:extLst>
-              <a:ext uri="{FF2B5EF4-FFF2-40B4-BE49-F238E27FC236}">
-                <a16:creationId xmlns:a16="http://schemas.microsoft.com/office/drawing/2014/main" id="{DA32BC7E-FF1B-08AB-140D-F2EBC2DD2898}"/>
-              </a:ext>
-            </a:extLst>
-          </p:cNvPr>
-          <p:cNvSpPr/>
-          <p:nvPr/>
+          <p:cNvPr id="3" name="Content Placeholder 2">
+            <a:extLst>
+              <a:ext uri="{FF2B5EF4-FFF2-40B4-BE49-F238E27FC236}">
+                <a16:creationId xmlns:a16="http://schemas.microsoft.com/office/drawing/2014/main" id="{D448078B-9D1A-A896-3539-8797D8D348D5}"/>
+              </a:ext>
+            </a:extLst>
+          </p:cNvPr>
+          <p:cNvSpPr>
+            <a:spLocks noGrp="1"/>
+          </p:cNvSpPr>
+          <p:nvPr>
+            <p:ph idx="1"/>
+          </p:nvPr>
         </p:nvSpPr>
         <p:spPr>
           <a:xfrm>
-            <a:off x="2683711" y="2263576"/>
-            <a:ext cx="617935" cy="617935"/>
+            <a:off x="6024282" y="1825625"/>
+            <a:ext cx="5329517" cy="4351338"/>
           </a:xfrm>
-          <a:prstGeom prst="ellipse">
-            <a:avLst/>
-          </a:prstGeom>
-          <a:noFill/>
-          <a:ln w="38100">
-            <a:solidFill>
-              <a:schemeClr val="tx1"/>
-            </a:solidFill>
-          </a:ln>
         </p:spPr>
-        <p:style>
-          <a:lnRef idx="2">
-            <a:schemeClr val="accent1">
-              <a:shade val="15000"/>
-            </a:schemeClr>
-          </a:lnRef>
-          <a:fillRef idx="1">
-            <a:schemeClr val="accent1"/>
-          </a:fillRef>
-          <a:effectRef idx="0">
-            <a:schemeClr val="accent1"/>
-          </a:effectRef>
-          <a:fontRef idx="minor">
-            <a:schemeClr val="lt1"/>
-          </a:fontRef>
-        </p:style>
         <p:txBody>
-          <a:bodyPr rtlCol="0" anchor="ctr"/>
+          <a:bodyPr>
+            <a:normAutofit/>
+          </a:bodyPr>
           <a:lstStyle/>
           <a:p>
-            <a:pPr algn="ctr"/>
-            <a:r>
-              <a:rPr lang="en-US" sz="4000" dirty="0" err="1">
-                <a:solidFill>
-                  <a:schemeClr val="tx1"/>
-                </a:solidFill>
-              </a:rPr>
-              <a:t>Σ</a:t>
-            </a:r>
-            <a:endParaRPr lang="en-US" sz="4000" dirty="0">
-              <a:solidFill>
-                <a:schemeClr val="tx1"/>
-              </a:solidFill>
-            </a:endParaRPr>
+            <a:r>
+              <a:rPr lang="en-KW" dirty="0"/>
+              <a:t>MLP can represent more complex input – output relationships</a:t>
+            </a:r>
+          </a:p>
+          <a:p>
+            <a:r>
+              <a:rPr lang="en-KW" dirty="0"/>
+              <a:t>Examples of randomly initialized MLP with 2 inputs, and 20 hidden ReLU units</a:t>
+            </a:r>
+          </a:p>
+          <a:p>
+            <a:r>
+              <a:rPr lang="en-KW" dirty="0"/>
+              <a:t>Changing weights =&gt; different functions</a:t>
+            </a:r>
           </a:p>
         </p:txBody>
       </p:sp>
-      <p:sp>
-        <p:nvSpPr>
-          <p:cNvPr id="17" name="Rectangle 16">
-            <a:extLst>
-              <a:ext uri="{FF2B5EF4-FFF2-40B4-BE49-F238E27FC236}">
-                <a16:creationId xmlns:a16="http://schemas.microsoft.com/office/drawing/2014/main" id="{73ADB669-EF95-B6CE-2E1D-62D10067F282}"/>
-              </a:ext>
-            </a:extLst>
-          </p:cNvPr>
-          <p:cNvSpPr/>
+      <p:pic>
+        <p:nvPicPr>
+          <p:cNvPr id="4" name="Picture 3">
+            <a:extLst>
+              <a:ext uri="{FF2B5EF4-FFF2-40B4-BE49-F238E27FC236}">
+                <a16:creationId xmlns:a16="http://schemas.microsoft.com/office/drawing/2014/main" id="{58194B34-22B9-F5EB-F41D-D191762CE43E}"/>
+              </a:ext>
+            </a:extLst>
+          </p:cNvPr>
+          <p:cNvPicPr>
+            <a:picLocks noChangeAspect="1"/>
+          </p:cNvPicPr>
           <p:nvPr/>
-        </p:nvSpPr>
+        </p:nvPicPr>
+        <p:blipFill>
+          <a:blip r:embed="rId2"/>
+          <a:stretch>
+            <a:fillRect/>
+          </a:stretch>
+        </p:blipFill>
         <p:spPr>
           <a:xfrm>
-            <a:off x="838200" y="2740819"/>
-            <a:ext cx="990600" cy="743743"/>
+            <a:off x="838200" y="1690688"/>
+            <a:ext cx="4594412" cy="4511255"/>
           </a:xfrm>
           <a:prstGeom prst="rect">
             <a:avLst/>
           </a:prstGeom>
-          <a:noFill/>
-          <a:ln w="38100"/>
         </p:spPr>
-        <p:style>
-          <a:lnRef idx="2">
-            <a:schemeClr val="accent1">
-              <a:shade val="15000"/>
-            </a:schemeClr>
-          </a:lnRef>
-          <a:fillRef idx="1">
-            <a:schemeClr val="accent1"/>
-          </a:fillRef>
-          <a:effectRef idx="0">
-            <a:schemeClr val="accent1"/>
-          </a:effectRef>
-          <a:fontRef idx="minor">
-            <a:schemeClr val="lt1"/>
-          </a:fontRef>
-        </p:style>
-        <p:txBody>
-          <a:bodyPr rtlCol="0" anchor="ctr"/>
-          <a:lstStyle/>
-          <a:p>
-            <a:pPr algn="ctr"/>
-            <a:r>
-              <a:rPr lang="en-KW" sz="2800" b="1" dirty="0">
-                <a:solidFill>
-                  <a:schemeClr val="tx1"/>
-                </a:solidFill>
-              </a:rPr>
-              <a:t>x</a:t>
-            </a:r>
-            <a:r>
-              <a:rPr lang="en-KW" sz="2800" b="1" baseline="-25000" dirty="0">
-                <a:solidFill>
-                  <a:schemeClr val="tx1"/>
-                </a:solidFill>
-              </a:rPr>
-              <a:t>1</a:t>
-            </a:r>
-            <a:endParaRPr lang="en-KW" sz="2800" b="1" dirty="0">
-              <a:solidFill>
-                <a:schemeClr val="tx1"/>
-              </a:solidFill>
-            </a:endParaRPr>
-          </a:p>
-        </p:txBody>
-      </p:sp>
-      <p:sp>
-        <p:nvSpPr>
-          <p:cNvPr id="18" name="Rectangle 17">
-            <a:extLst>
-              <a:ext uri="{FF2B5EF4-FFF2-40B4-BE49-F238E27FC236}">
-                <a16:creationId xmlns:a16="http://schemas.microsoft.com/office/drawing/2014/main" id="{1C61B9FC-0A71-3874-45C8-9DD86D2D2473}"/>
-              </a:ext>
-            </a:extLst>
-          </p:cNvPr>
-          <p:cNvSpPr/>
+      </p:pic>
+      <p:pic>
+        <p:nvPicPr>
+          <p:cNvPr id="5" name="Picture 4">
+            <a:extLst>
+              <a:ext uri="{FF2B5EF4-FFF2-40B4-BE49-F238E27FC236}">
+                <a16:creationId xmlns:a16="http://schemas.microsoft.com/office/drawing/2014/main" id="{EC6D2AAF-8EF8-FDF2-518E-FC9A2B6A8A7B}"/>
+              </a:ext>
+            </a:extLst>
+          </p:cNvPr>
+          <p:cNvPicPr>
+            <a:picLocks noChangeAspect="1"/>
+          </p:cNvPicPr>
           <p:nvPr/>
-        </p:nvSpPr>
+        </p:nvPicPr>
+        <p:blipFill>
+          <a:blip r:embed="rId3"/>
+          <a:stretch>
+            <a:fillRect/>
+          </a:stretch>
+        </p:blipFill>
         <p:spPr>
           <a:xfrm>
-            <a:off x="838200" y="3652440"/>
-            <a:ext cx="990600" cy="743743"/>
+            <a:off x="838200" y="1690688"/>
+            <a:ext cx="4568971" cy="4486275"/>
           </a:xfrm>
           <a:prstGeom prst="rect">
             <a:avLst/>
           </a:prstGeom>
-          <a:noFill/>
-          <a:ln w="38100"/>
         </p:spPr>
-        <p:style>
-          <a:lnRef idx="2">
-            <a:schemeClr val="accent1">
-              <a:shade val="15000"/>
-            </a:schemeClr>
-          </a:lnRef>
-          <a:fillRef idx="1">
-            <a:schemeClr val="accent1"/>
-          </a:fillRef>
-          <a:effectRef idx="0">
-            <a:schemeClr val="accent1"/>
-          </a:effectRef>
-          <a:fontRef idx="minor">
-            <a:schemeClr val="lt1"/>
-          </a:fontRef>
-        </p:style>
-        <p:txBody>
-          <a:bodyPr rtlCol="0" anchor="ctr"/>
-          <a:lstStyle/>
-          <a:p>
-            <a:pPr algn="ctr"/>
-            <a:r>
-              <a:rPr lang="en-KW" sz="2800" b="1" dirty="0">
-                <a:solidFill>
-                  <a:schemeClr val="tx1"/>
-                </a:solidFill>
-              </a:rPr>
-              <a:t>x</a:t>
-            </a:r>
-            <a:r>
-              <a:rPr lang="en-KW" sz="2800" b="1" baseline="-25000" dirty="0">
-                <a:solidFill>
-                  <a:schemeClr val="tx1"/>
-                </a:solidFill>
-              </a:rPr>
-              <a:t>2</a:t>
-            </a:r>
-            <a:endParaRPr lang="en-KW" sz="2800" b="1" dirty="0">
-              <a:solidFill>
-                <a:schemeClr val="tx1"/>
-              </a:solidFill>
-            </a:endParaRPr>
-          </a:p>
-        </p:txBody>
-      </p:sp>
-      <p:sp>
-        <p:nvSpPr>
-          <p:cNvPr id="19" name="Rectangle 18">
-            <a:extLst>
-              <a:ext uri="{FF2B5EF4-FFF2-40B4-BE49-F238E27FC236}">
-                <a16:creationId xmlns:a16="http://schemas.microsoft.com/office/drawing/2014/main" id="{BC0E3979-976D-0657-129F-2E700E91DE77}"/>
-              </a:ext>
-            </a:extLst>
-          </p:cNvPr>
-          <p:cNvSpPr/>
+      </p:pic>
+      <p:pic>
+        <p:nvPicPr>
+          <p:cNvPr id="6" name="Picture 5">
+            <a:extLst>
+              <a:ext uri="{FF2B5EF4-FFF2-40B4-BE49-F238E27FC236}">
+                <a16:creationId xmlns:a16="http://schemas.microsoft.com/office/drawing/2014/main" id="{C1BEF992-CE49-ADF5-004F-CA3AEE6DAB3C}"/>
+              </a:ext>
+            </a:extLst>
+          </p:cNvPr>
+          <p:cNvPicPr>
+            <a:picLocks noChangeAspect="1"/>
+          </p:cNvPicPr>
           <p:nvPr/>
-        </p:nvSpPr>
+        </p:nvPicPr>
+        <p:blipFill>
+          <a:blip r:embed="rId4"/>
+          <a:stretch>
+            <a:fillRect/>
+          </a:stretch>
+        </p:blipFill>
         <p:spPr>
           <a:xfrm>
-            <a:off x="838200" y="1828801"/>
-            <a:ext cx="990600" cy="743743"/>
+            <a:off x="838200" y="1690688"/>
+            <a:ext cx="4568971" cy="4486275"/>
           </a:xfrm>
           <a:prstGeom prst="rect">
             <a:avLst/>
           </a:prstGeom>
-          <a:noFill/>
-          <a:ln w="38100"/>
         </p:spPr>
-        <p:style>
-          <a:lnRef idx="2">
-            <a:schemeClr val="accent1">
-              <a:shade val="15000"/>
-            </a:schemeClr>
-          </a:lnRef>
-          <a:fillRef idx="1">
-            <a:schemeClr val="accent1"/>
-          </a:fillRef>
-          <a:effectRef idx="0">
-            <a:schemeClr val="accent1"/>
-          </a:effectRef>
-          <a:fontRef idx="minor">
-            <a:schemeClr val="lt1"/>
-          </a:fontRef>
-        </p:style>
-        <p:txBody>
-          <a:bodyPr rtlCol="0" anchor="ctr"/>
-          <a:lstStyle/>
-          <a:p>
-            <a:pPr algn="ctr"/>
-            <a:r>
-              <a:rPr lang="en-KW" sz="2800" b="1" dirty="0">
-                <a:solidFill>
-                  <a:schemeClr val="tx1"/>
-                </a:solidFill>
-              </a:rPr>
-              <a:t>1</a:t>
-            </a:r>
-          </a:p>
-        </p:txBody>
-      </p:sp>
-      <p:grpSp>
-        <p:nvGrpSpPr>
-          <p:cNvPr id="25" name="Group 24">
-            <a:extLst>
-              <a:ext uri="{FF2B5EF4-FFF2-40B4-BE49-F238E27FC236}">
-                <a16:creationId xmlns:a16="http://schemas.microsoft.com/office/drawing/2014/main" id="{6CA6E29C-4452-8A2D-224F-ABFE6C74F1CF}"/>
-              </a:ext>
-            </a:extLst>
-          </p:cNvPr>
-          <p:cNvGrpSpPr/>
-          <p:nvPr/>
-        </p:nvGrpSpPr>
-        <p:grpSpPr>
-          <a:xfrm>
-            <a:off x="7311292" y="2733364"/>
-            <a:ext cx="990600" cy="743743"/>
-            <a:chOff x="3759200" y="2740819"/>
-            <a:chExt cx="2057400" cy="743743"/>
-          </a:xfrm>
-        </p:grpSpPr>
-        <p:sp>
-          <p:nvSpPr>
-            <p:cNvPr id="20" name="Rounded Rectangle 19">
-              <a:extLst>
-                <a:ext uri="{FF2B5EF4-FFF2-40B4-BE49-F238E27FC236}">
-                  <a16:creationId xmlns:a16="http://schemas.microsoft.com/office/drawing/2014/main" id="{E3198737-B0B1-1619-A08E-5E75B367359D}"/>
-                </a:ext>
-              </a:extLst>
-            </p:cNvPr>
-            <p:cNvSpPr/>
-            <p:nvPr/>
-          </p:nvSpPr>
-          <p:spPr>
-            <a:xfrm>
-              <a:off x="3759200" y="2740819"/>
-              <a:ext cx="2057400" cy="743743"/>
-            </a:xfrm>
-            <a:prstGeom prst="roundRect">
-              <a:avLst/>
-            </a:prstGeom>
-            <a:noFill/>
-            <a:ln w="38100"/>
-          </p:spPr>
-          <p:style>
-            <a:lnRef idx="2">
-              <a:schemeClr val="accent1">
-                <a:shade val="15000"/>
-              </a:schemeClr>
-            </a:lnRef>
-            <a:fillRef idx="1">
-              <a:schemeClr val="accent1"/>
-            </a:fillRef>
-            <a:effectRef idx="0">
-              <a:schemeClr val="accent1"/>
-            </a:effectRef>
-            <a:fontRef idx="minor">
-              <a:schemeClr val="lt1"/>
-            </a:fontRef>
-          </p:style>
-          <p:txBody>
-            <a:bodyPr rtlCol="0" anchor="ctr"/>
-            <a:lstStyle/>
-            <a:p>
-              <a:pPr algn="ctr"/>
-              <a:endParaRPr lang="en-KW" sz="2800" b="1" dirty="0">
-                <a:solidFill>
-                  <a:schemeClr val="tx1"/>
-                </a:solidFill>
-              </a:endParaRPr>
-            </a:p>
-          </p:txBody>
-        </p:sp>
-        <p:cxnSp>
-          <p:nvCxnSpPr>
-            <p:cNvPr id="22" name="Curved Connector 21">
-              <a:extLst>
-                <a:ext uri="{FF2B5EF4-FFF2-40B4-BE49-F238E27FC236}">
-                  <a16:creationId xmlns:a16="http://schemas.microsoft.com/office/drawing/2014/main" id="{50E378DA-8D93-F340-19FC-DC7ED1501924}"/>
-                </a:ext>
-              </a:extLst>
-            </p:cNvPr>
-            <p:cNvCxnSpPr>
-              <a:cxnSpLocks/>
-            </p:cNvCxnSpPr>
-            <p:nvPr/>
-          </p:nvCxnSpPr>
-          <p:spPr>
-            <a:xfrm flipV="1">
-              <a:off x="3962400" y="2832100"/>
-              <a:ext cx="1663700" cy="495300"/>
-            </a:xfrm>
-            <a:prstGeom prst="curvedConnector3">
-              <a:avLst/>
-            </a:prstGeom>
-            <a:ln w="38100">
-              <a:solidFill>
-                <a:srgbClr val="7030A0"/>
-              </a:solidFill>
-            </a:ln>
-          </p:spPr>
-          <p:style>
-            <a:lnRef idx="2">
-              <a:schemeClr val="accent1"/>
-            </a:lnRef>
-            <a:fillRef idx="0">
-              <a:schemeClr val="accent1"/>
-            </a:fillRef>
-            <a:effectRef idx="1">
-              <a:schemeClr val="accent1"/>
-            </a:effectRef>
-            <a:fontRef idx="minor">
-              <a:schemeClr val="tx1"/>
-            </a:fontRef>
-          </p:style>
-        </p:cxnSp>
-      </p:grpSp>
-      <p:cxnSp>
-        <p:nvCxnSpPr>
-          <p:cNvPr id="41" name="Straight Arrow Connector 40">
-            <a:extLst>
-              <a:ext uri="{FF2B5EF4-FFF2-40B4-BE49-F238E27FC236}">
-                <a16:creationId xmlns:a16="http://schemas.microsoft.com/office/drawing/2014/main" id="{FAD9A0CA-A3C1-7FE2-555D-036B5F8B5108}"/>
-              </a:ext>
-            </a:extLst>
-          </p:cNvPr>
-          <p:cNvCxnSpPr>
-            <a:cxnSpLocks/>
-            <a:stCxn id="20" idx="3"/>
-          </p:cNvCxnSpPr>
-          <p:nvPr/>
-        </p:nvCxnSpPr>
-        <p:spPr>
-          <a:xfrm>
-            <a:off x="8301892" y="3105236"/>
-            <a:ext cx="595923" cy="10903"/>
-          </a:xfrm>
-          <a:prstGeom prst="straightConnector1">
-            <a:avLst/>
-          </a:prstGeom>
-          <a:ln w="38100">
-            <a:solidFill>
-              <a:schemeClr val="tx1"/>
-            </a:solidFill>
-            <a:tailEnd type="triangle"/>
-          </a:ln>
-        </p:spPr>
-        <p:style>
-          <a:lnRef idx="2">
-            <a:schemeClr val="accent1"/>
-          </a:lnRef>
-          <a:fillRef idx="0">
-            <a:schemeClr val="accent1"/>
-          </a:fillRef>
-          <a:effectRef idx="1">
-            <a:schemeClr val="accent1"/>
-          </a:effectRef>
-          <a:fontRef idx="minor">
-            <a:schemeClr val="tx1"/>
-          </a:fontRef>
-        </p:style>
-      </p:cxnSp>
-      <p:sp>
-        <p:nvSpPr>
-          <p:cNvPr id="44" name="TextBox 43">
-            <a:extLst>
-              <a:ext uri="{FF2B5EF4-FFF2-40B4-BE49-F238E27FC236}">
-                <a16:creationId xmlns:a16="http://schemas.microsoft.com/office/drawing/2014/main" id="{003E0A39-4F3F-55C1-CEE2-C02413044182}"/>
-              </a:ext>
-            </a:extLst>
-          </p:cNvPr>
-          <p:cNvSpPr txBox="1"/>
-          <p:nvPr/>
-        </p:nvSpPr>
-        <p:spPr>
-          <a:xfrm>
-            <a:off x="8897815" y="2861806"/>
-            <a:ext cx="2258439" cy="523220"/>
-          </a:xfrm>
-          <a:prstGeom prst="rect">
-            <a:avLst/>
-          </a:prstGeom>
-          <a:noFill/>
-        </p:spPr>
-        <p:txBody>
-          <a:bodyPr wrap="none" rtlCol="0">
-            <a:spAutoFit/>
-          </a:bodyPr>
-          <a:lstStyle/>
-          <a:p>
-            <a:r>
-              <a:rPr lang="en-KW" sz="2800" dirty="0"/>
-              <a:t>P(</a:t>
-            </a:r>
-            <a:r>
-              <a:rPr lang="en-KW" sz="2800" b="1" dirty="0">
-                <a:solidFill>
-                  <a:srgbClr val="0070C0"/>
-                </a:solidFill>
-              </a:rPr>
-              <a:t>Blue Point</a:t>
-            </a:r>
-            <a:r>
-              <a:rPr lang="en-KW" sz="2800" dirty="0"/>
-              <a:t>)</a:t>
-            </a:r>
-          </a:p>
-        </p:txBody>
-      </p:sp>
-      <p:grpSp>
-        <p:nvGrpSpPr>
-          <p:cNvPr id="4" name="Group 3">
-            <a:extLst>
-              <a:ext uri="{FF2B5EF4-FFF2-40B4-BE49-F238E27FC236}">
-                <a16:creationId xmlns:a16="http://schemas.microsoft.com/office/drawing/2014/main" id="{B5CC13A8-562C-C553-7247-3BE91B2FECD1}"/>
-              </a:ext>
-            </a:extLst>
-          </p:cNvPr>
-          <p:cNvGrpSpPr/>
-          <p:nvPr/>
-        </p:nvGrpSpPr>
-        <p:grpSpPr>
-          <a:xfrm>
-            <a:off x="3561695" y="2200672"/>
-            <a:ext cx="990600" cy="743743"/>
-            <a:chOff x="3759200" y="2740819"/>
-            <a:chExt cx="2057400" cy="743743"/>
-          </a:xfrm>
-        </p:grpSpPr>
-        <p:sp>
-          <p:nvSpPr>
-            <p:cNvPr id="5" name="Rounded Rectangle 4">
-              <a:extLst>
-                <a:ext uri="{FF2B5EF4-FFF2-40B4-BE49-F238E27FC236}">
-                  <a16:creationId xmlns:a16="http://schemas.microsoft.com/office/drawing/2014/main" id="{CC1A8DCC-D18D-0683-E991-0545508B5BF6}"/>
-                </a:ext>
-              </a:extLst>
-            </p:cNvPr>
-            <p:cNvSpPr/>
-            <p:nvPr/>
-          </p:nvSpPr>
-          <p:spPr>
-            <a:xfrm>
-              <a:off x="3759200" y="2740819"/>
-              <a:ext cx="2057400" cy="743743"/>
-            </a:xfrm>
-            <a:prstGeom prst="roundRect">
-              <a:avLst/>
-            </a:prstGeom>
-            <a:noFill/>
-            <a:ln w="38100"/>
-          </p:spPr>
-          <p:style>
-            <a:lnRef idx="2">
-              <a:schemeClr val="accent1">
-                <a:shade val="15000"/>
-              </a:schemeClr>
-            </a:lnRef>
-            <a:fillRef idx="1">
-              <a:schemeClr val="accent1"/>
-            </a:fillRef>
-            <a:effectRef idx="0">
-              <a:schemeClr val="accent1"/>
-            </a:effectRef>
-            <a:fontRef idx="minor">
-              <a:schemeClr val="lt1"/>
-            </a:fontRef>
-          </p:style>
-          <p:txBody>
-            <a:bodyPr rtlCol="0" anchor="ctr"/>
-            <a:lstStyle/>
-            <a:p>
-              <a:pPr algn="ctr"/>
-              <a:endParaRPr lang="en-KW" sz="2800" b="1" dirty="0">
-                <a:solidFill>
-                  <a:schemeClr val="tx1"/>
-                </a:solidFill>
-              </a:endParaRPr>
-            </a:p>
-          </p:txBody>
-        </p:sp>
-        <p:cxnSp>
-          <p:nvCxnSpPr>
-            <p:cNvPr id="6" name="Curved Connector 5">
-              <a:extLst>
-                <a:ext uri="{FF2B5EF4-FFF2-40B4-BE49-F238E27FC236}">
-                  <a16:creationId xmlns:a16="http://schemas.microsoft.com/office/drawing/2014/main" id="{3AD8A099-6877-EB8E-E0DC-BBF6F59B20EF}"/>
-                </a:ext>
-              </a:extLst>
-            </p:cNvPr>
-            <p:cNvCxnSpPr>
-              <a:cxnSpLocks/>
-            </p:cNvCxnSpPr>
-            <p:nvPr/>
-          </p:nvCxnSpPr>
-          <p:spPr>
-            <a:xfrm flipV="1">
-              <a:off x="3962400" y="2832100"/>
-              <a:ext cx="1663700" cy="495300"/>
-            </a:xfrm>
-            <a:prstGeom prst="curvedConnector3">
-              <a:avLst/>
-            </a:prstGeom>
-            <a:ln w="38100">
-              <a:solidFill>
-                <a:srgbClr val="7030A0"/>
-              </a:solidFill>
-            </a:ln>
-          </p:spPr>
-          <p:style>
-            <a:lnRef idx="2">
-              <a:schemeClr val="accent1"/>
-            </a:lnRef>
-            <a:fillRef idx="0">
-              <a:schemeClr val="accent1"/>
-            </a:fillRef>
-            <a:effectRef idx="1">
-              <a:schemeClr val="accent1"/>
-            </a:effectRef>
-            <a:fontRef idx="minor">
-              <a:schemeClr val="tx1"/>
-            </a:fontRef>
-          </p:style>
-        </p:cxnSp>
-      </p:grpSp>
-      <p:cxnSp>
-        <p:nvCxnSpPr>
-          <p:cNvPr id="14" name="Straight Arrow Connector 13">
-            <a:extLst>
-              <a:ext uri="{FF2B5EF4-FFF2-40B4-BE49-F238E27FC236}">
-                <a16:creationId xmlns:a16="http://schemas.microsoft.com/office/drawing/2014/main" id="{462F0C2C-B5EE-00B2-89F1-C780FD8BB622}"/>
-              </a:ext>
-            </a:extLst>
-          </p:cNvPr>
-          <p:cNvCxnSpPr>
-            <a:cxnSpLocks/>
-            <a:stCxn id="16" idx="6"/>
-            <a:endCxn id="5" idx="1"/>
-          </p:cNvCxnSpPr>
-          <p:nvPr/>
-        </p:nvCxnSpPr>
-        <p:spPr>
-          <a:xfrm>
-            <a:off x="3301646" y="2572544"/>
-            <a:ext cx="260049" cy="0"/>
-          </a:xfrm>
-          <a:prstGeom prst="straightConnector1">
-            <a:avLst/>
-          </a:prstGeom>
-          <a:ln w="38100">
-            <a:solidFill>
-              <a:schemeClr val="tx1"/>
-            </a:solidFill>
-            <a:tailEnd type="triangle"/>
-          </a:ln>
-        </p:spPr>
-        <p:style>
-          <a:lnRef idx="2">
-            <a:schemeClr val="accent1"/>
-          </a:lnRef>
-          <a:fillRef idx="0">
-            <a:schemeClr val="accent1"/>
-          </a:fillRef>
-          <a:effectRef idx="1">
-            <a:schemeClr val="accent1"/>
-          </a:effectRef>
-          <a:fontRef idx="minor">
-            <a:schemeClr val="tx1"/>
-          </a:fontRef>
-        </p:style>
-      </p:cxnSp>
-      <p:cxnSp>
-        <p:nvCxnSpPr>
-          <p:cNvPr id="26" name="Straight Arrow Connector 25">
-            <a:extLst>
-              <a:ext uri="{FF2B5EF4-FFF2-40B4-BE49-F238E27FC236}">
-                <a16:creationId xmlns:a16="http://schemas.microsoft.com/office/drawing/2014/main" id="{EEB8D7EA-47A5-0A88-C71E-DD1512383D65}"/>
-              </a:ext>
-            </a:extLst>
-          </p:cNvPr>
-          <p:cNvCxnSpPr>
-            <a:cxnSpLocks/>
-            <a:stCxn id="19" idx="3"/>
-            <a:endCxn id="16" idx="2"/>
-          </p:cNvCxnSpPr>
-          <p:nvPr/>
-        </p:nvCxnSpPr>
-        <p:spPr>
-          <a:xfrm>
-            <a:off x="1828800" y="2200673"/>
-            <a:ext cx="854911" cy="371871"/>
-          </a:xfrm>
-          <a:prstGeom prst="straightConnector1">
-            <a:avLst/>
-          </a:prstGeom>
-          <a:ln w="38100">
-            <a:solidFill>
-              <a:schemeClr val="tx1"/>
-            </a:solidFill>
-            <a:tailEnd type="triangle"/>
-          </a:ln>
-        </p:spPr>
-        <p:style>
-          <a:lnRef idx="2">
-            <a:schemeClr val="accent1"/>
-          </a:lnRef>
-          <a:fillRef idx="0">
-            <a:schemeClr val="accent1"/>
-          </a:fillRef>
-          <a:effectRef idx="1">
-            <a:schemeClr val="accent1"/>
-          </a:effectRef>
-          <a:fontRef idx="minor">
-            <a:schemeClr val="tx1"/>
-          </a:fontRef>
-        </p:style>
-      </p:cxnSp>
-      <p:cxnSp>
-        <p:nvCxnSpPr>
-          <p:cNvPr id="35" name="Straight Arrow Connector 34">
-            <a:extLst>
-              <a:ext uri="{FF2B5EF4-FFF2-40B4-BE49-F238E27FC236}">
-                <a16:creationId xmlns:a16="http://schemas.microsoft.com/office/drawing/2014/main" id="{D61E07B8-C70E-06B2-B741-0FBFDEFC3CB0}"/>
-              </a:ext>
-            </a:extLst>
-          </p:cNvPr>
-          <p:cNvCxnSpPr>
-            <a:cxnSpLocks/>
-            <a:stCxn id="17" idx="3"/>
-            <a:endCxn id="16" idx="2"/>
-          </p:cNvCxnSpPr>
-          <p:nvPr/>
-        </p:nvCxnSpPr>
-        <p:spPr>
-          <a:xfrm flipV="1">
-            <a:off x="1828800" y="2572544"/>
-            <a:ext cx="854911" cy="540147"/>
-          </a:xfrm>
-          <a:prstGeom prst="straightConnector1">
-            <a:avLst/>
-          </a:prstGeom>
-          <a:ln w="38100">
-            <a:solidFill>
-              <a:schemeClr val="tx1"/>
-            </a:solidFill>
-            <a:tailEnd type="triangle"/>
-          </a:ln>
-        </p:spPr>
-        <p:style>
-          <a:lnRef idx="2">
-            <a:schemeClr val="accent1"/>
-          </a:lnRef>
-          <a:fillRef idx="0">
-            <a:schemeClr val="accent1"/>
-          </a:fillRef>
-          <a:effectRef idx="1">
-            <a:schemeClr val="accent1"/>
-          </a:effectRef>
-          <a:fontRef idx="minor">
-            <a:schemeClr val="tx1"/>
-          </a:fontRef>
-        </p:style>
-      </p:cxnSp>
-      <p:cxnSp>
-        <p:nvCxnSpPr>
-          <p:cNvPr id="42" name="Straight Arrow Connector 41">
-            <a:extLst>
-              <a:ext uri="{FF2B5EF4-FFF2-40B4-BE49-F238E27FC236}">
-                <a16:creationId xmlns:a16="http://schemas.microsoft.com/office/drawing/2014/main" id="{A958F564-67B0-6CDA-BF3B-1036094517E9}"/>
-              </a:ext>
-            </a:extLst>
-          </p:cNvPr>
-          <p:cNvCxnSpPr>
-            <a:cxnSpLocks/>
-            <a:stCxn id="18" idx="3"/>
-            <a:endCxn id="16" idx="2"/>
-          </p:cNvCxnSpPr>
-          <p:nvPr/>
-        </p:nvCxnSpPr>
-        <p:spPr>
-          <a:xfrm flipV="1">
-            <a:off x="1828800" y="2572544"/>
-            <a:ext cx="854911" cy="1451768"/>
-          </a:xfrm>
-          <a:prstGeom prst="straightConnector1">
-            <a:avLst/>
-          </a:prstGeom>
-          <a:ln w="38100">
-            <a:solidFill>
-              <a:schemeClr val="tx1"/>
-            </a:solidFill>
-            <a:tailEnd type="triangle"/>
-          </a:ln>
-        </p:spPr>
-        <p:style>
-          <a:lnRef idx="2">
-            <a:schemeClr val="accent1"/>
-          </a:lnRef>
-          <a:fillRef idx="0">
-            <a:schemeClr val="accent1"/>
-          </a:fillRef>
-          <a:effectRef idx="1">
-            <a:schemeClr val="accent1"/>
-          </a:effectRef>
-          <a:fontRef idx="minor">
-            <a:schemeClr val="tx1"/>
-          </a:fontRef>
-        </p:style>
-      </p:cxnSp>
-      <p:sp>
-        <p:nvSpPr>
-          <p:cNvPr id="47" name="Oval 46">
-            <a:extLst>
-              <a:ext uri="{FF2B5EF4-FFF2-40B4-BE49-F238E27FC236}">
-                <a16:creationId xmlns:a16="http://schemas.microsoft.com/office/drawing/2014/main" id="{B96F31CC-F2E2-F0BF-414A-A6C8DD52871A}"/>
-              </a:ext>
-            </a:extLst>
-          </p:cNvPr>
-          <p:cNvSpPr/>
-          <p:nvPr/>
-        </p:nvSpPr>
-        <p:spPr>
-          <a:xfrm>
-            <a:off x="2683711" y="3170886"/>
-            <a:ext cx="617935" cy="617935"/>
-          </a:xfrm>
-          <a:prstGeom prst="ellipse">
-            <a:avLst/>
-          </a:prstGeom>
-          <a:noFill/>
-          <a:ln w="38100">
-            <a:solidFill>
-              <a:schemeClr val="tx1"/>
-            </a:solidFill>
-          </a:ln>
-        </p:spPr>
-        <p:style>
-          <a:lnRef idx="2">
-            <a:schemeClr val="accent1">
-              <a:shade val="15000"/>
-            </a:schemeClr>
-          </a:lnRef>
-          <a:fillRef idx="1">
-            <a:schemeClr val="accent1"/>
-          </a:fillRef>
-          <a:effectRef idx="0">
-            <a:schemeClr val="accent1"/>
-          </a:effectRef>
-          <a:fontRef idx="minor">
-            <a:schemeClr val="lt1"/>
-          </a:fontRef>
-        </p:style>
-        <p:txBody>
-          <a:bodyPr rtlCol="0" anchor="ctr"/>
-          <a:lstStyle/>
-          <a:p>
-            <a:pPr algn="ctr"/>
-            <a:r>
-              <a:rPr lang="en-US" sz="4000" dirty="0" err="1">
-                <a:solidFill>
-                  <a:schemeClr val="tx1"/>
-                </a:solidFill>
-              </a:rPr>
-              <a:t>Σ</a:t>
-            </a:r>
-            <a:endParaRPr lang="en-US" sz="4000" dirty="0">
-              <a:solidFill>
-                <a:schemeClr val="tx1"/>
-              </a:solidFill>
-            </a:endParaRPr>
-          </a:p>
-        </p:txBody>
-      </p:sp>
-      <p:grpSp>
-        <p:nvGrpSpPr>
-          <p:cNvPr id="48" name="Group 47">
-            <a:extLst>
-              <a:ext uri="{FF2B5EF4-FFF2-40B4-BE49-F238E27FC236}">
-                <a16:creationId xmlns:a16="http://schemas.microsoft.com/office/drawing/2014/main" id="{87B8B960-B7A0-9F3E-CC8C-165E7975E20D}"/>
-              </a:ext>
-            </a:extLst>
-          </p:cNvPr>
-          <p:cNvGrpSpPr/>
-          <p:nvPr/>
-        </p:nvGrpSpPr>
-        <p:grpSpPr>
-          <a:xfrm>
-            <a:off x="3561695" y="3107982"/>
-            <a:ext cx="990600" cy="743743"/>
-            <a:chOff x="3759200" y="2740819"/>
-            <a:chExt cx="2057400" cy="743743"/>
-          </a:xfrm>
-        </p:grpSpPr>
-        <p:sp>
-          <p:nvSpPr>
-            <p:cNvPr id="49" name="Rounded Rectangle 48">
-              <a:extLst>
-                <a:ext uri="{FF2B5EF4-FFF2-40B4-BE49-F238E27FC236}">
-                  <a16:creationId xmlns:a16="http://schemas.microsoft.com/office/drawing/2014/main" id="{893EC8C9-FFCF-1CD6-4308-00D9B77F08CF}"/>
-                </a:ext>
-              </a:extLst>
-            </p:cNvPr>
-            <p:cNvSpPr/>
-            <p:nvPr/>
-          </p:nvSpPr>
-          <p:spPr>
-            <a:xfrm>
-              <a:off x="3759200" y="2740819"/>
-              <a:ext cx="2057400" cy="743743"/>
-            </a:xfrm>
-            <a:prstGeom prst="roundRect">
-              <a:avLst/>
-            </a:prstGeom>
-            <a:noFill/>
-            <a:ln w="38100"/>
-          </p:spPr>
-          <p:style>
-            <a:lnRef idx="2">
-              <a:schemeClr val="accent1">
-                <a:shade val="15000"/>
-              </a:schemeClr>
-            </a:lnRef>
-            <a:fillRef idx="1">
-              <a:schemeClr val="accent1"/>
-            </a:fillRef>
-            <a:effectRef idx="0">
-              <a:schemeClr val="accent1"/>
-            </a:effectRef>
-            <a:fontRef idx="minor">
-              <a:schemeClr val="lt1"/>
-            </a:fontRef>
-          </p:style>
-          <p:txBody>
-            <a:bodyPr rtlCol="0" anchor="ctr"/>
-            <a:lstStyle/>
-            <a:p>
-              <a:pPr algn="ctr"/>
-              <a:endParaRPr lang="en-KW" sz="2800" b="1" dirty="0">
-                <a:solidFill>
-                  <a:schemeClr val="tx1"/>
-                </a:solidFill>
-              </a:endParaRPr>
-            </a:p>
-          </p:txBody>
-        </p:sp>
-        <p:cxnSp>
-          <p:nvCxnSpPr>
-            <p:cNvPr id="50" name="Curved Connector 49">
-              <a:extLst>
-                <a:ext uri="{FF2B5EF4-FFF2-40B4-BE49-F238E27FC236}">
-                  <a16:creationId xmlns:a16="http://schemas.microsoft.com/office/drawing/2014/main" id="{1F3E3950-ED1E-AD66-505D-5CEA659ACB41}"/>
-                </a:ext>
-              </a:extLst>
-            </p:cNvPr>
-            <p:cNvCxnSpPr>
-              <a:cxnSpLocks/>
-            </p:cNvCxnSpPr>
-            <p:nvPr/>
-          </p:nvCxnSpPr>
-          <p:spPr>
-            <a:xfrm flipV="1">
-              <a:off x="3962400" y="2832100"/>
-              <a:ext cx="1663700" cy="495300"/>
-            </a:xfrm>
-            <a:prstGeom prst="curvedConnector3">
-              <a:avLst/>
-            </a:prstGeom>
-            <a:ln w="38100">
-              <a:solidFill>
-                <a:srgbClr val="7030A0"/>
-              </a:solidFill>
-            </a:ln>
-          </p:spPr>
-          <p:style>
-            <a:lnRef idx="2">
-              <a:schemeClr val="accent1"/>
-            </a:lnRef>
-            <a:fillRef idx="0">
-              <a:schemeClr val="accent1"/>
-            </a:fillRef>
-            <a:effectRef idx="1">
-              <a:schemeClr val="accent1"/>
-            </a:effectRef>
-            <a:fontRef idx="minor">
-              <a:schemeClr val="tx1"/>
-            </a:fontRef>
-          </p:style>
-        </p:cxnSp>
-      </p:grpSp>
-      <p:cxnSp>
-        <p:nvCxnSpPr>
-          <p:cNvPr id="51" name="Straight Arrow Connector 50">
-            <a:extLst>
-              <a:ext uri="{FF2B5EF4-FFF2-40B4-BE49-F238E27FC236}">
-                <a16:creationId xmlns:a16="http://schemas.microsoft.com/office/drawing/2014/main" id="{AD21C8B2-B547-C071-891A-70395E31E8FD}"/>
-              </a:ext>
-            </a:extLst>
-          </p:cNvPr>
-          <p:cNvCxnSpPr>
-            <a:cxnSpLocks/>
-            <a:stCxn id="47" idx="6"/>
-            <a:endCxn id="49" idx="1"/>
-          </p:cNvCxnSpPr>
-          <p:nvPr/>
-        </p:nvCxnSpPr>
-        <p:spPr>
-          <a:xfrm>
-            <a:off x="3301646" y="3479854"/>
-            <a:ext cx="260049" cy="0"/>
-          </a:xfrm>
-          <a:prstGeom prst="straightConnector1">
-            <a:avLst/>
-          </a:prstGeom>
-          <a:ln w="38100">
-            <a:solidFill>
-              <a:schemeClr val="tx1"/>
-            </a:solidFill>
-            <a:tailEnd type="triangle"/>
-          </a:ln>
-        </p:spPr>
-        <p:style>
-          <a:lnRef idx="2">
-            <a:schemeClr val="accent1"/>
-          </a:lnRef>
-          <a:fillRef idx="0">
-            <a:schemeClr val="accent1"/>
-          </a:fillRef>
-          <a:effectRef idx="1">
-            <a:schemeClr val="accent1"/>
-          </a:effectRef>
-          <a:fontRef idx="minor">
-            <a:schemeClr val="tx1"/>
-          </a:fontRef>
-        </p:style>
-      </p:cxnSp>
-      <p:cxnSp>
-        <p:nvCxnSpPr>
-          <p:cNvPr id="52" name="Straight Arrow Connector 51">
-            <a:extLst>
-              <a:ext uri="{FF2B5EF4-FFF2-40B4-BE49-F238E27FC236}">
-                <a16:creationId xmlns:a16="http://schemas.microsoft.com/office/drawing/2014/main" id="{51C1325B-6C37-EECA-DC54-54F6E604A1DF}"/>
-              </a:ext>
-            </a:extLst>
-          </p:cNvPr>
-          <p:cNvCxnSpPr>
-            <a:cxnSpLocks/>
-            <a:stCxn id="19" idx="3"/>
-            <a:endCxn id="47" idx="2"/>
-          </p:cNvCxnSpPr>
-          <p:nvPr/>
-        </p:nvCxnSpPr>
-        <p:spPr>
-          <a:xfrm>
-            <a:off x="1828800" y="2200673"/>
-            <a:ext cx="854911" cy="1279181"/>
-          </a:xfrm>
-          <a:prstGeom prst="straightConnector1">
-            <a:avLst/>
-          </a:prstGeom>
-          <a:ln w="38100">
-            <a:solidFill>
-              <a:schemeClr val="tx1"/>
-            </a:solidFill>
-            <a:tailEnd type="triangle"/>
-          </a:ln>
-        </p:spPr>
-        <p:style>
-          <a:lnRef idx="2">
-            <a:schemeClr val="accent1"/>
-          </a:lnRef>
-          <a:fillRef idx="0">
-            <a:schemeClr val="accent1"/>
-          </a:fillRef>
-          <a:effectRef idx="1">
-            <a:schemeClr val="accent1"/>
-          </a:effectRef>
-          <a:fontRef idx="minor">
-            <a:schemeClr val="tx1"/>
-          </a:fontRef>
-        </p:style>
-      </p:cxnSp>
-      <p:cxnSp>
-        <p:nvCxnSpPr>
-          <p:cNvPr id="55" name="Straight Arrow Connector 54">
-            <a:extLst>
-              <a:ext uri="{FF2B5EF4-FFF2-40B4-BE49-F238E27FC236}">
-                <a16:creationId xmlns:a16="http://schemas.microsoft.com/office/drawing/2014/main" id="{0A7894D7-82DE-C7A6-BD0A-6CA6F5E81ADF}"/>
-              </a:ext>
-            </a:extLst>
-          </p:cNvPr>
-          <p:cNvCxnSpPr>
-            <a:cxnSpLocks/>
-            <a:stCxn id="17" idx="3"/>
-            <a:endCxn id="47" idx="2"/>
-          </p:cNvCxnSpPr>
-          <p:nvPr/>
-        </p:nvCxnSpPr>
-        <p:spPr>
-          <a:xfrm>
-            <a:off x="1828800" y="3112691"/>
-            <a:ext cx="854911" cy="367163"/>
-          </a:xfrm>
-          <a:prstGeom prst="straightConnector1">
-            <a:avLst/>
-          </a:prstGeom>
-          <a:ln w="38100">
-            <a:solidFill>
-              <a:schemeClr val="tx1"/>
-            </a:solidFill>
-            <a:tailEnd type="triangle"/>
-          </a:ln>
-        </p:spPr>
-        <p:style>
-          <a:lnRef idx="2">
-            <a:schemeClr val="accent1"/>
-          </a:lnRef>
-          <a:fillRef idx="0">
-            <a:schemeClr val="accent1"/>
-          </a:fillRef>
-          <a:effectRef idx="1">
-            <a:schemeClr val="accent1"/>
-          </a:effectRef>
-          <a:fontRef idx="minor">
-            <a:schemeClr val="tx1"/>
-          </a:fontRef>
-        </p:style>
-      </p:cxnSp>
-      <p:cxnSp>
-        <p:nvCxnSpPr>
-          <p:cNvPr id="58" name="Straight Arrow Connector 57">
-            <a:extLst>
-              <a:ext uri="{FF2B5EF4-FFF2-40B4-BE49-F238E27FC236}">
-                <a16:creationId xmlns:a16="http://schemas.microsoft.com/office/drawing/2014/main" id="{6AE17FD6-3DD3-6D59-A614-1C0E28A6E1AF}"/>
-              </a:ext>
-            </a:extLst>
-          </p:cNvPr>
-          <p:cNvCxnSpPr>
-            <a:cxnSpLocks/>
-            <a:stCxn id="18" idx="3"/>
-            <a:endCxn id="47" idx="2"/>
-          </p:cNvCxnSpPr>
-          <p:nvPr/>
-        </p:nvCxnSpPr>
-        <p:spPr>
-          <a:xfrm flipV="1">
-            <a:off x="1828800" y="3479854"/>
-            <a:ext cx="854911" cy="544458"/>
-          </a:xfrm>
-          <a:prstGeom prst="straightConnector1">
-            <a:avLst/>
-          </a:prstGeom>
-          <a:ln w="38100">
-            <a:solidFill>
-              <a:schemeClr val="tx1"/>
-            </a:solidFill>
-            <a:tailEnd type="triangle"/>
-          </a:ln>
-        </p:spPr>
-        <p:style>
-          <a:lnRef idx="2">
-            <a:schemeClr val="accent1"/>
-          </a:lnRef>
-          <a:fillRef idx="0">
-            <a:schemeClr val="accent1"/>
-          </a:fillRef>
-          <a:effectRef idx="1">
-            <a:schemeClr val="accent1"/>
-          </a:effectRef>
-          <a:fontRef idx="minor">
-            <a:schemeClr val="tx1"/>
-          </a:fontRef>
-        </p:style>
-      </p:cxnSp>
-      <p:sp>
-        <p:nvSpPr>
-          <p:cNvPr id="74" name="Oval 73">
-            <a:extLst>
-              <a:ext uri="{FF2B5EF4-FFF2-40B4-BE49-F238E27FC236}">
-                <a16:creationId xmlns:a16="http://schemas.microsoft.com/office/drawing/2014/main" id="{BDFC183D-AE9D-BC17-9E44-75209C0D3D23}"/>
-              </a:ext>
-            </a:extLst>
-          </p:cNvPr>
-          <p:cNvSpPr/>
-          <p:nvPr/>
-        </p:nvSpPr>
-        <p:spPr>
-          <a:xfrm>
-            <a:off x="5962805" y="2612682"/>
-            <a:ext cx="990600" cy="990600"/>
-          </a:xfrm>
-          <a:prstGeom prst="ellipse">
-            <a:avLst/>
-          </a:prstGeom>
-          <a:noFill/>
-          <a:ln w="38100">
-            <a:solidFill>
-              <a:schemeClr val="tx1"/>
-            </a:solidFill>
-          </a:ln>
-        </p:spPr>
-        <p:style>
-          <a:lnRef idx="2">
-            <a:schemeClr val="accent1">
-              <a:shade val="15000"/>
-            </a:schemeClr>
-          </a:lnRef>
-          <a:fillRef idx="1">
-            <a:schemeClr val="accent1"/>
-          </a:fillRef>
-          <a:effectRef idx="0">
-            <a:schemeClr val="accent1"/>
-          </a:effectRef>
-          <a:fontRef idx="minor">
-            <a:schemeClr val="lt1"/>
-          </a:fontRef>
-        </p:style>
-        <p:txBody>
-          <a:bodyPr rtlCol="0" anchor="ctr"/>
-          <a:lstStyle/>
-          <a:p>
-            <a:pPr algn="ctr"/>
-            <a:r>
-              <a:rPr lang="en-US" sz="4000" dirty="0" err="1">
-                <a:solidFill>
-                  <a:schemeClr val="tx1"/>
-                </a:solidFill>
-              </a:rPr>
-              <a:t>Σ</a:t>
-            </a:r>
-            <a:endParaRPr lang="en-US" sz="4000" dirty="0">
-              <a:solidFill>
-                <a:schemeClr val="tx1"/>
-              </a:solidFill>
-            </a:endParaRPr>
-          </a:p>
-        </p:txBody>
-      </p:sp>
-      <p:cxnSp>
-        <p:nvCxnSpPr>
-          <p:cNvPr id="75" name="Straight Arrow Connector 74">
-            <a:extLst>
-              <a:ext uri="{FF2B5EF4-FFF2-40B4-BE49-F238E27FC236}">
-                <a16:creationId xmlns:a16="http://schemas.microsoft.com/office/drawing/2014/main" id="{E5D82762-EACF-44F2-9306-515C75F2B680}"/>
-              </a:ext>
-            </a:extLst>
-          </p:cNvPr>
-          <p:cNvCxnSpPr>
-            <a:cxnSpLocks/>
-            <a:stCxn id="5" idx="3"/>
-            <a:endCxn id="74" idx="2"/>
-          </p:cNvCxnSpPr>
-          <p:nvPr/>
-        </p:nvCxnSpPr>
-        <p:spPr>
-          <a:xfrm>
-            <a:off x="4552295" y="2572544"/>
-            <a:ext cx="1410510" cy="535438"/>
-          </a:xfrm>
-          <a:prstGeom prst="straightConnector1">
-            <a:avLst/>
-          </a:prstGeom>
-          <a:ln w="38100">
-            <a:solidFill>
-              <a:schemeClr val="tx1"/>
-            </a:solidFill>
-            <a:tailEnd type="triangle"/>
-          </a:ln>
-        </p:spPr>
-        <p:style>
-          <a:lnRef idx="2">
-            <a:schemeClr val="accent1"/>
-          </a:lnRef>
-          <a:fillRef idx="0">
-            <a:schemeClr val="accent1"/>
-          </a:fillRef>
-          <a:effectRef idx="1">
-            <a:schemeClr val="accent1"/>
-          </a:effectRef>
-          <a:fontRef idx="minor">
-            <a:schemeClr val="tx1"/>
-          </a:fontRef>
-        </p:style>
-      </p:cxnSp>
-      <p:cxnSp>
-        <p:nvCxnSpPr>
-          <p:cNvPr id="78" name="Straight Arrow Connector 77">
-            <a:extLst>
-              <a:ext uri="{FF2B5EF4-FFF2-40B4-BE49-F238E27FC236}">
-                <a16:creationId xmlns:a16="http://schemas.microsoft.com/office/drawing/2014/main" id="{8497E96C-5E10-AFCB-C65D-46546886CF3B}"/>
-              </a:ext>
-            </a:extLst>
-          </p:cNvPr>
-          <p:cNvCxnSpPr>
-            <a:cxnSpLocks/>
-            <a:stCxn id="49" idx="3"/>
-            <a:endCxn id="74" idx="2"/>
-          </p:cNvCxnSpPr>
-          <p:nvPr/>
-        </p:nvCxnSpPr>
-        <p:spPr>
-          <a:xfrm flipV="1">
-            <a:off x="4552295" y="3107982"/>
-            <a:ext cx="1410510" cy="371872"/>
-          </a:xfrm>
-          <a:prstGeom prst="straightConnector1">
-            <a:avLst/>
-          </a:prstGeom>
-          <a:ln w="38100">
-            <a:solidFill>
-              <a:schemeClr val="tx1"/>
-            </a:solidFill>
-            <a:tailEnd type="triangle"/>
-          </a:ln>
-        </p:spPr>
-        <p:style>
-          <a:lnRef idx="2">
-            <a:schemeClr val="accent1"/>
-          </a:lnRef>
-          <a:fillRef idx="0">
-            <a:schemeClr val="accent1"/>
-          </a:fillRef>
-          <a:effectRef idx="1">
-            <a:schemeClr val="accent1"/>
-          </a:effectRef>
-          <a:fontRef idx="minor">
-            <a:schemeClr val="tx1"/>
-          </a:fontRef>
-        </p:style>
-      </p:cxnSp>
-      <p:sp>
-        <p:nvSpPr>
-          <p:cNvPr id="81" name="Rectangle 80">
-            <a:extLst>
-              <a:ext uri="{FF2B5EF4-FFF2-40B4-BE49-F238E27FC236}">
-                <a16:creationId xmlns:a16="http://schemas.microsoft.com/office/drawing/2014/main" id="{4A13815B-A4CF-96CB-2AE7-6AA00A19F41E}"/>
-              </a:ext>
-            </a:extLst>
-          </p:cNvPr>
-          <p:cNvSpPr/>
-          <p:nvPr/>
-        </p:nvSpPr>
-        <p:spPr>
-          <a:xfrm>
-            <a:off x="3561695" y="4078197"/>
-            <a:ext cx="990600" cy="743743"/>
-          </a:xfrm>
-          <a:prstGeom prst="rect">
-            <a:avLst/>
-          </a:prstGeom>
-          <a:noFill/>
-          <a:ln w="38100"/>
-        </p:spPr>
-        <p:style>
-          <a:lnRef idx="2">
-            <a:schemeClr val="accent1">
-              <a:shade val="15000"/>
-            </a:schemeClr>
-          </a:lnRef>
-          <a:fillRef idx="1">
-            <a:schemeClr val="accent1"/>
-          </a:fillRef>
-          <a:effectRef idx="0">
-            <a:schemeClr val="accent1"/>
-          </a:effectRef>
-          <a:fontRef idx="minor">
-            <a:schemeClr val="lt1"/>
-          </a:fontRef>
-        </p:style>
-        <p:txBody>
-          <a:bodyPr rtlCol="0" anchor="ctr"/>
-          <a:lstStyle/>
-          <a:p>
-            <a:pPr algn="ctr"/>
-            <a:r>
-              <a:rPr lang="en-KW" sz="2800" b="1" dirty="0">
-                <a:solidFill>
-                  <a:schemeClr val="tx1"/>
-                </a:solidFill>
-              </a:rPr>
-              <a:t>1</a:t>
-            </a:r>
-          </a:p>
-        </p:txBody>
-      </p:sp>
-      <p:cxnSp>
-        <p:nvCxnSpPr>
-          <p:cNvPr id="82" name="Straight Arrow Connector 81">
-            <a:extLst>
-              <a:ext uri="{FF2B5EF4-FFF2-40B4-BE49-F238E27FC236}">
-                <a16:creationId xmlns:a16="http://schemas.microsoft.com/office/drawing/2014/main" id="{CA387B75-268C-50EC-5A48-12CD7CE29091}"/>
-              </a:ext>
-            </a:extLst>
-          </p:cNvPr>
-          <p:cNvCxnSpPr>
-            <a:cxnSpLocks/>
-            <a:stCxn id="81" idx="3"/>
-            <a:endCxn id="74" idx="2"/>
-          </p:cNvCxnSpPr>
-          <p:nvPr/>
-        </p:nvCxnSpPr>
-        <p:spPr>
-          <a:xfrm flipV="1">
-            <a:off x="4552295" y="3107982"/>
-            <a:ext cx="1410510" cy="1342087"/>
-          </a:xfrm>
-          <a:prstGeom prst="straightConnector1">
-            <a:avLst/>
-          </a:prstGeom>
-          <a:ln w="38100">
-            <a:solidFill>
-              <a:schemeClr val="tx1"/>
-            </a:solidFill>
-            <a:tailEnd type="triangle"/>
-          </a:ln>
-        </p:spPr>
-        <p:style>
-          <a:lnRef idx="2">
-            <a:schemeClr val="accent1"/>
-          </a:lnRef>
-          <a:fillRef idx="0">
-            <a:schemeClr val="accent1"/>
-          </a:fillRef>
-          <a:effectRef idx="1">
-            <a:schemeClr val="accent1"/>
-          </a:effectRef>
-          <a:fontRef idx="minor">
-            <a:schemeClr val="tx1"/>
-          </a:fontRef>
-        </p:style>
-      </p:cxnSp>
-      <p:cxnSp>
-        <p:nvCxnSpPr>
-          <p:cNvPr id="85" name="Straight Arrow Connector 84">
-            <a:extLst>
-              <a:ext uri="{FF2B5EF4-FFF2-40B4-BE49-F238E27FC236}">
-                <a16:creationId xmlns:a16="http://schemas.microsoft.com/office/drawing/2014/main" id="{A77DC26F-BCE6-994F-4849-F564FC5B3F73}"/>
-              </a:ext>
-            </a:extLst>
-          </p:cNvPr>
-          <p:cNvCxnSpPr>
-            <a:cxnSpLocks/>
-            <a:stCxn id="74" idx="6"/>
-            <a:endCxn id="20" idx="1"/>
-          </p:cNvCxnSpPr>
-          <p:nvPr/>
-        </p:nvCxnSpPr>
-        <p:spPr>
-          <a:xfrm flipV="1">
-            <a:off x="6953405" y="3105236"/>
-            <a:ext cx="357887" cy="2746"/>
-          </a:xfrm>
-          <a:prstGeom prst="straightConnector1">
-            <a:avLst/>
-          </a:prstGeom>
-          <a:ln w="38100">
-            <a:solidFill>
-              <a:schemeClr val="tx1"/>
-            </a:solidFill>
-            <a:tailEnd type="triangle"/>
-          </a:ln>
-        </p:spPr>
-        <p:style>
-          <a:lnRef idx="2">
-            <a:schemeClr val="accent1"/>
-          </a:lnRef>
-          <a:fillRef idx="0">
-            <a:schemeClr val="accent1"/>
-          </a:fillRef>
-          <a:effectRef idx="1">
-            <a:schemeClr val="accent1"/>
-          </a:effectRef>
-          <a:fontRef idx="minor">
-            <a:schemeClr val="tx1"/>
-          </a:fontRef>
-        </p:style>
-      </p:cxnSp>
-      <p:sp>
-        <p:nvSpPr>
-          <p:cNvPr id="15" name="TextBox 14">
-            <a:extLst>
-              <a:ext uri="{FF2B5EF4-FFF2-40B4-BE49-F238E27FC236}">
-                <a16:creationId xmlns:a16="http://schemas.microsoft.com/office/drawing/2014/main" id="{F40F4C9F-7EA1-1C18-BD7E-BB207D6DDFE6}"/>
-              </a:ext>
-            </a:extLst>
-          </p:cNvPr>
-          <p:cNvSpPr txBox="1"/>
-          <p:nvPr/>
-        </p:nvSpPr>
-        <p:spPr>
-          <a:xfrm>
-            <a:off x="4910182" y="2322902"/>
-            <a:ext cx="869149" cy="523220"/>
-          </a:xfrm>
-          <a:prstGeom prst="rect">
-            <a:avLst/>
-          </a:prstGeom>
-          <a:noFill/>
-        </p:spPr>
-        <p:txBody>
-          <a:bodyPr wrap="none" rtlCol="0">
-            <a:spAutoFit/>
-          </a:bodyPr>
-          <a:lstStyle/>
-          <a:p>
-            <a:r>
-              <a:rPr lang="en-US" sz="2800" dirty="0"/>
-              <a:t>H</a:t>
-            </a:r>
-            <a:r>
-              <a:rPr lang="en-KW" sz="2800" dirty="0"/>
-              <a:t>_2 </a:t>
-            </a:r>
-          </a:p>
-        </p:txBody>
-      </p:sp>
-      <p:sp>
-        <p:nvSpPr>
-          <p:cNvPr id="23" name="TextBox 22">
-            <a:extLst>
-              <a:ext uri="{FF2B5EF4-FFF2-40B4-BE49-F238E27FC236}">
-                <a16:creationId xmlns:a16="http://schemas.microsoft.com/office/drawing/2014/main" id="{C2C4CB8E-6BEE-6B41-1735-4BF44BF75543}"/>
-              </a:ext>
-            </a:extLst>
-          </p:cNvPr>
-          <p:cNvSpPr txBox="1"/>
-          <p:nvPr/>
-        </p:nvSpPr>
-        <p:spPr>
-          <a:xfrm>
-            <a:off x="9508289" y="3341672"/>
-            <a:ext cx="383438" cy="523220"/>
-          </a:xfrm>
-          <a:prstGeom prst="rect">
-            <a:avLst/>
-          </a:prstGeom>
-          <a:noFill/>
-        </p:spPr>
-        <p:txBody>
-          <a:bodyPr wrap="none" rtlCol="0">
-            <a:spAutoFit/>
-          </a:bodyPr>
-          <a:lstStyle/>
-          <a:p>
-            <a:r>
-              <a:rPr lang="en-US" sz="2800" dirty="0"/>
-              <a:t>o</a:t>
-            </a:r>
-            <a:endParaRPr lang="en-KW" sz="2800" dirty="0"/>
-          </a:p>
-        </p:txBody>
-      </p:sp>
+      </p:pic>
     </p:spTree>
     <p:extLst>
       <p:ext uri="{BB962C8B-B14F-4D97-AF65-F5344CB8AC3E}">
-        <p14:creationId xmlns:p14="http://schemas.microsoft.com/office/powerpoint/2010/main" val="2452061723"/>
+        <p14:creationId xmlns:p14="http://schemas.microsoft.com/office/powerpoint/2010/main" val="853915963"/>
       </p:ext>
     </p:extLst>
   </p:cSld>
   <p:clrMapOvr>
     <a:masterClrMapping/>
   </p:clrMapOvr>
+  <p:timing>
+    <p:tnLst>
+      <p:par>
+        <p:cTn id="1" dur="indefinite" restart="never" nodeType="tmRoot">
+          <p:childTnLst>
+            <p:seq concurrent="1" nextAc="seek">
+              <p:cTn id="2" dur="indefinite" nodeType="mainSeq">
+                <p:childTnLst>
+                  <p:par>
+                    <p:cTn id="3" fill="hold">
+                      <p:stCondLst>
+                        <p:cond delay="indefinite"/>
+                      </p:stCondLst>
+                      <p:childTnLst>
+                        <p:par>
+                          <p:cTn id="4" fill="hold">
+                            <p:stCondLst>
+                              <p:cond delay="0"/>
+                            </p:stCondLst>
+                            <p:childTnLst>
+                              <p:par>
+                                <p:cTn id="5" presetID="1" presetClass="entr" presetSubtype="0" fill="hold" grpId="0" nodeType="clickEffect">
+                                  <p:stCondLst>
+                                    <p:cond delay="0"/>
+                                  </p:stCondLst>
+                                  <p:childTnLst>
+                                    <p:set>
+                                      <p:cBhvr>
+                                        <p:cTn id="6" dur="1" fill="hold">
+                                          <p:stCondLst>
+                                            <p:cond delay="0"/>
+                                          </p:stCondLst>
+                                        </p:cTn>
+                                        <p:tgtEl>
+                                          <p:spTgt spid="3">
+                                            <p:txEl>
+                                              <p:pRg st="0" end="0"/>
+                                            </p:txEl>
+                                          </p:spTgt>
+                                        </p:tgtEl>
+                                        <p:attrNameLst>
+                                          <p:attrName>style.visibility</p:attrName>
+                                        </p:attrNameLst>
+                                      </p:cBhvr>
+                                      <p:to>
+                                        <p:strVal val="visible"/>
+                                      </p:to>
+                                    </p:set>
+                                  </p:childTnLst>
+                                </p:cTn>
+                              </p:par>
+                            </p:childTnLst>
+                          </p:cTn>
+                        </p:par>
+                      </p:childTnLst>
+                    </p:cTn>
+                  </p:par>
+                  <p:par>
+                    <p:cTn id="7" fill="hold">
+                      <p:stCondLst>
+                        <p:cond delay="indefinite"/>
+                      </p:stCondLst>
+                      <p:childTnLst>
+                        <p:par>
+                          <p:cTn id="8" fill="hold">
+                            <p:stCondLst>
+                              <p:cond delay="0"/>
+                            </p:stCondLst>
+                            <p:childTnLst>
+                              <p:par>
+                                <p:cTn id="9" presetID="1" presetClass="entr" presetSubtype="0" fill="hold" grpId="0" nodeType="clickEffect">
+                                  <p:stCondLst>
+                                    <p:cond delay="0"/>
+                                  </p:stCondLst>
+                                  <p:childTnLst>
+                                    <p:set>
+                                      <p:cBhvr>
+                                        <p:cTn id="10" dur="1" fill="hold">
+                                          <p:stCondLst>
+                                            <p:cond delay="0"/>
+                                          </p:stCondLst>
+                                        </p:cTn>
+                                        <p:tgtEl>
+                                          <p:spTgt spid="3">
+                                            <p:txEl>
+                                              <p:pRg st="1" end="1"/>
+                                            </p:txEl>
+                                          </p:spTgt>
+                                        </p:tgtEl>
+                                        <p:attrNameLst>
+                                          <p:attrName>style.visibility</p:attrName>
+                                        </p:attrNameLst>
+                                      </p:cBhvr>
+                                      <p:to>
+                                        <p:strVal val="visible"/>
+                                      </p:to>
+                                    </p:set>
+                                  </p:childTnLst>
+                                </p:cTn>
+                              </p:par>
+                            </p:childTnLst>
+                          </p:cTn>
+                        </p:par>
+                      </p:childTnLst>
+                    </p:cTn>
+                  </p:par>
+                  <p:par>
+                    <p:cTn id="11" fill="hold">
+                      <p:stCondLst>
+                        <p:cond delay="indefinite"/>
+                      </p:stCondLst>
+                      <p:childTnLst>
+                        <p:par>
+                          <p:cTn id="12" fill="hold">
+                            <p:stCondLst>
+                              <p:cond delay="0"/>
+                            </p:stCondLst>
+                            <p:childTnLst>
+                              <p:par>
+                                <p:cTn id="13" presetID="1" presetClass="entr" presetSubtype="0" fill="hold" nodeType="clickEffect">
+                                  <p:stCondLst>
+                                    <p:cond delay="0"/>
+                                  </p:stCondLst>
+                                  <p:childTnLst>
+                                    <p:set>
+                                      <p:cBhvr>
+                                        <p:cTn id="14" dur="1" fill="hold">
+                                          <p:stCondLst>
+                                            <p:cond delay="0"/>
+                                          </p:stCondLst>
+                                        </p:cTn>
+                                        <p:tgtEl>
+                                          <p:spTgt spid="4"/>
+                                        </p:tgtEl>
+                                        <p:attrNameLst>
+                                          <p:attrName>style.visibility</p:attrName>
+                                        </p:attrNameLst>
+                                      </p:cBhvr>
+                                      <p:to>
+                                        <p:strVal val="visible"/>
+                                      </p:to>
+                                    </p:set>
+                                  </p:childTnLst>
+                                </p:cTn>
+                              </p:par>
+                            </p:childTnLst>
+                          </p:cTn>
+                        </p:par>
+                      </p:childTnLst>
+                    </p:cTn>
+                  </p:par>
+                  <p:par>
+                    <p:cTn id="15" fill="hold">
+                      <p:stCondLst>
+                        <p:cond delay="indefinite"/>
+                      </p:stCondLst>
+                      <p:childTnLst>
+                        <p:par>
+                          <p:cTn id="16" fill="hold">
+                            <p:stCondLst>
+                              <p:cond delay="0"/>
+                            </p:stCondLst>
+                            <p:childTnLst>
+                              <p:par>
+                                <p:cTn id="17" presetID="1" presetClass="entr" presetSubtype="0" fill="hold" nodeType="clickEffect">
+                                  <p:stCondLst>
+                                    <p:cond delay="0"/>
+                                  </p:stCondLst>
+                                  <p:childTnLst>
+                                    <p:set>
+                                      <p:cBhvr>
+                                        <p:cTn id="18" dur="1" fill="hold">
+                                          <p:stCondLst>
+                                            <p:cond delay="0"/>
+                                          </p:stCondLst>
+                                        </p:cTn>
+                                        <p:tgtEl>
+                                          <p:spTgt spid="5"/>
+                                        </p:tgtEl>
+                                        <p:attrNameLst>
+                                          <p:attrName>style.visibility</p:attrName>
+                                        </p:attrNameLst>
+                                      </p:cBhvr>
+                                      <p:to>
+                                        <p:strVal val="visible"/>
+                                      </p:to>
+                                    </p:set>
+                                  </p:childTnLst>
+                                </p:cTn>
+                              </p:par>
+                            </p:childTnLst>
+                          </p:cTn>
+                        </p:par>
+                      </p:childTnLst>
+                    </p:cTn>
+                  </p:par>
+                  <p:par>
+                    <p:cTn id="19" fill="hold">
+                      <p:stCondLst>
+                        <p:cond delay="indefinite"/>
+                      </p:stCondLst>
+                      <p:childTnLst>
+                        <p:par>
+                          <p:cTn id="20" fill="hold">
+                            <p:stCondLst>
+                              <p:cond delay="0"/>
+                            </p:stCondLst>
+                            <p:childTnLst>
+                              <p:par>
+                                <p:cTn id="21" presetID="1" presetClass="entr" presetSubtype="0" fill="hold" nodeType="clickEffect">
+                                  <p:stCondLst>
+                                    <p:cond delay="0"/>
+                                  </p:stCondLst>
+                                  <p:childTnLst>
+                                    <p:set>
+                                      <p:cBhvr>
+                                        <p:cTn id="22" dur="1" fill="hold">
+                                          <p:stCondLst>
+                                            <p:cond delay="0"/>
+                                          </p:stCondLst>
+                                        </p:cTn>
+                                        <p:tgtEl>
+                                          <p:spTgt spid="6"/>
+                                        </p:tgtEl>
+                                        <p:attrNameLst>
+                                          <p:attrName>style.visibility</p:attrName>
+                                        </p:attrNameLst>
+                                      </p:cBhvr>
+                                      <p:to>
+                                        <p:strVal val="visible"/>
+                                      </p:to>
+                                    </p:set>
+                                  </p:childTnLst>
+                                </p:cTn>
+                              </p:par>
+                            </p:childTnLst>
+                          </p:cTn>
+                        </p:par>
+                      </p:childTnLst>
+                    </p:cTn>
+                  </p:par>
+                  <p:par>
+                    <p:cTn id="23" fill="hold">
+                      <p:stCondLst>
+                        <p:cond delay="indefinite"/>
+                      </p:stCondLst>
+                      <p:childTnLst>
+                        <p:par>
+                          <p:cTn id="24" fill="hold">
+                            <p:stCondLst>
+                              <p:cond delay="0"/>
+                            </p:stCondLst>
+                            <p:childTnLst>
+                              <p:par>
+                                <p:cTn id="25" presetID="1" presetClass="entr" presetSubtype="0" fill="hold" grpId="0" nodeType="clickEffect">
+                                  <p:stCondLst>
+                                    <p:cond delay="0"/>
+                                  </p:stCondLst>
+                                  <p:childTnLst>
+                                    <p:set>
+                                      <p:cBhvr>
+                                        <p:cTn id="26" dur="1" fill="hold">
+                                          <p:stCondLst>
+                                            <p:cond delay="0"/>
+                                          </p:stCondLst>
+                                        </p:cTn>
+                                        <p:tgtEl>
+                                          <p:spTgt spid="3">
+                                            <p:txEl>
+                                              <p:pRg st="2" end="2"/>
+                                            </p:txEl>
+                                          </p:spTgt>
+                                        </p:tgtEl>
+                                        <p:attrNameLst>
+                                          <p:attrName>style.visibility</p:attrName>
+                                        </p:attrNameLst>
+                                      </p:cBhvr>
+                                      <p:to>
+                                        <p:strVal val="visible"/>
+                                      </p:to>
+                                    </p:set>
+                                  </p:childTnLst>
+                                </p:cTn>
+                              </p:par>
+                            </p:childTnLst>
+                          </p:cTn>
+                        </p:par>
+                      </p:childTnLst>
+                    </p:cTn>
+                  </p:par>
+                </p:childTnLst>
+              </p:cTn>
+              <p:prevCondLst>
+                <p:cond evt="onPrev" delay="0">
+                  <p:tgtEl>
+                    <p:sldTgt/>
+                  </p:tgtEl>
+                </p:cond>
+              </p:prevCondLst>
+              <p:nextCondLst>
+                <p:cond evt="onNext" delay="0">
+                  <p:tgtEl>
+                    <p:sldTgt/>
+                  </p:tgtEl>
+                </p:cond>
+              </p:nextCondLst>
+            </p:seq>
+          </p:childTnLst>
+        </p:cTn>
+      </p:par>
+    </p:tnLst>
+    <p:bldLst>
+      <p:bldP spid="3" grpId="0" uiExpand="1" build="p"/>
+    </p:bldLst>
+  </p:timing>
 </p:sld>
 </file>
 
